--- a/figures/diagrams_master.pptx
+++ b/figures/diagrams_master.pptx
@@ -1,22 +1,40 @@
 
 <file path=ppt/presentation.xml><?xml version="1.0" encoding="utf-8"?>
-<p:presentation xmlns:a="http://schemas.openxmlformats.org/drawingml/2006/main" xmlns:r="http://schemas.openxmlformats.org/officeDocument/2006/relationships" xmlns:p="http://schemas.openxmlformats.org/presentationml/2006/main" saveSubsetFonts="1" autoCompressPictures="0">
+<p:presentation xmlns:a="http://schemas.openxmlformats.org/drawingml/2006/main" xmlns:r="http://schemas.openxmlformats.org/officeDocument/2006/relationships" xmlns:p="http://schemas.openxmlformats.org/presentationml/2006/main" embedTrueTypeFonts="1" autoCompressPictures="0">
   <p:sldMasterIdLst>
     <p:sldMasterId id="2147483648" r:id="rId1"/>
   </p:sldMasterIdLst>
   <p:notesMasterIdLst>
-    <p:notesMasterId r:id="rId8"/>
+    <p:notesMasterId r:id="rId10"/>
   </p:notesMasterIdLst>
   <p:sldIdLst>
     <p:sldId id="257" r:id="rId2"/>
-    <p:sldId id="258" r:id="rId3"/>
-    <p:sldId id="259" r:id="rId4"/>
-    <p:sldId id="260" r:id="rId5"/>
-    <p:sldId id="261" r:id="rId6"/>
-    <p:sldId id="262" r:id="rId7"/>
+    <p:sldId id="263" r:id="rId3"/>
+    <p:sldId id="264" r:id="rId4"/>
+    <p:sldId id="258" r:id="rId5"/>
+    <p:sldId id="259" r:id="rId6"/>
+    <p:sldId id="260" r:id="rId7"/>
+    <p:sldId id="261" r:id="rId8"/>
+    <p:sldId id="262" r:id="rId9"/>
   </p:sldIdLst>
   <p:sldSz cx="9144000" cy="6858000" type="screen4x3"/>
   <p:notesSz cx="6858000" cy="9144000"/>
+  <p:embeddedFontLst>
+    <p:embeddedFont>
+      <p:font typeface="Calibri" panose="020F0502020204030204" pitchFamily="34" charset="0"/>
+      <p:regular r:id="rId11"/>
+      <p:bold r:id="rId12"/>
+      <p:italic r:id="rId13"/>
+      <p:boldItalic r:id="rId14"/>
+    </p:embeddedFont>
+    <p:embeddedFont>
+      <p:font typeface="Times" panose="02020603050405020304" pitchFamily="18" charset="0"/>
+      <p:regular r:id="rId15"/>
+      <p:bold r:id="rId16"/>
+      <p:italic r:id="rId17"/>
+      <p:boldItalic r:id="rId18"/>
+    </p:embeddedFont>
+  </p:embeddedFontLst>
   <p:defaultTextStyle>
     <a:defPPr>
       <a:defRPr lang="en-US"/>
@@ -213,7 +231,7 @@
           <a:p>
             <a:fld id="{230C8B92-9FC9-4688-93C0-B025F7A62364}" type="datetimeFigureOut">
               <a:rPr lang="en-US" smtClean="0"/>
-              <a:t>1/13/2017</a:t>
+              <a:t>3/21/2017</a:t>
             </a:fld>
             <a:endParaRPr lang="en-US"/>
           </a:p>
@@ -566,7 +584,7 @@
           <a:p>
             <a:fld id="{4DB0F067-1161-487B-B144-038A6751355D}" type="slidenum">
               <a:rPr lang="en-US" smtClean="0"/>
-              <a:t>2</a:t>
+              <a:t>4</a:t>
             </a:fld>
             <a:endParaRPr lang="en-US"/>
           </a:p>
@@ -670,7 +688,7 @@
           <a:p>
             <a:fld id="{4DB0F067-1161-487B-B144-038A6751355D}" type="slidenum">
               <a:rPr lang="en-US" smtClean="0"/>
-              <a:t>3</a:t>
+              <a:t>5</a:t>
             </a:fld>
             <a:endParaRPr lang="en-US"/>
           </a:p>
@@ -774,7 +792,7 @@
           <a:p>
             <a:fld id="{4DB0F067-1161-487B-B144-038A6751355D}" type="slidenum">
               <a:rPr lang="en-US" smtClean="0"/>
-              <a:t>4</a:t>
+              <a:t>6</a:t>
             </a:fld>
             <a:endParaRPr lang="en-US"/>
           </a:p>
@@ -878,7 +896,7 @@
           <a:p>
             <a:fld id="{4DB0F067-1161-487B-B144-038A6751355D}" type="slidenum">
               <a:rPr lang="en-US" smtClean="0"/>
-              <a:t>5</a:t>
+              <a:t>7</a:t>
             </a:fld>
             <a:endParaRPr lang="en-US"/>
           </a:p>
@@ -982,7 +1000,7 @@
           <a:p>
             <a:fld id="{4DB0F067-1161-487B-B144-038A6751355D}" type="slidenum">
               <a:rPr lang="en-US" smtClean="0"/>
-              <a:t>6</a:t>
+              <a:t>8</a:t>
             </a:fld>
             <a:endParaRPr lang="en-US"/>
           </a:p>
@@ -1183,7 +1201,7 @@
             <a:fld id="{7A822A71-BFA1-6E4D-9FB5-74A5F7F75AF9}" type="datetimeFigureOut">
               <a:rPr lang="en-US" smtClean="0"/>
               <a:pPr/>
-              <a:t>1/13/2017</a:t>
+              <a:t>3/21/2017</a:t>
             </a:fld>
             <a:endParaRPr lang="en-US"/>
           </a:p>
@@ -1350,7 +1368,7 @@
             <a:fld id="{7A822A71-BFA1-6E4D-9FB5-74A5F7F75AF9}" type="datetimeFigureOut">
               <a:rPr lang="en-US" smtClean="0"/>
               <a:pPr/>
-              <a:t>1/13/2017</a:t>
+              <a:t>3/21/2017</a:t>
             </a:fld>
             <a:endParaRPr lang="en-US"/>
           </a:p>
@@ -1527,7 +1545,7 @@
             <a:fld id="{7A822A71-BFA1-6E4D-9FB5-74A5F7F75AF9}" type="datetimeFigureOut">
               <a:rPr lang="en-US" smtClean="0"/>
               <a:pPr/>
-              <a:t>1/13/2017</a:t>
+              <a:t>3/21/2017</a:t>
             </a:fld>
             <a:endParaRPr lang="en-US"/>
           </a:p>
@@ -1694,7 +1712,7 @@
             <a:fld id="{7A822A71-BFA1-6E4D-9FB5-74A5F7F75AF9}" type="datetimeFigureOut">
               <a:rPr lang="en-US" smtClean="0"/>
               <a:pPr/>
-              <a:t>1/13/2017</a:t>
+              <a:t>3/21/2017</a:t>
             </a:fld>
             <a:endParaRPr lang="en-US"/>
           </a:p>
@@ -1937,7 +1955,7 @@
             <a:fld id="{7A822A71-BFA1-6E4D-9FB5-74A5F7F75AF9}" type="datetimeFigureOut">
               <a:rPr lang="en-US" smtClean="0"/>
               <a:pPr/>
-              <a:t>1/13/2017</a:t>
+              <a:t>3/21/2017</a:t>
             </a:fld>
             <a:endParaRPr lang="en-US"/>
           </a:p>
@@ -2222,7 +2240,7 @@
             <a:fld id="{7A822A71-BFA1-6E4D-9FB5-74A5F7F75AF9}" type="datetimeFigureOut">
               <a:rPr lang="en-US" smtClean="0"/>
               <a:pPr/>
-              <a:t>1/13/2017</a:t>
+              <a:t>3/21/2017</a:t>
             </a:fld>
             <a:endParaRPr lang="en-US"/>
           </a:p>
@@ -2641,7 +2659,7 @@
             <a:fld id="{7A822A71-BFA1-6E4D-9FB5-74A5F7F75AF9}" type="datetimeFigureOut">
               <a:rPr lang="en-US" smtClean="0"/>
               <a:pPr/>
-              <a:t>1/13/2017</a:t>
+              <a:t>3/21/2017</a:t>
             </a:fld>
             <a:endParaRPr lang="en-US"/>
           </a:p>
@@ -2756,7 +2774,7 @@
             <a:fld id="{7A822A71-BFA1-6E4D-9FB5-74A5F7F75AF9}" type="datetimeFigureOut">
               <a:rPr lang="en-US" smtClean="0"/>
               <a:pPr/>
-              <a:t>1/13/2017</a:t>
+              <a:t>3/21/2017</a:t>
             </a:fld>
             <a:endParaRPr lang="en-US"/>
           </a:p>
@@ -2848,7 +2866,7 @@
             <a:fld id="{7A822A71-BFA1-6E4D-9FB5-74A5F7F75AF9}" type="datetimeFigureOut">
               <a:rPr lang="en-US" smtClean="0"/>
               <a:pPr/>
-              <a:t>1/13/2017</a:t>
+              <a:t>3/21/2017</a:t>
             </a:fld>
             <a:endParaRPr lang="en-US"/>
           </a:p>
@@ -3122,7 +3140,7 @@
             <a:fld id="{7A822A71-BFA1-6E4D-9FB5-74A5F7F75AF9}" type="datetimeFigureOut">
               <a:rPr lang="en-US" smtClean="0"/>
               <a:pPr/>
-              <a:t>1/13/2017</a:t>
+              <a:t>3/21/2017</a:t>
             </a:fld>
             <a:endParaRPr lang="en-US"/>
           </a:p>
@@ -3372,7 +3390,7 @@
             <a:fld id="{7A822A71-BFA1-6E4D-9FB5-74A5F7F75AF9}" type="datetimeFigureOut">
               <a:rPr lang="en-US" smtClean="0"/>
               <a:pPr/>
-              <a:t>1/13/2017</a:t>
+              <a:t>3/21/2017</a:t>
             </a:fld>
             <a:endParaRPr lang="en-US"/>
           </a:p>
@@ -3582,7 +3600,7 @@
             <a:fld id="{7A822A71-BFA1-6E4D-9FB5-74A5F7F75AF9}" type="datetimeFigureOut">
               <a:rPr lang="en-US" smtClean="0"/>
               <a:pPr/>
-              <a:t>1/13/2017</a:t>
+              <a:t>3/21/2017</a:t>
             </a:fld>
             <a:endParaRPr lang="en-US"/>
           </a:p>
@@ -8798,28 +8816,14 @@
                   <a:latin typeface="Times New Roman" panose="02020603050405020304" pitchFamily="18" charset="0"/>
                   <a:cs typeface="Times New Roman" panose="02020603050405020304" pitchFamily="18" charset="0"/>
                 </a:rPr>
-                <a:t>Construct unique </a:t>
+                <a:t>Construct </a:t>
               </a:r>
               <a:r>
-                <a:rPr lang="en-US" sz="1050" b="1" i="1" dirty="0" err="1" smtClean="0">
+                <a:rPr lang="en-US" sz="1050" b="1" dirty="0">
                   <a:latin typeface="Times New Roman" panose="02020603050405020304" pitchFamily="18" charset="0"/>
                   <a:cs typeface="Times New Roman" panose="02020603050405020304" pitchFamily="18" charset="0"/>
                 </a:rPr>
-                <a:t>nk</a:t>
-              </a:r>
-              <a:r>
-                <a:rPr lang="en-US" sz="1050" b="1" dirty="0" smtClean="0">
-                  <a:latin typeface="Times New Roman" panose="02020603050405020304" pitchFamily="18" charset="0"/>
-                  <a:cs typeface="Times New Roman" panose="02020603050405020304" pitchFamily="18" charset="0"/>
-                </a:rPr>
-                <a:t> </a:t>
-              </a:r>
-              <a:r>
-                <a:rPr lang="en-US" sz="1050" b="1" dirty="0" err="1" smtClean="0">
-                  <a:latin typeface="Times New Roman" panose="02020603050405020304" pitchFamily="18" charset="0"/>
-                  <a:cs typeface="Times New Roman" panose="02020603050405020304" pitchFamily="18" charset="0"/>
-                </a:rPr>
-                <a:t>x</a:t>
+                <a:t>a</a:t>
               </a:r>
               <a:r>
                 <a:rPr lang="en-US" sz="1050" b="1" dirty="0" smtClean="0">
@@ -8840,14 +8844,21 @@
                   <a:latin typeface="Times New Roman" panose="02020603050405020304" pitchFamily="18" charset="0"/>
                   <a:cs typeface="Times New Roman" panose="02020603050405020304" pitchFamily="18" charset="0"/>
                 </a:rPr>
-                <a:t> </a:t>
+                <a:t> x </a:t>
               </a:r>
               <a:r>
-                <a:rPr lang="en-US" sz="1050" b="1" dirty="0" err="1" smtClean="0">
+                <a:rPr lang="en-US" sz="1050" b="1" i="1" dirty="0" err="1" smtClean="0">
                   <a:latin typeface="Times New Roman" panose="02020603050405020304" pitchFamily="18" charset="0"/>
                   <a:cs typeface="Times New Roman" panose="02020603050405020304" pitchFamily="18" charset="0"/>
                 </a:rPr>
-                <a:t>tridiagonal</a:t>
+                <a:t>nk</a:t>
+              </a:r>
+              <a:r>
+                <a:rPr lang="en-US" sz="1050" b="1" dirty="0" smtClean="0">
+                  <a:latin typeface="Times New Roman" panose="02020603050405020304" pitchFamily="18" charset="0"/>
+                  <a:cs typeface="Times New Roman" panose="02020603050405020304" pitchFamily="18" charset="0"/>
+                </a:rPr>
+                <a:t> tridiagonal</a:t>
               </a:r>
               <a:endParaRPr lang="en-US" sz="1050" b="1" dirty="0">
                 <a:latin typeface="Times New Roman" panose="02020603050405020304" pitchFamily="18" charset="0"/>
@@ -12378,6 +12389,8459 @@
           <a:chExt cx="0" cy="0"/>
         </a:xfrm>
       </p:grpSpPr>
+      <p:grpSp>
+        <p:nvGrpSpPr>
+          <p:cNvPr id="71" name="Group 70"/>
+          <p:cNvGrpSpPr/>
+          <p:nvPr/>
+        </p:nvGrpSpPr>
+        <p:grpSpPr>
+          <a:xfrm>
+            <a:off x="1104900" y="457200"/>
+            <a:ext cx="6934200" cy="2362200"/>
+            <a:chOff x="1104900" y="152400"/>
+            <a:chExt cx="6934200" cy="2362200"/>
+          </a:xfrm>
+        </p:grpSpPr>
+        <p:sp>
+          <p:nvSpPr>
+            <p:cNvPr id="111" name="TextBox 110"/>
+            <p:cNvSpPr txBox="1"/>
+            <p:nvPr/>
+          </p:nvSpPr>
+          <p:spPr>
+            <a:xfrm>
+              <a:off x="3505200" y="2057400"/>
+              <a:ext cx="2133600" cy="457200"/>
+            </a:xfrm>
+            <a:prstGeom prst="rect">
+              <a:avLst/>
+            </a:prstGeom>
+            <a:noFill/>
+          </p:spPr>
+          <p:txBody>
+            <a:bodyPr wrap="none" lIns="0" tIns="0" rIns="0" bIns="0" rtlCol="0" anchor="ctr" anchorCtr="1">
+              <a:noAutofit/>
+            </a:bodyPr>
+            <a:lstStyle/>
+            <a:p>
+              <a:pPr algn="ctr"/>
+              <a:r>
+                <a:rPr lang="en-US" sz="1050" b="1" smtClean="0">
+                  <a:latin typeface="Times New Roman" panose="02020603050405020304" pitchFamily="18" charset="0"/>
+                  <a:cs typeface="Times New Roman" panose="02020603050405020304" pitchFamily="18" charset="0"/>
+                </a:rPr>
+                <a:t>Construct </a:t>
+              </a:r>
+              <a:r>
+                <a:rPr lang="en-US" sz="1050" b="1">
+                  <a:latin typeface="Times New Roman" panose="02020603050405020304" pitchFamily="18" charset="0"/>
+                  <a:cs typeface="Times New Roman" panose="02020603050405020304" pitchFamily="18" charset="0"/>
+                </a:rPr>
+                <a:t>a</a:t>
+              </a:r>
+              <a:r>
+                <a:rPr lang="en-US" sz="1050" b="1" smtClean="0">
+                  <a:latin typeface="Times New Roman" panose="02020603050405020304" pitchFamily="18" charset="0"/>
+                  <a:cs typeface="Times New Roman" panose="02020603050405020304" pitchFamily="18" charset="0"/>
+                </a:rPr>
+                <a:t> </a:t>
+              </a:r>
+              <a:r>
+                <a:rPr lang="en-US" sz="1050" b="1" i="1" dirty="0" err="1" smtClean="0">
+                  <a:latin typeface="Times New Roman" panose="02020603050405020304" pitchFamily="18" charset="0"/>
+                  <a:cs typeface="Times New Roman" panose="02020603050405020304" pitchFamily="18" charset="0"/>
+                </a:rPr>
+                <a:t>nk</a:t>
+              </a:r>
+              <a:r>
+                <a:rPr lang="en-US" sz="1050" b="1" dirty="0" smtClean="0">
+                  <a:latin typeface="Times New Roman" panose="02020603050405020304" pitchFamily="18" charset="0"/>
+                  <a:cs typeface="Times New Roman" panose="02020603050405020304" pitchFamily="18" charset="0"/>
+                </a:rPr>
+                <a:t> x </a:t>
+              </a:r>
+              <a:r>
+                <a:rPr lang="en-US" sz="1050" b="1" i="1" dirty="0" err="1" smtClean="0">
+                  <a:latin typeface="Times New Roman" panose="02020603050405020304" pitchFamily="18" charset="0"/>
+                  <a:cs typeface="Times New Roman" panose="02020603050405020304" pitchFamily="18" charset="0"/>
+                </a:rPr>
+                <a:t>nk</a:t>
+              </a:r>
+              <a:r>
+                <a:rPr lang="en-US" sz="1050" b="1" dirty="0" smtClean="0">
+                  <a:latin typeface="Times New Roman" panose="02020603050405020304" pitchFamily="18" charset="0"/>
+                  <a:cs typeface="Times New Roman" panose="02020603050405020304" pitchFamily="18" charset="0"/>
+                </a:rPr>
+                <a:t> tridiagonal</a:t>
+              </a:r>
+              <a:endParaRPr lang="en-US" sz="1050" b="1" dirty="0">
+                <a:latin typeface="Times New Roman" panose="02020603050405020304" pitchFamily="18" charset="0"/>
+                <a:cs typeface="Times New Roman" panose="02020603050405020304" pitchFamily="18" charset="0"/>
+              </a:endParaRPr>
+            </a:p>
+            <a:p>
+              <a:pPr algn="ctr"/>
+              <a:r>
+                <a:rPr lang="en-US" sz="1050" b="1" dirty="0" smtClean="0">
+                  <a:latin typeface="Times New Roman" panose="02020603050405020304" pitchFamily="18" charset="0"/>
+                  <a:cs typeface="Times New Roman" panose="02020603050405020304" pitchFamily="18" charset="0"/>
+                </a:rPr>
+                <a:t>matrix for each column and solve</a:t>
+              </a:r>
+              <a:endParaRPr lang="en-US" sz="1050" b="1" dirty="0">
+                <a:latin typeface="Times New Roman" panose="02020603050405020304" pitchFamily="18" charset="0"/>
+                <a:cs typeface="Times New Roman" panose="02020603050405020304" pitchFamily="18" charset="0"/>
+              </a:endParaRPr>
+            </a:p>
+          </p:txBody>
+        </p:sp>
+        <p:sp>
+          <p:nvSpPr>
+            <p:cNvPr id="133" name="TextBox 132"/>
+            <p:cNvSpPr txBox="1"/>
+            <p:nvPr/>
+          </p:nvSpPr>
+          <p:spPr>
+            <a:xfrm>
+              <a:off x="2476500" y="167640"/>
+              <a:ext cx="1828802" cy="365760"/>
+            </a:xfrm>
+            <a:prstGeom prst="rect">
+              <a:avLst/>
+            </a:prstGeom>
+            <a:noFill/>
+          </p:spPr>
+          <p:txBody>
+            <a:bodyPr wrap="none" lIns="0" tIns="0" rIns="0" bIns="0" rtlCol="0" anchor="ctr" anchorCtr="1">
+              <a:noAutofit/>
+            </a:bodyPr>
+            <a:lstStyle/>
+            <a:p>
+              <a:pPr algn="ctr"/>
+              <a:r>
+                <a:rPr lang="en-US" sz="1050" b="1" dirty="0">
+                  <a:latin typeface="Times New Roman" panose="02020603050405020304" pitchFamily="18" charset="0"/>
+                  <a:cs typeface="Times New Roman" panose="02020603050405020304" pitchFamily="18" charset="0"/>
+                </a:rPr>
+                <a:t>E</a:t>
+              </a:r>
+              <a:r>
+                <a:rPr lang="en-US" sz="1050" b="1" dirty="0" smtClean="0">
+                  <a:latin typeface="Times New Roman" panose="02020603050405020304" pitchFamily="18" charset="0"/>
+                  <a:cs typeface="Times New Roman" panose="02020603050405020304" pitchFamily="18" charset="0"/>
+                </a:rPr>
+                <a:t>xtract a column</a:t>
+              </a:r>
+              <a:r>
+                <a:rPr lang="en-US" sz="1050" b="1" dirty="0">
+                  <a:latin typeface="Times New Roman" panose="02020603050405020304" pitchFamily="18" charset="0"/>
+                  <a:cs typeface="Times New Roman" panose="02020603050405020304" pitchFamily="18" charset="0"/>
+                </a:rPr>
+                <a:t> </a:t>
+              </a:r>
+              <a:r>
+                <a:rPr lang="en-US" sz="1050" b="1" dirty="0" smtClean="0">
+                  <a:latin typeface="Times New Roman" panose="02020603050405020304" pitchFamily="18" charset="0"/>
+                  <a:cs typeface="Times New Roman" panose="02020603050405020304" pitchFamily="18" charset="0"/>
+                </a:rPr>
+                <a:t>from the grid</a:t>
+              </a:r>
+              <a:endParaRPr lang="en-US" sz="1050" b="1" dirty="0">
+                <a:latin typeface="Times New Roman" panose="02020603050405020304" pitchFamily="18" charset="0"/>
+                <a:cs typeface="Times New Roman" panose="02020603050405020304" pitchFamily="18" charset="0"/>
+              </a:endParaRPr>
+            </a:p>
+          </p:txBody>
+        </p:sp>
+        <p:sp>
+          <p:nvSpPr>
+            <p:cNvPr id="167" name="TextBox 166"/>
+            <p:cNvSpPr txBox="1"/>
+            <p:nvPr/>
+          </p:nvSpPr>
+          <p:spPr>
+            <a:xfrm>
+              <a:off x="4953000" y="152400"/>
+              <a:ext cx="1901952" cy="365760"/>
+            </a:xfrm>
+            <a:prstGeom prst="rect">
+              <a:avLst/>
+            </a:prstGeom>
+            <a:noFill/>
+          </p:spPr>
+          <p:txBody>
+            <a:bodyPr wrap="none" lIns="0" tIns="0" rIns="0" bIns="0" rtlCol="0" anchor="ctr" anchorCtr="1">
+              <a:noAutofit/>
+            </a:bodyPr>
+            <a:lstStyle/>
+            <a:p>
+              <a:pPr algn="ctr"/>
+              <a:r>
+                <a:rPr lang="en-US" sz="1050" b="1" dirty="0">
+                  <a:latin typeface="Times New Roman" panose="02020603050405020304" pitchFamily="18" charset="0"/>
+                  <a:cs typeface="Times New Roman" panose="02020603050405020304" pitchFamily="18" charset="0"/>
+                </a:rPr>
+                <a:t>I</a:t>
+              </a:r>
+              <a:r>
+                <a:rPr lang="en-US" sz="1050" b="1" dirty="0" smtClean="0">
+                  <a:latin typeface="Times New Roman" panose="02020603050405020304" pitchFamily="18" charset="0"/>
+                  <a:cs typeface="Times New Roman" panose="02020603050405020304" pitchFamily="18" charset="0"/>
+                </a:rPr>
+                <a:t>nsert the column</a:t>
+              </a:r>
+              <a:r>
+                <a:rPr lang="en-US" sz="1050" b="1" dirty="0">
+                  <a:latin typeface="Times New Roman" panose="02020603050405020304" pitchFamily="18" charset="0"/>
+                  <a:cs typeface="Times New Roman" panose="02020603050405020304" pitchFamily="18" charset="0"/>
+                </a:rPr>
+                <a:t> </a:t>
+              </a:r>
+              <a:r>
+                <a:rPr lang="en-US" sz="1050" b="1" dirty="0" smtClean="0">
+                  <a:latin typeface="Times New Roman" panose="02020603050405020304" pitchFamily="18" charset="0"/>
+                  <a:cs typeface="Times New Roman" panose="02020603050405020304" pitchFamily="18" charset="0"/>
+                </a:rPr>
+                <a:t>back into grid</a:t>
+              </a:r>
+              <a:endParaRPr lang="en-US" sz="1050" b="1" dirty="0">
+                <a:latin typeface="Times New Roman" panose="02020603050405020304" pitchFamily="18" charset="0"/>
+                <a:cs typeface="Times New Roman" panose="02020603050405020304" pitchFamily="18" charset="0"/>
+              </a:endParaRPr>
+            </a:p>
+          </p:txBody>
+        </p:sp>
+        <p:grpSp>
+          <p:nvGrpSpPr>
+            <p:cNvPr id="67" name="Group 66"/>
+            <p:cNvGrpSpPr/>
+            <p:nvPr/>
+          </p:nvGrpSpPr>
+          <p:grpSpPr>
+            <a:xfrm>
+              <a:off x="1104900" y="685800"/>
+              <a:ext cx="6934200" cy="1453896"/>
+              <a:chOff x="609600" y="758952"/>
+              <a:chExt cx="6934200" cy="1453896"/>
+            </a:xfrm>
+          </p:grpSpPr>
+          <p:grpSp>
+            <p:nvGrpSpPr>
+              <p:cNvPr id="65" name="Group 64"/>
+              <p:cNvGrpSpPr/>
+              <p:nvPr/>
+            </p:nvGrpSpPr>
+            <p:grpSpPr>
+              <a:xfrm>
+                <a:off x="3044952" y="1371600"/>
+                <a:ext cx="1527048" cy="609600"/>
+                <a:chOff x="3044952" y="1371600"/>
+                <a:chExt cx="1527048" cy="609600"/>
+              </a:xfrm>
+            </p:grpSpPr>
+            <p:cxnSp>
+              <p:nvCxnSpPr>
+                <p:cNvPr id="66" name="Straight Connector 65"/>
+                <p:cNvCxnSpPr/>
+                <p:nvPr/>
+              </p:nvCxnSpPr>
+              <p:spPr>
+                <a:xfrm rot="16200000" flipH="1">
+                  <a:off x="3733800" y="1600200"/>
+                  <a:ext cx="152400" cy="152400"/>
+                </a:xfrm>
+                <a:prstGeom prst="line">
+                  <a:avLst/>
+                </a:prstGeom>
+                <a:ln w="38100" cap="flat" cmpd="sng" algn="ctr">
+                  <a:solidFill>
+                    <a:schemeClr val="tx1"/>
+                  </a:solidFill>
+                  <a:prstDash val="solid"/>
+                  <a:round/>
+                  <a:headEnd type="none" w="med" len="med"/>
+                  <a:tailEnd type="none" w="med" len="med"/>
+                </a:ln>
+                <a:effectLst/>
+              </p:spPr>
+              <p:style>
+                <a:lnRef idx="2">
+                  <a:schemeClr val="accent1"/>
+                </a:lnRef>
+                <a:fillRef idx="0">
+                  <a:schemeClr val="accent1"/>
+                </a:fillRef>
+                <a:effectRef idx="1">
+                  <a:schemeClr val="accent1"/>
+                </a:effectRef>
+                <a:fontRef idx="minor">
+                  <a:schemeClr val="tx1"/>
+                </a:fontRef>
+              </p:style>
+            </p:cxnSp>
+            <p:cxnSp>
+              <p:nvCxnSpPr>
+                <p:cNvPr id="69" name="Straight Connector 68"/>
+                <p:cNvCxnSpPr/>
+                <p:nvPr/>
+              </p:nvCxnSpPr>
+              <p:spPr>
+                <a:xfrm rot="10800000" flipH="1">
+                  <a:off x="3733801" y="1600200"/>
+                  <a:ext cx="152400" cy="152400"/>
+                </a:xfrm>
+                <a:prstGeom prst="line">
+                  <a:avLst/>
+                </a:prstGeom>
+                <a:ln w="38100" cap="flat" cmpd="sng" algn="ctr">
+                  <a:solidFill>
+                    <a:schemeClr val="tx1"/>
+                  </a:solidFill>
+                  <a:prstDash val="solid"/>
+                  <a:round/>
+                  <a:headEnd type="none" w="med" len="med"/>
+                  <a:tailEnd type="none" w="med" len="med"/>
+                </a:ln>
+                <a:effectLst/>
+              </p:spPr>
+              <p:style>
+                <a:lnRef idx="2">
+                  <a:schemeClr val="accent1"/>
+                </a:lnRef>
+                <a:fillRef idx="0">
+                  <a:schemeClr val="accent1"/>
+                </a:fillRef>
+                <a:effectRef idx="1">
+                  <a:schemeClr val="accent1"/>
+                </a:effectRef>
+                <a:fontRef idx="minor">
+                  <a:schemeClr val="tx1"/>
+                </a:fontRef>
+              </p:style>
+            </p:cxnSp>
+            <p:grpSp>
+              <p:nvGrpSpPr>
+                <p:cNvPr id="23" name="Group 72"/>
+                <p:cNvGrpSpPr/>
+                <p:nvPr/>
+              </p:nvGrpSpPr>
+              <p:grpSpPr>
+                <a:xfrm>
+                  <a:off x="4191000" y="1624584"/>
+                  <a:ext cx="152400" cy="76200"/>
+                  <a:chOff x="1828800" y="1600200"/>
+                  <a:chExt cx="152400" cy="76200"/>
+                </a:xfrm>
+              </p:grpSpPr>
+              <p:cxnSp>
+                <p:nvCxnSpPr>
+                  <p:cNvPr id="70" name="Straight Connector 69"/>
+                  <p:cNvCxnSpPr/>
+                  <p:nvPr/>
+                </p:nvCxnSpPr>
+                <p:spPr>
+                  <a:xfrm>
+                    <a:off x="1828801" y="1674812"/>
+                    <a:ext cx="152399" cy="1588"/>
+                  </a:xfrm>
+                  <a:prstGeom prst="line">
+                    <a:avLst/>
+                  </a:prstGeom>
+                  <a:ln w="38100" cap="flat" cmpd="sng" algn="ctr">
+                    <a:solidFill>
+                      <a:schemeClr val="tx1"/>
+                    </a:solidFill>
+                    <a:prstDash val="solid"/>
+                    <a:round/>
+                    <a:headEnd type="none" w="med" len="med"/>
+                    <a:tailEnd type="none" w="med" len="med"/>
+                  </a:ln>
+                  <a:effectLst/>
+                </p:spPr>
+                <p:style>
+                  <a:lnRef idx="2">
+                    <a:schemeClr val="accent1"/>
+                  </a:lnRef>
+                  <a:fillRef idx="0">
+                    <a:schemeClr val="accent1"/>
+                  </a:fillRef>
+                  <a:effectRef idx="1">
+                    <a:schemeClr val="accent1"/>
+                  </a:effectRef>
+                  <a:fontRef idx="minor">
+                    <a:schemeClr val="tx1"/>
+                  </a:fontRef>
+                </p:style>
+              </p:cxnSp>
+              <p:cxnSp>
+                <p:nvCxnSpPr>
+                  <p:cNvPr id="72" name="Straight Connector 71"/>
+                  <p:cNvCxnSpPr/>
+                  <p:nvPr/>
+                </p:nvCxnSpPr>
+                <p:spPr>
+                  <a:xfrm>
+                    <a:off x="1828800" y="1600200"/>
+                    <a:ext cx="152399" cy="1588"/>
+                  </a:xfrm>
+                  <a:prstGeom prst="line">
+                    <a:avLst/>
+                  </a:prstGeom>
+                  <a:ln w="38100" cap="flat" cmpd="sng" algn="ctr">
+                    <a:solidFill>
+                      <a:schemeClr val="tx1"/>
+                    </a:solidFill>
+                    <a:prstDash val="solid"/>
+                    <a:round/>
+                    <a:headEnd type="none" w="med" len="med"/>
+                    <a:tailEnd type="none" w="med" len="med"/>
+                  </a:ln>
+                  <a:effectLst/>
+                </p:spPr>
+                <p:style>
+                  <a:lnRef idx="2">
+                    <a:schemeClr val="accent1"/>
+                  </a:lnRef>
+                  <a:fillRef idx="0">
+                    <a:schemeClr val="accent1"/>
+                  </a:fillRef>
+                  <a:effectRef idx="1">
+                    <a:schemeClr val="accent1"/>
+                  </a:effectRef>
+                  <a:fontRef idx="minor">
+                    <a:schemeClr val="tx1"/>
+                  </a:fontRef>
+                </p:style>
+              </p:cxnSp>
+            </p:grpSp>
+            <p:sp>
+              <p:nvSpPr>
+                <p:cNvPr id="77" name="Rectangle 76"/>
+                <p:cNvSpPr/>
+                <p:nvPr/>
+              </p:nvSpPr>
+              <p:spPr>
+                <a:xfrm>
+                  <a:off x="3962400" y="1371600"/>
+                  <a:ext cx="152400" cy="152400"/>
+                </a:xfrm>
+                <a:prstGeom prst="rect">
+                  <a:avLst/>
+                </a:prstGeom>
+                <a:solidFill>
+                  <a:srgbClr val="CC66FF"/>
+                </a:solidFill>
+                <a:ln w="12700" cap="flat" cmpd="sng" algn="ctr">
+                  <a:solidFill>
+                    <a:srgbClr val="400080"/>
+                  </a:solidFill>
+                  <a:prstDash val="solid"/>
+                  <a:round/>
+                  <a:headEnd type="none" w="med" len="med"/>
+                  <a:tailEnd type="none" w="med" len="med"/>
+                </a:ln>
+                <a:effectLst/>
+              </p:spPr>
+              <p:style>
+                <a:lnRef idx="1">
+                  <a:schemeClr val="accent1"/>
+                </a:lnRef>
+                <a:fillRef idx="3">
+                  <a:schemeClr val="accent1"/>
+                </a:fillRef>
+                <a:effectRef idx="2">
+                  <a:schemeClr val="accent1"/>
+                </a:effectRef>
+                <a:fontRef idx="minor">
+                  <a:schemeClr val="lt1"/>
+                </a:fontRef>
+              </p:style>
+              <p:txBody>
+                <a:bodyPr wrap="none" lIns="0" tIns="0" rIns="0" bIns="0" rtlCol="0" anchor="ctr" anchorCtr="1"/>
+                <a:lstStyle/>
+                <a:p>
+                  <a:pPr algn="ctr"/>
+                  <a:endParaRPr lang="en-US" b="1">
+                    <a:latin typeface="Times New Roman" panose="02020603050405020304" pitchFamily="18" charset="0"/>
+                    <a:cs typeface="Times New Roman" panose="02020603050405020304" pitchFamily="18" charset="0"/>
+                  </a:endParaRPr>
+                </a:p>
+              </p:txBody>
+            </p:sp>
+            <p:sp>
+              <p:nvSpPr>
+                <p:cNvPr id="78" name="Rectangle 77"/>
+                <p:cNvSpPr/>
+                <p:nvPr/>
+              </p:nvSpPr>
+              <p:spPr>
+                <a:xfrm>
+                  <a:off x="3962400" y="1524000"/>
+                  <a:ext cx="152400" cy="152400"/>
+                </a:xfrm>
+                <a:prstGeom prst="rect">
+                  <a:avLst/>
+                </a:prstGeom>
+                <a:solidFill>
+                  <a:srgbClr val="CC66FF"/>
+                </a:solidFill>
+                <a:ln w="12700" cap="flat" cmpd="sng" algn="ctr">
+                  <a:solidFill>
+                    <a:srgbClr val="400080"/>
+                  </a:solidFill>
+                  <a:prstDash val="solid"/>
+                  <a:round/>
+                  <a:headEnd type="none" w="med" len="med"/>
+                  <a:tailEnd type="none" w="med" len="med"/>
+                </a:ln>
+                <a:effectLst/>
+              </p:spPr>
+              <p:style>
+                <a:lnRef idx="1">
+                  <a:schemeClr val="accent1"/>
+                </a:lnRef>
+                <a:fillRef idx="3">
+                  <a:schemeClr val="accent1"/>
+                </a:fillRef>
+                <a:effectRef idx="2">
+                  <a:schemeClr val="accent1"/>
+                </a:effectRef>
+                <a:fontRef idx="minor">
+                  <a:schemeClr val="lt1"/>
+                </a:fontRef>
+              </p:style>
+              <p:txBody>
+                <a:bodyPr wrap="none" lIns="0" tIns="0" rIns="0" bIns="0" rtlCol="0" anchor="ctr" anchorCtr="1"/>
+                <a:lstStyle/>
+                <a:p>
+                  <a:pPr algn="ctr"/>
+                  <a:endParaRPr lang="en-US" b="1">
+                    <a:latin typeface="Times New Roman" panose="02020603050405020304" pitchFamily="18" charset="0"/>
+                    <a:cs typeface="Times New Roman" panose="02020603050405020304" pitchFamily="18" charset="0"/>
+                  </a:endParaRPr>
+                </a:p>
+              </p:txBody>
+            </p:sp>
+            <p:sp>
+              <p:nvSpPr>
+                <p:cNvPr id="79" name="Rectangle 78"/>
+                <p:cNvSpPr/>
+                <p:nvPr/>
+              </p:nvSpPr>
+              <p:spPr>
+                <a:xfrm>
+                  <a:off x="3962400" y="1676400"/>
+                  <a:ext cx="152400" cy="152400"/>
+                </a:xfrm>
+                <a:prstGeom prst="rect">
+                  <a:avLst/>
+                </a:prstGeom>
+                <a:solidFill>
+                  <a:srgbClr val="CC66FF"/>
+                </a:solidFill>
+                <a:ln w="12700" cap="flat" cmpd="sng" algn="ctr">
+                  <a:solidFill>
+                    <a:srgbClr val="400080"/>
+                  </a:solidFill>
+                  <a:prstDash val="solid"/>
+                  <a:round/>
+                  <a:headEnd type="none" w="med" len="med"/>
+                  <a:tailEnd type="none" w="med" len="med"/>
+                </a:ln>
+                <a:effectLst/>
+              </p:spPr>
+              <p:style>
+                <a:lnRef idx="1">
+                  <a:schemeClr val="accent1"/>
+                </a:lnRef>
+                <a:fillRef idx="3">
+                  <a:schemeClr val="accent1"/>
+                </a:fillRef>
+                <a:effectRef idx="2">
+                  <a:schemeClr val="accent1"/>
+                </a:effectRef>
+                <a:fontRef idx="minor">
+                  <a:schemeClr val="lt1"/>
+                </a:fontRef>
+              </p:style>
+              <p:txBody>
+                <a:bodyPr wrap="none" lIns="0" tIns="0" rIns="0" bIns="0" rtlCol="0" anchor="ctr" anchorCtr="1"/>
+                <a:lstStyle/>
+                <a:p>
+                  <a:pPr algn="ctr"/>
+                  <a:endParaRPr lang="en-US" b="1">
+                    <a:latin typeface="Times New Roman" panose="02020603050405020304" pitchFamily="18" charset="0"/>
+                    <a:cs typeface="Times New Roman" panose="02020603050405020304" pitchFamily="18" charset="0"/>
+                  </a:endParaRPr>
+                </a:p>
+              </p:txBody>
+            </p:sp>
+            <p:sp>
+              <p:nvSpPr>
+                <p:cNvPr id="80" name="Rectangle 79"/>
+                <p:cNvSpPr/>
+                <p:nvPr/>
+              </p:nvSpPr>
+              <p:spPr>
+                <a:xfrm>
+                  <a:off x="3962400" y="1828800"/>
+                  <a:ext cx="152400" cy="152400"/>
+                </a:xfrm>
+                <a:prstGeom prst="rect">
+                  <a:avLst/>
+                </a:prstGeom>
+                <a:solidFill>
+                  <a:srgbClr val="CC66FF"/>
+                </a:solidFill>
+                <a:ln w="12700" cap="flat" cmpd="sng" algn="ctr">
+                  <a:solidFill>
+                    <a:srgbClr val="400080"/>
+                  </a:solidFill>
+                  <a:prstDash val="solid"/>
+                  <a:round/>
+                  <a:headEnd type="none" w="med" len="med"/>
+                  <a:tailEnd type="none" w="med" len="med"/>
+                </a:ln>
+                <a:effectLst/>
+              </p:spPr>
+              <p:style>
+                <a:lnRef idx="1">
+                  <a:schemeClr val="accent1"/>
+                </a:lnRef>
+                <a:fillRef idx="3">
+                  <a:schemeClr val="accent1"/>
+                </a:fillRef>
+                <a:effectRef idx="2">
+                  <a:schemeClr val="accent1"/>
+                </a:effectRef>
+                <a:fontRef idx="minor">
+                  <a:schemeClr val="lt1"/>
+                </a:fontRef>
+              </p:style>
+              <p:txBody>
+                <a:bodyPr wrap="none" lIns="0" tIns="0" rIns="0" bIns="0" rtlCol="0" anchor="ctr" anchorCtr="1"/>
+                <a:lstStyle/>
+                <a:p>
+                  <a:pPr algn="ctr"/>
+                  <a:endParaRPr lang="en-US" b="1">
+                    <a:latin typeface="Times New Roman" panose="02020603050405020304" pitchFamily="18" charset="0"/>
+                    <a:cs typeface="Times New Roman" panose="02020603050405020304" pitchFamily="18" charset="0"/>
+                  </a:endParaRPr>
+                </a:p>
+              </p:txBody>
+            </p:sp>
+            <p:sp>
+              <p:nvSpPr>
+                <p:cNvPr id="84" name="Rectangle 83"/>
+                <p:cNvSpPr/>
+                <p:nvPr/>
+              </p:nvSpPr>
+              <p:spPr>
+                <a:xfrm>
+                  <a:off x="4419600" y="1371600"/>
+                  <a:ext cx="152400" cy="152400"/>
+                </a:xfrm>
+                <a:prstGeom prst="rect">
+                  <a:avLst/>
+                </a:prstGeom>
+                <a:solidFill>
+                  <a:srgbClr val="3366FF"/>
+                </a:solidFill>
+                <a:ln w="12700" cap="flat" cmpd="sng" algn="ctr">
+                  <a:solidFill>
+                    <a:srgbClr val="000090"/>
+                  </a:solidFill>
+                  <a:prstDash val="solid"/>
+                  <a:round/>
+                  <a:headEnd type="none" w="med" len="med"/>
+                  <a:tailEnd type="none" w="med" len="med"/>
+                </a:ln>
+                <a:effectLst/>
+              </p:spPr>
+              <p:style>
+                <a:lnRef idx="1">
+                  <a:schemeClr val="accent1"/>
+                </a:lnRef>
+                <a:fillRef idx="3">
+                  <a:schemeClr val="accent1"/>
+                </a:fillRef>
+                <a:effectRef idx="2">
+                  <a:schemeClr val="accent1"/>
+                </a:effectRef>
+                <a:fontRef idx="minor">
+                  <a:schemeClr val="lt1"/>
+                </a:fontRef>
+              </p:style>
+              <p:txBody>
+                <a:bodyPr wrap="none" lIns="0" tIns="0" rIns="0" bIns="0" rtlCol="0" anchor="ctr" anchorCtr="1"/>
+                <a:lstStyle/>
+                <a:p>
+                  <a:pPr algn="ctr"/>
+                  <a:endParaRPr lang="en-US" b="1">
+                    <a:latin typeface="Times New Roman" panose="02020603050405020304" pitchFamily="18" charset="0"/>
+                    <a:cs typeface="Times New Roman" panose="02020603050405020304" pitchFamily="18" charset="0"/>
+                  </a:endParaRPr>
+                </a:p>
+              </p:txBody>
+            </p:sp>
+            <p:sp>
+              <p:nvSpPr>
+                <p:cNvPr id="85" name="Rectangle 84"/>
+                <p:cNvSpPr/>
+                <p:nvPr/>
+              </p:nvSpPr>
+              <p:spPr>
+                <a:xfrm>
+                  <a:off x="4419600" y="1524000"/>
+                  <a:ext cx="152400" cy="152400"/>
+                </a:xfrm>
+                <a:prstGeom prst="rect">
+                  <a:avLst/>
+                </a:prstGeom>
+                <a:solidFill>
+                  <a:srgbClr val="3366FF"/>
+                </a:solidFill>
+                <a:ln w="12700" cap="flat" cmpd="sng" algn="ctr">
+                  <a:solidFill>
+                    <a:srgbClr val="000090"/>
+                  </a:solidFill>
+                  <a:prstDash val="solid"/>
+                  <a:round/>
+                  <a:headEnd type="none" w="med" len="med"/>
+                  <a:tailEnd type="none" w="med" len="med"/>
+                </a:ln>
+                <a:effectLst/>
+              </p:spPr>
+              <p:style>
+                <a:lnRef idx="1">
+                  <a:schemeClr val="accent1"/>
+                </a:lnRef>
+                <a:fillRef idx="3">
+                  <a:schemeClr val="accent1"/>
+                </a:fillRef>
+                <a:effectRef idx="2">
+                  <a:schemeClr val="accent1"/>
+                </a:effectRef>
+                <a:fontRef idx="minor">
+                  <a:schemeClr val="lt1"/>
+                </a:fontRef>
+              </p:style>
+              <p:txBody>
+                <a:bodyPr wrap="none" lIns="0" tIns="0" rIns="0" bIns="0" rtlCol="0" anchor="ctr" anchorCtr="1"/>
+                <a:lstStyle/>
+                <a:p>
+                  <a:pPr algn="ctr"/>
+                  <a:endParaRPr lang="en-US" b="1">
+                    <a:latin typeface="Times New Roman" panose="02020603050405020304" pitchFamily="18" charset="0"/>
+                    <a:cs typeface="Times New Roman" panose="02020603050405020304" pitchFamily="18" charset="0"/>
+                  </a:endParaRPr>
+                </a:p>
+              </p:txBody>
+            </p:sp>
+            <p:sp>
+              <p:nvSpPr>
+                <p:cNvPr id="86" name="Rectangle 85"/>
+                <p:cNvSpPr/>
+                <p:nvPr/>
+              </p:nvSpPr>
+              <p:spPr>
+                <a:xfrm>
+                  <a:off x="4419600" y="1676400"/>
+                  <a:ext cx="152400" cy="152400"/>
+                </a:xfrm>
+                <a:prstGeom prst="rect">
+                  <a:avLst/>
+                </a:prstGeom>
+                <a:solidFill>
+                  <a:srgbClr val="3366FF"/>
+                </a:solidFill>
+                <a:ln w="12700" cap="flat" cmpd="sng" algn="ctr">
+                  <a:solidFill>
+                    <a:srgbClr val="000090"/>
+                  </a:solidFill>
+                  <a:prstDash val="solid"/>
+                  <a:round/>
+                  <a:headEnd type="none" w="med" len="med"/>
+                  <a:tailEnd type="none" w="med" len="med"/>
+                </a:ln>
+                <a:effectLst/>
+              </p:spPr>
+              <p:style>
+                <a:lnRef idx="1">
+                  <a:schemeClr val="accent1"/>
+                </a:lnRef>
+                <a:fillRef idx="3">
+                  <a:schemeClr val="accent1"/>
+                </a:fillRef>
+                <a:effectRef idx="2">
+                  <a:schemeClr val="accent1"/>
+                </a:effectRef>
+                <a:fontRef idx="minor">
+                  <a:schemeClr val="lt1"/>
+                </a:fontRef>
+              </p:style>
+              <p:txBody>
+                <a:bodyPr wrap="none" lIns="0" tIns="0" rIns="0" bIns="0" rtlCol="0" anchor="ctr" anchorCtr="1"/>
+                <a:lstStyle/>
+                <a:p>
+                  <a:pPr algn="ctr"/>
+                  <a:endParaRPr lang="en-US" b="1">
+                    <a:latin typeface="Times New Roman" panose="02020603050405020304" pitchFamily="18" charset="0"/>
+                    <a:cs typeface="Times New Roman" panose="02020603050405020304" pitchFamily="18" charset="0"/>
+                  </a:endParaRPr>
+                </a:p>
+              </p:txBody>
+            </p:sp>
+            <p:sp>
+              <p:nvSpPr>
+                <p:cNvPr id="87" name="Rectangle 86"/>
+                <p:cNvSpPr/>
+                <p:nvPr/>
+              </p:nvSpPr>
+              <p:spPr>
+                <a:xfrm>
+                  <a:off x="4419600" y="1828800"/>
+                  <a:ext cx="152400" cy="152400"/>
+                </a:xfrm>
+                <a:prstGeom prst="rect">
+                  <a:avLst/>
+                </a:prstGeom>
+                <a:solidFill>
+                  <a:srgbClr val="3366FF"/>
+                </a:solidFill>
+                <a:ln w="12700" cap="flat" cmpd="sng" algn="ctr">
+                  <a:solidFill>
+                    <a:srgbClr val="000090"/>
+                  </a:solidFill>
+                  <a:prstDash val="solid"/>
+                  <a:round/>
+                  <a:headEnd type="none" w="med" len="med"/>
+                  <a:tailEnd type="none" w="med" len="med"/>
+                </a:ln>
+                <a:effectLst/>
+              </p:spPr>
+              <p:style>
+                <a:lnRef idx="1">
+                  <a:schemeClr val="accent1"/>
+                </a:lnRef>
+                <a:fillRef idx="3">
+                  <a:schemeClr val="accent1"/>
+                </a:fillRef>
+                <a:effectRef idx="2">
+                  <a:schemeClr val="accent1"/>
+                </a:effectRef>
+                <a:fontRef idx="minor">
+                  <a:schemeClr val="lt1"/>
+                </a:fontRef>
+              </p:style>
+              <p:txBody>
+                <a:bodyPr wrap="none" lIns="0" tIns="0" rIns="0" bIns="0" rtlCol="0" anchor="ctr" anchorCtr="1"/>
+                <a:lstStyle/>
+                <a:p>
+                  <a:pPr algn="ctr"/>
+                  <a:endParaRPr lang="en-US" b="1">
+                    <a:latin typeface="Times New Roman" panose="02020603050405020304" pitchFamily="18" charset="0"/>
+                    <a:cs typeface="Times New Roman" panose="02020603050405020304" pitchFamily="18" charset="0"/>
+                  </a:endParaRPr>
+                </a:p>
+              </p:txBody>
+            </p:sp>
+            <p:sp>
+              <p:nvSpPr>
+                <p:cNvPr id="93" name="Rectangle 92"/>
+                <p:cNvSpPr/>
+                <p:nvPr/>
+              </p:nvSpPr>
+              <p:spPr>
+                <a:xfrm>
+                  <a:off x="3048000" y="1371600"/>
+                  <a:ext cx="152400" cy="152400"/>
+                </a:xfrm>
+                <a:prstGeom prst="rect">
+                  <a:avLst/>
+                </a:prstGeom>
+                <a:solidFill>
+                  <a:srgbClr val="FF6666"/>
+                </a:solidFill>
+                <a:ln w="6350" cap="flat" cmpd="sng" algn="ctr">
+                  <a:solidFill>
+                    <a:srgbClr val="FF0000"/>
+                  </a:solidFill>
+                  <a:prstDash val="solid"/>
+                  <a:round/>
+                  <a:headEnd type="none" w="med" len="med"/>
+                  <a:tailEnd type="none" w="med" len="med"/>
+                </a:ln>
+                <a:effectLst/>
+              </p:spPr>
+              <p:style>
+                <a:lnRef idx="1">
+                  <a:schemeClr val="accent1"/>
+                </a:lnRef>
+                <a:fillRef idx="3">
+                  <a:schemeClr val="accent1"/>
+                </a:fillRef>
+                <a:effectRef idx="2">
+                  <a:schemeClr val="accent1"/>
+                </a:effectRef>
+                <a:fontRef idx="minor">
+                  <a:schemeClr val="lt1"/>
+                </a:fontRef>
+              </p:style>
+              <p:txBody>
+                <a:bodyPr wrap="none" lIns="0" tIns="0" rIns="0" bIns="0" rtlCol="0" anchor="ctr" anchorCtr="1"/>
+                <a:lstStyle/>
+                <a:p>
+                  <a:pPr algn="ctr"/>
+                  <a:endParaRPr lang="en-US" b="1">
+                    <a:latin typeface="Times New Roman" panose="02020603050405020304" pitchFamily="18" charset="0"/>
+                    <a:cs typeface="Times New Roman" panose="02020603050405020304" pitchFamily="18" charset="0"/>
+                  </a:endParaRPr>
+                </a:p>
+              </p:txBody>
+            </p:sp>
+            <p:sp>
+              <p:nvSpPr>
+                <p:cNvPr id="94" name="Rectangle 93"/>
+                <p:cNvSpPr/>
+                <p:nvPr/>
+              </p:nvSpPr>
+              <p:spPr>
+                <a:xfrm>
+                  <a:off x="3200400" y="1524000"/>
+                  <a:ext cx="152400" cy="152400"/>
+                </a:xfrm>
+                <a:prstGeom prst="rect">
+                  <a:avLst/>
+                </a:prstGeom>
+                <a:solidFill>
+                  <a:srgbClr val="FF6666"/>
+                </a:solidFill>
+                <a:ln w="6350" cap="flat" cmpd="sng" algn="ctr">
+                  <a:solidFill>
+                    <a:srgbClr val="FF0000"/>
+                  </a:solidFill>
+                  <a:prstDash val="solid"/>
+                  <a:round/>
+                  <a:headEnd type="none" w="med" len="med"/>
+                  <a:tailEnd type="none" w="med" len="med"/>
+                </a:ln>
+                <a:effectLst/>
+              </p:spPr>
+              <p:style>
+                <a:lnRef idx="1">
+                  <a:schemeClr val="accent1"/>
+                </a:lnRef>
+                <a:fillRef idx="3">
+                  <a:schemeClr val="accent1"/>
+                </a:fillRef>
+                <a:effectRef idx="2">
+                  <a:schemeClr val="accent1"/>
+                </a:effectRef>
+                <a:fontRef idx="minor">
+                  <a:schemeClr val="lt1"/>
+                </a:fontRef>
+              </p:style>
+              <p:txBody>
+                <a:bodyPr wrap="none" lIns="0" tIns="0" rIns="0" bIns="0" rtlCol="0" anchor="ctr" anchorCtr="1"/>
+                <a:lstStyle/>
+                <a:p>
+                  <a:pPr algn="ctr"/>
+                  <a:endParaRPr lang="en-US" b="1">
+                    <a:latin typeface="Times New Roman" panose="02020603050405020304" pitchFamily="18" charset="0"/>
+                    <a:cs typeface="Times New Roman" panose="02020603050405020304" pitchFamily="18" charset="0"/>
+                  </a:endParaRPr>
+                </a:p>
+              </p:txBody>
+            </p:sp>
+            <p:sp>
+              <p:nvSpPr>
+                <p:cNvPr id="95" name="Rectangle 94"/>
+                <p:cNvSpPr/>
+                <p:nvPr/>
+              </p:nvSpPr>
+              <p:spPr>
+                <a:xfrm>
+                  <a:off x="3352800" y="1676400"/>
+                  <a:ext cx="152400" cy="152400"/>
+                </a:xfrm>
+                <a:prstGeom prst="rect">
+                  <a:avLst/>
+                </a:prstGeom>
+                <a:solidFill>
+                  <a:srgbClr val="FF6666"/>
+                </a:solidFill>
+                <a:ln w="6350" cap="flat" cmpd="sng" algn="ctr">
+                  <a:solidFill>
+                    <a:srgbClr val="FF0000"/>
+                  </a:solidFill>
+                  <a:prstDash val="solid"/>
+                  <a:round/>
+                  <a:headEnd type="none" w="med" len="med"/>
+                  <a:tailEnd type="none" w="med" len="med"/>
+                </a:ln>
+                <a:effectLst/>
+              </p:spPr>
+              <p:style>
+                <a:lnRef idx="1">
+                  <a:schemeClr val="accent1"/>
+                </a:lnRef>
+                <a:fillRef idx="3">
+                  <a:schemeClr val="accent1"/>
+                </a:fillRef>
+                <a:effectRef idx="2">
+                  <a:schemeClr val="accent1"/>
+                </a:effectRef>
+                <a:fontRef idx="minor">
+                  <a:schemeClr val="lt1"/>
+                </a:fontRef>
+              </p:style>
+              <p:txBody>
+                <a:bodyPr wrap="none" lIns="0" tIns="0" rIns="0" bIns="0" rtlCol="0" anchor="ctr" anchorCtr="1"/>
+                <a:lstStyle/>
+                <a:p>
+                  <a:pPr algn="ctr"/>
+                  <a:endParaRPr lang="en-US" b="1">
+                    <a:latin typeface="Times New Roman" panose="02020603050405020304" pitchFamily="18" charset="0"/>
+                    <a:cs typeface="Times New Roman" panose="02020603050405020304" pitchFamily="18" charset="0"/>
+                  </a:endParaRPr>
+                </a:p>
+              </p:txBody>
+            </p:sp>
+            <p:sp>
+              <p:nvSpPr>
+                <p:cNvPr id="96" name="Rectangle 95"/>
+                <p:cNvSpPr/>
+                <p:nvPr/>
+              </p:nvSpPr>
+              <p:spPr>
+                <a:xfrm>
+                  <a:off x="3505200" y="1828800"/>
+                  <a:ext cx="152400" cy="152400"/>
+                </a:xfrm>
+                <a:prstGeom prst="rect">
+                  <a:avLst/>
+                </a:prstGeom>
+                <a:solidFill>
+                  <a:srgbClr val="FF6666"/>
+                </a:solidFill>
+                <a:ln w="6350" cap="flat" cmpd="sng" algn="ctr">
+                  <a:solidFill>
+                    <a:srgbClr val="FF0000"/>
+                  </a:solidFill>
+                  <a:prstDash val="solid"/>
+                  <a:round/>
+                  <a:headEnd type="none" w="med" len="med"/>
+                  <a:tailEnd type="none" w="med" len="med"/>
+                </a:ln>
+                <a:effectLst/>
+              </p:spPr>
+              <p:style>
+                <a:lnRef idx="1">
+                  <a:schemeClr val="accent1"/>
+                </a:lnRef>
+                <a:fillRef idx="3">
+                  <a:schemeClr val="accent1"/>
+                </a:fillRef>
+                <a:effectRef idx="2">
+                  <a:schemeClr val="accent1"/>
+                </a:effectRef>
+                <a:fontRef idx="minor">
+                  <a:schemeClr val="lt1"/>
+                </a:fontRef>
+              </p:style>
+              <p:txBody>
+                <a:bodyPr wrap="none" lIns="0" tIns="0" rIns="0" bIns="0" rtlCol="0" anchor="ctr" anchorCtr="1"/>
+                <a:lstStyle/>
+                <a:p>
+                  <a:pPr algn="ctr"/>
+                  <a:endParaRPr lang="en-US" b="1">
+                    <a:latin typeface="Times New Roman" panose="02020603050405020304" pitchFamily="18" charset="0"/>
+                    <a:cs typeface="Times New Roman" panose="02020603050405020304" pitchFamily="18" charset="0"/>
+                  </a:endParaRPr>
+                </a:p>
+              </p:txBody>
+            </p:sp>
+            <p:sp>
+              <p:nvSpPr>
+                <p:cNvPr id="101" name="Rectangle 100"/>
+                <p:cNvSpPr/>
+                <p:nvPr/>
+              </p:nvSpPr>
+              <p:spPr>
+                <a:xfrm>
+                  <a:off x="3200400" y="1371600"/>
+                  <a:ext cx="152400" cy="152400"/>
+                </a:xfrm>
+                <a:prstGeom prst="rect">
+                  <a:avLst/>
+                </a:prstGeom>
+                <a:solidFill>
+                  <a:srgbClr val="FFCC66"/>
+                </a:solidFill>
+                <a:ln w="6350" cap="flat" cmpd="sng" algn="ctr">
+                  <a:solidFill>
+                    <a:srgbClr val="FF8000"/>
+                  </a:solidFill>
+                  <a:prstDash val="solid"/>
+                  <a:round/>
+                  <a:headEnd type="none" w="med" len="med"/>
+                  <a:tailEnd type="none" w="med" len="med"/>
+                </a:ln>
+                <a:effectLst/>
+              </p:spPr>
+              <p:style>
+                <a:lnRef idx="1">
+                  <a:schemeClr val="accent1"/>
+                </a:lnRef>
+                <a:fillRef idx="3">
+                  <a:schemeClr val="accent1"/>
+                </a:fillRef>
+                <a:effectRef idx="2">
+                  <a:schemeClr val="accent1"/>
+                </a:effectRef>
+                <a:fontRef idx="minor">
+                  <a:schemeClr val="lt1"/>
+                </a:fontRef>
+              </p:style>
+              <p:txBody>
+                <a:bodyPr wrap="none" lIns="0" tIns="0" rIns="0" bIns="0" rtlCol="0" anchor="ctr" anchorCtr="1"/>
+                <a:lstStyle/>
+                <a:p>
+                  <a:pPr algn="ctr"/>
+                  <a:endParaRPr lang="en-US" b="1">
+                    <a:latin typeface="Times New Roman" panose="02020603050405020304" pitchFamily="18" charset="0"/>
+                    <a:cs typeface="Times New Roman" panose="02020603050405020304" pitchFamily="18" charset="0"/>
+                  </a:endParaRPr>
+                </a:p>
+              </p:txBody>
+            </p:sp>
+            <p:sp>
+              <p:nvSpPr>
+                <p:cNvPr id="102" name="Rectangle 101"/>
+                <p:cNvSpPr/>
+                <p:nvPr/>
+              </p:nvSpPr>
+              <p:spPr>
+                <a:xfrm>
+                  <a:off x="3352800" y="1524000"/>
+                  <a:ext cx="152400" cy="152400"/>
+                </a:xfrm>
+                <a:prstGeom prst="rect">
+                  <a:avLst/>
+                </a:prstGeom>
+                <a:solidFill>
+                  <a:srgbClr val="FFCC66"/>
+                </a:solidFill>
+                <a:ln w="6350" cap="flat" cmpd="sng" algn="ctr">
+                  <a:solidFill>
+                    <a:srgbClr val="FF8000"/>
+                  </a:solidFill>
+                  <a:prstDash val="solid"/>
+                  <a:round/>
+                  <a:headEnd type="none" w="med" len="med"/>
+                  <a:tailEnd type="none" w="med" len="med"/>
+                </a:ln>
+                <a:effectLst/>
+              </p:spPr>
+              <p:style>
+                <a:lnRef idx="1">
+                  <a:schemeClr val="accent1"/>
+                </a:lnRef>
+                <a:fillRef idx="3">
+                  <a:schemeClr val="accent1"/>
+                </a:fillRef>
+                <a:effectRef idx="2">
+                  <a:schemeClr val="accent1"/>
+                </a:effectRef>
+                <a:fontRef idx="minor">
+                  <a:schemeClr val="lt1"/>
+                </a:fontRef>
+              </p:style>
+              <p:txBody>
+                <a:bodyPr wrap="none" lIns="0" tIns="0" rIns="0" bIns="0" rtlCol="0" anchor="ctr" anchorCtr="1"/>
+                <a:lstStyle/>
+                <a:p>
+                  <a:pPr algn="ctr"/>
+                  <a:endParaRPr lang="en-US" b="1">
+                    <a:latin typeface="Times New Roman" panose="02020603050405020304" pitchFamily="18" charset="0"/>
+                    <a:cs typeface="Times New Roman" panose="02020603050405020304" pitchFamily="18" charset="0"/>
+                  </a:endParaRPr>
+                </a:p>
+              </p:txBody>
+            </p:sp>
+            <p:sp>
+              <p:nvSpPr>
+                <p:cNvPr id="103" name="Rectangle 102"/>
+                <p:cNvSpPr/>
+                <p:nvPr/>
+              </p:nvSpPr>
+              <p:spPr>
+                <a:xfrm>
+                  <a:off x="3505200" y="1676400"/>
+                  <a:ext cx="152400" cy="152400"/>
+                </a:xfrm>
+                <a:prstGeom prst="rect">
+                  <a:avLst/>
+                </a:prstGeom>
+                <a:solidFill>
+                  <a:srgbClr val="FFCC66"/>
+                </a:solidFill>
+                <a:ln w="6350" cap="flat" cmpd="sng" algn="ctr">
+                  <a:solidFill>
+                    <a:srgbClr val="FF8000"/>
+                  </a:solidFill>
+                  <a:prstDash val="solid"/>
+                  <a:round/>
+                  <a:headEnd type="none" w="med" len="med"/>
+                  <a:tailEnd type="none" w="med" len="med"/>
+                </a:ln>
+                <a:effectLst/>
+              </p:spPr>
+              <p:style>
+                <a:lnRef idx="1">
+                  <a:schemeClr val="accent1"/>
+                </a:lnRef>
+                <a:fillRef idx="3">
+                  <a:schemeClr val="accent1"/>
+                </a:fillRef>
+                <a:effectRef idx="2">
+                  <a:schemeClr val="accent1"/>
+                </a:effectRef>
+                <a:fontRef idx="minor">
+                  <a:schemeClr val="lt1"/>
+                </a:fontRef>
+              </p:style>
+              <p:txBody>
+                <a:bodyPr wrap="none" lIns="0" tIns="0" rIns="0" bIns="0" rtlCol="0" anchor="ctr" anchorCtr="1"/>
+                <a:lstStyle/>
+                <a:p>
+                  <a:pPr algn="ctr"/>
+                  <a:endParaRPr lang="en-US" b="1">
+                    <a:latin typeface="Times New Roman" panose="02020603050405020304" pitchFamily="18" charset="0"/>
+                    <a:cs typeface="Times New Roman" panose="02020603050405020304" pitchFamily="18" charset="0"/>
+                  </a:endParaRPr>
+                </a:p>
+              </p:txBody>
+            </p:sp>
+            <p:sp>
+              <p:nvSpPr>
+                <p:cNvPr id="108" name="Rectangle 107"/>
+                <p:cNvSpPr/>
+                <p:nvPr/>
+              </p:nvSpPr>
+              <p:spPr>
+                <a:xfrm>
+                  <a:off x="3048000" y="1524000"/>
+                  <a:ext cx="152400" cy="152400"/>
+                </a:xfrm>
+                <a:prstGeom prst="rect">
+                  <a:avLst/>
+                </a:prstGeom>
+                <a:solidFill>
+                  <a:srgbClr val="66FF66"/>
+                </a:solidFill>
+                <a:ln w="6350" cap="flat" cmpd="sng" algn="ctr">
+                  <a:solidFill>
+                    <a:srgbClr val="00B050"/>
+                  </a:solidFill>
+                  <a:prstDash val="solid"/>
+                  <a:round/>
+                  <a:headEnd type="none" w="med" len="med"/>
+                  <a:tailEnd type="none" w="med" len="med"/>
+                </a:ln>
+                <a:effectLst/>
+              </p:spPr>
+              <p:style>
+                <a:lnRef idx="1">
+                  <a:schemeClr val="accent1"/>
+                </a:lnRef>
+                <a:fillRef idx="3">
+                  <a:schemeClr val="accent1"/>
+                </a:fillRef>
+                <a:effectRef idx="2">
+                  <a:schemeClr val="accent1"/>
+                </a:effectRef>
+                <a:fontRef idx="minor">
+                  <a:schemeClr val="lt1"/>
+                </a:fontRef>
+              </p:style>
+              <p:txBody>
+                <a:bodyPr wrap="none" lIns="0" tIns="0" rIns="0" bIns="0" rtlCol="0" anchor="ctr" anchorCtr="1"/>
+                <a:lstStyle/>
+                <a:p>
+                  <a:pPr algn="ctr"/>
+                  <a:endParaRPr lang="en-US" b="1">
+                    <a:latin typeface="Times New Roman" panose="02020603050405020304" pitchFamily="18" charset="0"/>
+                    <a:cs typeface="Times New Roman" panose="02020603050405020304" pitchFamily="18" charset="0"/>
+                  </a:endParaRPr>
+                </a:p>
+              </p:txBody>
+            </p:sp>
+            <p:sp>
+              <p:nvSpPr>
+                <p:cNvPr id="109" name="Rectangle 108"/>
+                <p:cNvSpPr/>
+                <p:nvPr/>
+              </p:nvSpPr>
+              <p:spPr>
+                <a:xfrm>
+                  <a:off x="3200400" y="1676400"/>
+                  <a:ext cx="152400" cy="152400"/>
+                </a:xfrm>
+                <a:prstGeom prst="rect">
+                  <a:avLst/>
+                </a:prstGeom>
+                <a:solidFill>
+                  <a:srgbClr val="66FF66"/>
+                </a:solidFill>
+                <a:ln w="6350" cap="flat" cmpd="sng" algn="ctr">
+                  <a:solidFill>
+                    <a:srgbClr val="00B050"/>
+                  </a:solidFill>
+                  <a:prstDash val="solid"/>
+                  <a:round/>
+                  <a:headEnd type="none" w="med" len="med"/>
+                  <a:tailEnd type="none" w="med" len="med"/>
+                </a:ln>
+                <a:effectLst/>
+              </p:spPr>
+              <p:style>
+                <a:lnRef idx="1">
+                  <a:schemeClr val="accent1"/>
+                </a:lnRef>
+                <a:fillRef idx="3">
+                  <a:schemeClr val="accent1"/>
+                </a:fillRef>
+                <a:effectRef idx="2">
+                  <a:schemeClr val="accent1"/>
+                </a:effectRef>
+                <a:fontRef idx="minor">
+                  <a:schemeClr val="lt1"/>
+                </a:fontRef>
+              </p:style>
+              <p:txBody>
+                <a:bodyPr wrap="none" lIns="0" tIns="0" rIns="0" bIns="0" rtlCol="0" anchor="ctr" anchorCtr="1"/>
+                <a:lstStyle/>
+                <a:p>
+                  <a:pPr algn="ctr"/>
+                  <a:endParaRPr lang="en-US" b="1">
+                    <a:latin typeface="Times New Roman" panose="02020603050405020304" pitchFamily="18" charset="0"/>
+                    <a:cs typeface="Times New Roman" panose="02020603050405020304" pitchFamily="18" charset="0"/>
+                  </a:endParaRPr>
+                </a:p>
+              </p:txBody>
+            </p:sp>
+            <p:sp>
+              <p:nvSpPr>
+                <p:cNvPr id="110" name="Rectangle 109"/>
+                <p:cNvSpPr/>
+                <p:nvPr/>
+              </p:nvSpPr>
+              <p:spPr>
+                <a:xfrm>
+                  <a:off x="3352800" y="1828800"/>
+                  <a:ext cx="152400" cy="152400"/>
+                </a:xfrm>
+                <a:prstGeom prst="rect">
+                  <a:avLst/>
+                </a:prstGeom>
+                <a:solidFill>
+                  <a:srgbClr val="66FF66"/>
+                </a:solidFill>
+                <a:ln w="6350" cap="flat" cmpd="sng" algn="ctr">
+                  <a:solidFill>
+                    <a:srgbClr val="00B050"/>
+                  </a:solidFill>
+                  <a:prstDash val="solid"/>
+                  <a:round/>
+                  <a:headEnd type="none" w="med" len="med"/>
+                  <a:tailEnd type="none" w="med" len="med"/>
+                </a:ln>
+                <a:effectLst/>
+              </p:spPr>
+              <p:style>
+                <a:lnRef idx="1">
+                  <a:schemeClr val="accent1"/>
+                </a:lnRef>
+                <a:fillRef idx="3">
+                  <a:schemeClr val="accent1"/>
+                </a:fillRef>
+                <a:effectRef idx="2">
+                  <a:schemeClr val="accent1"/>
+                </a:effectRef>
+                <a:fontRef idx="minor">
+                  <a:schemeClr val="lt1"/>
+                </a:fontRef>
+              </p:style>
+              <p:txBody>
+                <a:bodyPr wrap="none" lIns="0" tIns="0" rIns="0" bIns="0" rtlCol="0" anchor="ctr" anchorCtr="1"/>
+                <a:lstStyle/>
+                <a:p>
+                  <a:pPr algn="ctr"/>
+                  <a:endParaRPr lang="en-US" b="1">
+                    <a:latin typeface="Times New Roman" panose="02020603050405020304" pitchFamily="18" charset="0"/>
+                    <a:cs typeface="Times New Roman" panose="02020603050405020304" pitchFamily="18" charset="0"/>
+                  </a:endParaRPr>
+                </a:p>
+              </p:txBody>
+            </p:sp>
+            <p:sp>
+              <p:nvSpPr>
+                <p:cNvPr id="39" name="Rectangle 38"/>
+                <p:cNvSpPr/>
+                <p:nvPr/>
+              </p:nvSpPr>
+              <p:spPr>
+                <a:xfrm>
+                  <a:off x="3044952" y="1373188"/>
+                  <a:ext cx="612648" cy="608012"/>
+                </a:xfrm>
+                <a:prstGeom prst="rect">
+                  <a:avLst/>
+                </a:prstGeom>
+                <a:noFill/>
+                <a:ln w="12700" cap="flat" cmpd="sng" algn="ctr">
+                  <a:solidFill>
+                    <a:schemeClr val="tx1"/>
+                  </a:solidFill>
+                  <a:prstDash val="solid"/>
+                  <a:round/>
+                  <a:headEnd type="none" w="med" len="med"/>
+                  <a:tailEnd type="none" w="med" len="med"/>
+                </a:ln>
+                <a:effectLst/>
+              </p:spPr>
+              <p:style>
+                <a:lnRef idx="1">
+                  <a:schemeClr val="accent1"/>
+                </a:lnRef>
+                <a:fillRef idx="3">
+                  <a:schemeClr val="accent1"/>
+                </a:fillRef>
+                <a:effectRef idx="2">
+                  <a:schemeClr val="accent1"/>
+                </a:effectRef>
+                <a:fontRef idx="minor">
+                  <a:schemeClr val="lt1"/>
+                </a:fontRef>
+              </p:style>
+              <p:txBody>
+                <a:bodyPr wrap="none" lIns="0" tIns="0" rIns="0" bIns="0" rtlCol="0" anchor="ctr" anchorCtr="1"/>
+                <a:lstStyle/>
+                <a:p>
+                  <a:pPr algn="ctr"/>
+                  <a:endParaRPr lang="en-US" b="1">
+                    <a:latin typeface="Times New Roman" panose="02020603050405020304" pitchFamily="18" charset="0"/>
+                    <a:cs typeface="Times New Roman" panose="02020603050405020304" pitchFamily="18" charset="0"/>
+                  </a:endParaRPr>
+                </a:p>
+              </p:txBody>
+            </p:sp>
+          </p:grpSp>
+          <p:grpSp>
+            <p:nvGrpSpPr>
+              <p:cNvPr id="53" name="Group 52"/>
+              <p:cNvGrpSpPr/>
+              <p:nvPr/>
+            </p:nvGrpSpPr>
+            <p:grpSpPr>
+              <a:xfrm>
+                <a:off x="609600" y="762000"/>
+                <a:ext cx="2133600" cy="1450848"/>
+                <a:chOff x="0" y="758952"/>
+                <a:chExt cx="2133600" cy="1450848"/>
+              </a:xfrm>
+            </p:grpSpPr>
+            <p:sp>
+              <p:nvSpPr>
+                <p:cNvPr id="112" name="TextBox 111"/>
+                <p:cNvSpPr txBox="1"/>
+                <p:nvPr/>
+              </p:nvSpPr>
+              <p:spPr>
+                <a:xfrm>
+                  <a:off x="304800" y="1981200"/>
+                  <a:ext cx="1216152" cy="228600"/>
+                </a:xfrm>
+                <a:prstGeom prst="rect">
+                  <a:avLst/>
+                </a:prstGeom>
+                <a:noFill/>
+              </p:spPr>
+              <p:txBody>
+                <a:bodyPr wrap="square" lIns="0" tIns="0" rIns="0" bIns="0" rtlCol="0" anchor="ctr" anchorCtr="1">
+                  <a:noAutofit/>
+                </a:bodyPr>
+                <a:lstStyle/>
+                <a:p>
+                  <a:pPr algn="ctr"/>
+                  <a:r>
+                    <a:rPr lang="en-US" sz="1200" b="1" i="1" dirty="0" err="1" smtClean="0">
+                      <a:latin typeface="Times New Roman" panose="02020603050405020304" pitchFamily="18" charset="0"/>
+                      <a:cs typeface="Times New Roman" panose="02020603050405020304" pitchFamily="18" charset="0"/>
+                    </a:rPr>
+                    <a:t>ni</a:t>
+                  </a:r>
+                  <a:endParaRPr lang="en-US" sz="1200" b="1" i="1" dirty="0">
+                    <a:latin typeface="Times New Roman" panose="02020603050405020304" pitchFamily="18" charset="0"/>
+                    <a:cs typeface="Times New Roman" panose="02020603050405020304" pitchFamily="18" charset="0"/>
+                  </a:endParaRPr>
+                </a:p>
+              </p:txBody>
+            </p:sp>
+            <p:sp>
+              <p:nvSpPr>
+                <p:cNvPr id="113" name="TextBox 112"/>
+                <p:cNvSpPr txBox="1"/>
+                <p:nvPr/>
+              </p:nvSpPr>
+              <p:spPr>
+                <a:xfrm>
+                  <a:off x="0" y="1524000"/>
+                  <a:ext cx="304800" cy="304800"/>
+                </a:xfrm>
+                <a:prstGeom prst="rect">
+                  <a:avLst/>
+                </a:prstGeom>
+                <a:noFill/>
+              </p:spPr>
+              <p:txBody>
+                <a:bodyPr wrap="square" lIns="0" tIns="0" rIns="0" bIns="0" rtlCol="0" anchor="ctr" anchorCtr="1">
+                  <a:noAutofit/>
+                </a:bodyPr>
+                <a:lstStyle/>
+                <a:p>
+                  <a:pPr algn="ctr"/>
+                  <a:r>
+                    <a:rPr lang="en-US" sz="1200" b="1" i="1" dirty="0" err="1" smtClean="0">
+                      <a:latin typeface="Times New Roman" panose="02020603050405020304" pitchFamily="18" charset="0"/>
+                      <a:cs typeface="Times New Roman" panose="02020603050405020304" pitchFamily="18" charset="0"/>
+                    </a:rPr>
+                    <a:t>nk</a:t>
+                  </a:r>
+                  <a:endParaRPr lang="en-US" sz="1200" b="1" i="1" dirty="0">
+                    <a:latin typeface="Times New Roman" panose="02020603050405020304" pitchFamily="18" charset="0"/>
+                    <a:cs typeface="Times New Roman" panose="02020603050405020304" pitchFamily="18" charset="0"/>
+                  </a:endParaRPr>
+                </a:p>
+              </p:txBody>
+            </p:sp>
+            <p:sp>
+              <p:nvSpPr>
+                <p:cNvPr id="114" name="TextBox 113"/>
+                <p:cNvSpPr txBox="1"/>
+                <p:nvPr/>
+              </p:nvSpPr>
+              <p:spPr>
+                <a:xfrm>
+                  <a:off x="1828800" y="1600200"/>
+                  <a:ext cx="304800" cy="304800"/>
+                </a:xfrm>
+                <a:prstGeom prst="rect">
+                  <a:avLst/>
+                </a:prstGeom>
+                <a:noFill/>
+              </p:spPr>
+              <p:txBody>
+                <a:bodyPr wrap="square" lIns="0" tIns="0" rIns="0" bIns="0" rtlCol="0" anchor="ctr" anchorCtr="1">
+                  <a:noAutofit/>
+                </a:bodyPr>
+                <a:lstStyle/>
+                <a:p>
+                  <a:pPr algn="ctr"/>
+                  <a:r>
+                    <a:rPr lang="en-US" sz="1200" b="1" i="1" dirty="0" err="1" smtClean="0">
+                      <a:latin typeface="Times New Roman" panose="02020603050405020304" pitchFamily="18" charset="0"/>
+                      <a:cs typeface="Times New Roman" panose="02020603050405020304" pitchFamily="18" charset="0"/>
+                    </a:rPr>
+                    <a:t>nj</a:t>
+                  </a:r>
+                  <a:endParaRPr lang="en-US" sz="1200" b="1" i="1" dirty="0">
+                    <a:latin typeface="Times New Roman" panose="02020603050405020304" pitchFamily="18" charset="0"/>
+                    <a:cs typeface="Times New Roman" panose="02020603050405020304" pitchFamily="18" charset="0"/>
+                  </a:endParaRPr>
+                </a:p>
+              </p:txBody>
+            </p:sp>
+            <p:grpSp>
+              <p:nvGrpSpPr>
+                <p:cNvPr id="44" name="Group 43"/>
+                <p:cNvGrpSpPr/>
+                <p:nvPr/>
+              </p:nvGrpSpPr>
+              <p:grpSpPr>
+                <a:xfrm>
+                  <a:off x="304799" y="758952"/>
+                  <a:ext cx="1828801" cy="1225296"/>
+                  <a:chOff x="304799" y="758952"/>
+                  <a:chExt cx="1828801" cy="1225296"/>
+                </a:xfrm>
+              </p:grpSpPr>
+              <p:cxnSp>
+                <p:nvCxnSpPr>
+                  <p:cNvPr id="121" name="Straight Connector 120"/>
+                  <p:cNvCxnSpPr/>
+                  <p:nvPr/>
+                </p:nvCxnSpPr>
+                <p:spPr>
+                  <a:xfrm rot="5400000" flipH="1" flipV="1">
+                    <a:off x="1066800" y="1371600"/>
+                    <a:ext cx="609600" cy="609600"/>
+                  </a:xfrm>
+                  <a:prstGeom prst="line">
+                    <a:avLst/>
+                  </a:prstGeom>
+                  <a:ln w="12700">
+                    <a:solidFill>
+                      <a:schemeClr val="tx1">
+                        <a:alpha val="25000"/>
+                      </a:schemeClr>
+                    </a:solidFill>
+                    <a:prstDash val="dash"/>
+                  </a:ln>
+                  <a:effectLst/>
+                </p:spPr>
+                <p:style>
+                  <a:lnRef idx="2">
+                    <a:schemeClr val="accent1"/>
+                  </a:lnRef>
+                  <a:fillRef idx="0">
+                    <a:schemeClr val="accent1"/>
+                  </a:fillRef>
+                  <a:effectRef idx="1">
+                    <a:schemeClr val="accent1"/>
+                  </a:effectRef>
+                  <a:fontRef idx="minor">
+                    <a:schemeClr val="tx1"/>
+                  </a:fontRef>
+                </p:style>
+              </p:cxnSp>
+              <p:cxnSp>
+                <p:nvCxnSpPr>
+                  <p:cNvPr id="119" name="Straight Connector 118"/>
+                  <p:cNvCxnSpPr/>
+                  <p:nvPr/>
+                </p:nvCxnSpPr>
+                <p:spPr>
+                  <a:xfrm rot="5400000" flipH="1" flipV="1">
+                    <a:off x="1219200" y="1371600"/>
+                    <a:ext cx="609600" cy="609600"/>
+                  </a:xfrm>
+                  <a:prstGeom prst="line">
+                    <a:avLst/>
+                  </a:prstGeom>
+                  <a:ln w="12700">
+                    <a:solidFill>
+                      <a:schemeClr val="tx1">
+                        <a:alpha val="25000"/>
+                      </a:schemeClr>
+                    </a:solidFill>
+                    <a:prstDash val="dash"/>
+                  </a:ln>
+                  <a:effectLst/>
+                </p:spPr>
+                <p:style>
+                  <a:lnRef idx="2">
+                    <a:schemeClr val="accent1"/>
+                  </a:lnRef>
+                  <a:fillRef idx="0">
+                    <a:schemeClr val="accent1"/>
+                  </a:fillRef>
+                  <a:effectRef idx="1">
+                    <a:schemeClr val="accent1"/>
+                  </a:effectRef>
+                  <a:fontRef idx="minor">
+                    <a:schemeClr val="tx1"/>
+                  </a:fontRef>
+                </p:style>
+              </p:cxnSp>
+              <p:cxnSp>
+                <p:nvCxnSpPr>
+                  <p:cNvPr id="118" name="Straight Connector 117"/>
+                  <p:cNvCxnSpPr/>
+                  <p:nvPr/>
+                </p:nvCxnSpPr>
+                <p:spPr>
+                  <a:xfrm>
+                    <a:off x="533400" y="1752600"/>
+                    <a:ext cx="1219200" cy="1588"/>
+                  </a:xfrm>
+                  <a:prstGeom prst="line">
+                    <a:avLst/>
+                  </a:prstGeom>
+                  <a:ln w="12700">
+                    <a:solidFill>
+                      <a:schemeClr val="tx1">
+                        <a:alpha val="25000"/>
+                      </a:schemeClr>
+                    </a:solidFill>
+                    <a:prstDash val="dash"/>
+                  </a:ln>
+                  <a:effectLst/>
+                </p:spPr>
+                <p:style>
+                  <a:lnRef idx="2">
+                    <a:schemeClr val="accent1"/>
+                  </a:lnRef>
+                  <a:fillRef idx="0">
+                    <a:schemeClr val="accent1"/>
+                  </a:fillRef>
+                  <a:effectRef idx="1">
+                    <a:schemeClr val="accent1"/>
+                  </a:effectRef>
+                  <a:fontRef idx="minor">
+                    <a:schemeClr val="tx1"/>
+                  </a:fontRef>
+                </p:style>
+              </p:cxnSp>
+              <p:cxnSp>
+                <p:nvCxnSpPr>
+                  <p:cNvPr id="117" name="Straight Connector 116"/>
+                  <p:cNvCxnSpPr/>
+                  <p:nvPr/>
+                </p:nvCxnSpPr>
+                <p:spPr>
+                  <a:xfrm>
+                    <a:off x="457200" y="1828800"/>
+                    <a:ext cx="1219200" cy="1588"/>
+                  </a:xfrm>
+                  <a:prstGeom prst="line">
+                    <a:avLst/>
+                  </a:prstGeom>
+                  <a:ln w="12700">
+                    <a:solidFill>
+                      <a:schemeClr val="tx1">
+                        <a:alpha val="25000"/>
+                      </a:schemeClr>
+                    </a:solidFill>
+                    <a:prstDash val="dash"/>
+                  </a:ln>
+                  <a:effectLst/>
+                </p:spPr>
+                <p:style>
+                  <a:lnRef idx="2">
+                    <a:schemeClr val="accent1"/>
+                  </a:lnRef>
+                  <a:fillRef idx="0">
+                    <a:schemeClr val="accent1"/>
+                  </a:fillRef>
+                  <a:effectRef idx="1">
+                    <a:schemeClr val="accent1"/>
+                  </a:effectRef>
+                  <a:fontRef idx="minor">
+                    <a:schemeClr val="tx1"/>
+                  </a:fontRef>
+                </p:style>
+              </p:cxnSp>
+              <p:sp>
+                <p:nvSpPr>
+                  <p:cNvPr id="32" name="Rectangle 31"/>
+                  <p:cNvSpPr/>
+                  <p:nvPr/>
+                </p:nvSpPr>
+                <p:spPr>
+                  <a:xfrm>
+                    <a:off x="914400" y="758952"/>
+                    <a:ext cx="1219200" cy="612648"/>
+                  </a:xfrm>
+                  <a:prstGeom prst="rect">
+                    <a:avLst/>
+                  </a:prstGeom>
+                  <a:noFill/>
+                  <a:ln w="12700" cap="flat" cmpd="sng" algn="ctr">
+                    <a:solidFill>
+                      <a:schemeClr val="tx1"/>
+                    </a:solidFill>
+                    <a:prstDash val="solid"/>
+                    <a:round/>
+                    <a:headEnd type="none" w="med" len="med"/>
+                    <a:tailEnd type="none" w="med" len="med"/>
+                  </a:ln>
+                  <a:effectLst/>
+                </p:spPr>
+                <p:style>
+                  <a:lnRef idx="1">
+                    <a:schemeClr val="accent1"/>
+                  </a:lnRef>
+                  <a:fillRef idx="3">
+                    <a:schemeClr val="accent1"/>
+                  </a:fillRef>
+                  <a:effectRef idx="2">
+                    <a:schemeClr val="accent1"/>
+                  </a:effectRef>
+                  <a:fontRef idx="minor">
+                    <a:schemeClr val="lt1"/>
+                  </a:fontRef>
+                </p:style>
+                <p:txBody>
+                  <a:bodyPr rtlCol="0" anchor="ctr"/>
+                  <a:lstStyle/>
+                  <a:p>
+                    <a:pPr algn="ctr"/>
+                    <a:endParaRPr lang="en-US">
+                      <a:latin typeface="Times New Roman" panose="02020603050405020304" pitchFamily="18" charset="0"/>
+                      <a:cs typeface="Times New Roman" panose="02020603050405020304" pitchFamily="18" charset="0"/>
+                    </a:endParaRPr>
+                  </a:p>
+                </p:txBody>
+              </p:sp>
+              <p:cxnSp>
+                <p:nvCxnSpPr>
+                  <p:cNvPr id="6" name="Straight Connector 5"/>
+                  <p:cNvCxnSpPr/>
+                  <p:nvPr/>
+                </p:nvCxnSpPr>
+                <p:spPr>
+                  <a:xfrm rot="5400000" flipH="1" flipV="1">
+                    <a:off x="304799" y="762000"/>
+                    <a:ext cx="609600" cy="609600"/>
+                  </a:xfrm>
+                  <a:prstGeom prst="line">
+                    <a:avLst/>
+                  </a:prstGeom>
+                  <a:ln w="12700" cap="flat" cmpd="sng" algn="ctr">
+                    <a:solidFill>
+                      <a:srgbClr val="000000"/>
+                    </a:solidFill>
+                    <a:prstDash val="solid"/>
+                    <a:round/>
+                    <a:headEnd type="none" w="med" len="med"/>
+                    <a:tailEnd type="none" w="med" len="med"/>
+                  </a:ln>
+                  <a:effectLst/>
+                </p:spPr>
+                <p:style>
+                  <a:lnRef idx="2">
+                    <a:schemeClr val="accent1"/>
+                  </a:lnRef>
+                  <a:fillRef idx="0">
+                    <a:schemeClr val="accent1"/>
+                  </a:fillRef>
+                  <a:effectRef idx="1">
+                    <a:schemeClr val="accent1"/>
+                  </a:effectRef>
+                  <a:fontRef idx="minor">
+                    <a:schemeClr val="tx1"/>
+                  </a:fontRef>
+                </p:style>
+              </p:cxnSp>
+              <p:cxnSp>
+                <p:nvCxnSpPr>
+                  <p:cNvPr id="9" name="Straight Connector 8"/>
+                  <p:cNvCxnSpPr/>
+                  <p:nvPr/>
+                </p:nvCxnSpPr>
+                <p:spPr>
+                  <a:xfrm rot="5400000" flipH="1" flipV="1">
+                    <a:off x="1523999" y="1371600"/>
+                    <a:ext cx="609600" cy="609600"/>
+                  </a:xfrm>
+                  <a:prstGeom prst="line">
+                    <a:avLst/>
+                  </a:prstGeom>
+                  <a:ln w="12700" cap="flat" cmpd="sng" algn="ctr">
+                    <a:solidFill>
+                      <a:srgbClr val="000000"/>
+                    </a:solidFill>
+                    <a:prstDash val="solid"/>
+                    <a:round/>
+                    <a:headEnd type="none" w="med" len="med"/>
+                    <a:tailEnd type="none" w="med" len="med"/>
+                  </a:ln>
+                  <a:effectLst/>
+                </p:spPr>
+                <p:style>
+                  <a:lnRef idx="2">
+                    <a:schemeClr val="accent1"/>
+                  </a:lnRef>
+                  <a:fillRef idx="0">
+                    <a:schemeClr val="accent1"/>
+                  </a:fillRef>
+                  <a:effectRef idx="1">
+                    <a:schemeClr val="accent1"/>
+                  </a:effectRef>
+                  <a:fontRef idx="minor">
+                    <a:schemeClr val="tx1"/>
+                  </a:fontRef>
+                </p:style>
+              </p:cxnSp>
+              <p:cxnSp>
+                <p:nvCxnSpPr>
+                  <p:cNvPr id="31" name="Straight Connector 30"/>
+                  <p:cNvCxnSpPr/>
+                  <p:nvPr/>
+                </p:nvCxnSpPr>
+                <p:spPr>
+                  <a:xfrm rot="5400000" flipH="1" flipV="1">
+                    <a:off x="304799" y="1371600"/>
+                    <a:ext cx="609600" cy="609600"/>
+                  </a:xfrm>
+                  <a:prstGeom prst="line">
+                    <a:avLst/>
+                  </a:prstGeom>
+                  <a:ln w="12700" cap="flat" cmpd="sng" algn="ctr">
+                    <a:solidFill>
+                      <a:srgbClr val="000000"/>
+                    </a:solidFill>
+                    <a:prstDash val="solid"/>
+                    <a:round/>
+                    <a:headEnd type="none" w="med" len="med"/>
+                    <a:tailEnd type="none" w="med" len="med"/>
+                  </a:ln>
+                  <a:effectLst/>
+                </p:spPr>
+                <p:style>
+                  <a:lnRef idx="2">
+                    <a:schemeClr val="accent1"/>
+                  </a:lnRef>
+                  <a:fillRef idx="0">
+                    <a:schemeClr val="accent1"/>
+                  </a:fillRef>
+                  <a:effectRef idx="1">
+                    <a:schemeClr val="accent1"/>
+                  </a:effectRef>
+                  <a:fontRef idx="minor">
+                    <a:schemeClr val="tx1"/>
+                  </a:fontRef>
+                </p:style>
+              </p:cxnSp>
+              <p:grpSp>
+                <p:nvGrpSpPr>
+                  <p:cNvPr id="21" name="Group 62"/>
+                  <p:cNvGrpSpPr/>
+                  <p:nvPr/>
+                </p:nvGrpSpPr>
+                <p:grpSpPr>
+                  <a:xfrm>
+                    <a:off x="1216824" y="1136904"/>
+                    <a:ext cx="230981" cy="691896"/>
+                    <a:chOff x="2436019" y="1213104"/>
+                    <a:chExt cx="230981" cy="691896"/>
+                  </a:xfrm>
+                </p:grpSpPr>
+                <p:sp>
+                  <p:nvSpPr>
+                    <p:cNvPr id="33" name="Rectangle 32"/>
+                    <p:cNvSpPr/>
+                    <p:nvPr/>
+                  </p:nvSpPr>
+                  <p:spPr>
+                    <a:xfrm>
+                      <a:off x="2438400" y="1295396"/>
+                      <a:ext cx="152400" cy="609604"/>
+                    </a:xfrm>
+                    <a:prstGeom prst="rect">
+                      <a:avLst/>
+                    </a:prstGeom>
+                    <a:solidFill>
+                      <a:srgbClr val="3366FF"/>
+                    </a:solidFill>
+                    <a:ln w="12700" cap="flat" cmpd="sng" algn="ctr">
+                      <a:solidFill>
+                        <a:srgbClr val="000090"/>
+                      </a:solidFill>
+                      <a:prstDash val="solid"/>
+                      <a:round/>
+                      <a:headEnd type="none" w="med" len="med"/>
+                      <a:tailEnd type="none" w="med" len="med"/>
+                    </a:ln>
+                    <a:effectLst/>
+                  </p:spPr>
+                  <p:style>
+                    <a:lnRef idx="1">
+                      <a:schemeClr val="accent1"/>
+                    </a:lnRef>
+                    <a:fillRef idx="3">
+                      <a:schemeClr val="accent1"/>
+                    </a:fillRef>
+                    <a:effectRef idx="2">
+                      <a:schemeClr val="accent1"/>
+                    </a:effectRef>
+                    <a:fontRef idx="minor">
+                      <a:schemeClr val="lt1"/>
+                    </a:fontRef>
+                  </p:style>
+                  <p:txBody>
+                    <a:bodyPr rtlCol="0" anchor="ctr"/>
+                    <a:lstStyle/>
+                    <a:p>
+                      <a:pPr algn="ctr"/>
+                      <a:endParaRPr lang="en-US">
+                        <a:latin typeface="Times New Roman" panose="02020603050405020304" pitchFamily="18" charset="0"/>
+                        <a:cs typeface="Times New Roman" panose="02020603050405020304" pitchFamily="18" charset="0"/>
+                      </a:endParaRPr>
+                    </a:p>
+                  </p:txBody>
+                </p:sp>
+                <p:sp>
+                  <p:nvSpPr>
+                    <p:cNvPr id="35" name="Parallelogram 34"/>
+                    <p:cNvSpPr/>
+                    <p:nvPr/>
+                  </p:nvSpPr>
+                  <p:spPr>
+                    <a:xfrm>
+                      <a:off x="2436019" y="1215485"/>
+                      <a:ext cx="228600" cy="76200"/>
+                    </a:xfrm>
+                    <a:prstGeom prst="parallelogram">
+                      <a:avLst>
+                        <a:gd name="adj" fmla="val 100521"/>
+                      </a:avLst>
+                    </a:prstGeom>
+                    <a:solidFill>
+                      <a:srgbClr val="3366FF"/>
+                    </a:solidFill>
+                    <a:ln w="12700" cap="flat" cmpd="sng" algn="ctr">
+                      <a:solidFill>
+                        <a:srgbClr val="000090"/>
+                      </a:solidFill>
+                      <a:prstDash val="solid"/>
+                      <a:round/>
+                      <a:headEnd type="none" w="med" len="med"/>
+                      <a:tailEnd type="none" w="med" len="med"/>
+                    </a:ln>
+                    <a:effectLst/>
+                  </p:spPr>
+                  <p:style>
+                    <a:lnRef idx="1">
+                      <a:schemeClr val="accent1"/>
+                    </a:lnRef>
+                    <a:fillRef idx="3">
+                      <a:schemeClr val="accent1"/>
+                    </a:fillRef>
+                    <a:effectRef idx="2">
+                      <a:schemeClr val="accent1"/>
+                    </a:effectRef>
+                    <a:fontRef idx="minor">
+                      <a:schemeClr val="lt1"/>
+                    </a:fontRef>
+                  </p:style>
+                  <p:txBody>
+                    <a:bodyPr rtlCol="0" anchor="ctr"/>
+                    <a:lstStyle/>
+                    <a:p>
+                      <a:pPr algn="ctr"/>
+                      <a:endParaRPr lang="en-US">
+                        <a:latin typeface="Times New Roman" panose="02020603050405020304" pitchFamily="18" charset="0"/>
+                        <a:cs typeface="Times New Roman" panose="02020603050405020304" pitchFamily="18" charset="0"/>
+                      </a:endParaRPr>
+                    </a:p>
+                  </p:txBody>
+                </p:sp>
+                <p:sp>
+                  <p:nvSpPr>
+                    <p:cNvPr id="36" name="Parallelogram 35"/>
+                    <p:cNvSpPr/>
+                    <p:nvPr/>
+                  </p:nvSpPr>
+                  <p:spPr>
+                    <a:xfrm rot="5400000" flipH="1">
+                      <a:off x="2282952" y="1520952"/>
+                      <a:ext cx="691896" cy="76200"/>
+                    </a:xfrm>
+                    <a:prstGeom prst="parallelogram">
+                      <a:avLst>
+                        <a:gd name="adj" fmla="val 100521"/>
+                      </a:avLst>
+                    </a:prstGeom>
+                    <a:solidFill>
+                      <a:srgbClr val="3366FF"/>
+                    </a:solidFill>
+                    <a:ln w="12700" cap="flat" cmpd="sng" algn="ctr">
+                      <a:solidFill>
+                        <a:srgbClr val="000090"/>
+                      </a:solidFill>
+                      <a:prstDash val="solid"/>
+                      <a:round/>
+                      <a:headEnd type="none" w="med" len="med"/>
+                      <a:tailEnd type="none" w="med" len="med"/>
+                    </a:ln>
+                    <a:effectLst/>
+                  </p:spPr>
+                  <p:style>
+                    <a:lnRef idx="1">
+                      <a:schemeClr val="accent1"/>
+                    </a:lnRef>
+                    <a:fillRef idx="3">
+                      <a:schemeClr val="accent1"/>
+                    </a:fillRef>
+                    <a:effectRef idx="2">
+                      <a:schemeClr val="accent1"/>
+                    </a:effectRef>
+                    <a:fontRef idx="minor">
+                      <a:schemeClr val="lt1"/>
+                    </a:fontRef>
+                  </p:style>
+                  <p:txBody>
+                    <a:bodyPr rtlCol="0" anchor="ctr"/>
+                    <a:lstStyle/>
+                    <a:p>
+                      <a:pPr algn="ctr"/>
+                      <a:endParaRPr lang="en-US">
+                        <a:latin typeface="Times New Roman" panose="02020603050405020304" pitchFamily="18" charset="0"/>
+                        <a:cs typeface="Times New Roman" panose="02020603050405020304" pitchFamily="18" charset="0"/>
+                      </a:endParaRPr>
+                    </a:p>
+                  </p:txBody>
+                </p:sp>
+                <p:cxnSp>
+                  <p:nvCxnSpPr>
+                    <p:cNvPr id="43" name="Straight Connector 42"/>
+                    <p:cNvCxnSpPr/>
+                    <p:nvPr/>
+                  </p:nvCxnSpPr>
+                  <p:spPr>
+                    <a:xfrm>
+                      <a:off x="2438401" y="1752600"/>
+                      <a:ext cx="152401" cy="1588"/>
+                    </a:xfrm>
+                    <a:prstGeom prst="line">
+                      <a:avLst/>
+                    </a:prstGeom>
+                    <a:ln w="12700" cap="flat" cmpd="sng" algn="ctr">
+                      <a:solidFill>
+                        <a:srgbClr val="000090"/>
+                      </a:solidFill>
+                      <a:prstDash val="solid"/>
+                      <a:round/>
+                      <a:headEnd type="none" w="med" len="med"/>
+                      <a:tailEnd type="none" w="med" len="med"/>
+                    </a:ln>
+                    <a:effectLst/>
+                  </p:spPr>
+                  <p:style>
+                    <a:lnRef idx="2">
+                      <a:schemeClr val="accent1"/>
+                    </a:lnRef>
+                    <a:fillRef idx="0">
+                      <a:schemeClr val="accent1"/>
+                    </a:fillRef>
+                    <a:effectRef idx="1">
+                      <a:schemeClr val="accent1"/>
+                    </a:effectRef>
+                    <a:fontRef idx="minor">
+                      <a:schemeClr val="tx1"/>
+                    </a:fontRef>
+                  </p:style>
+                </p:cxnSp>
+                <p:cxnSp>
+                  <p:nvCxnSpPr>
+                    <p:cNvPr id="45" name="Straight Connector 44"/>
+                    <p:cNvCxnSpPr/>
+                    <p:nvPr/>
+                  </p:nvCxnSpPr>
+                  <p:spPr>
+                    <a:xfrm>
+                      <a:off x="2438400" y="1600200"/>
+                      <a:ext cx="152401" cy="1588"/>
+                    </a:xfrm>
+                    <a:prstGeom prst="line">
+                      <a:avLst/>
+                    </a:prstGeom>
+                    <a:ln w="12700" cap="flat" cmpd="sng" algn="ctr">
+                      <a:solidFill>
+                        <a:srgbClr val="000090"/>
+                      </a:solidFill>
+                      <a:prstDash val="solid"/>
+                      <a:round/>
+                      <a:headEnd type="none" w="med" len="med"/>
+                      <a:tailEnd type="none" w="med" len="med"/>
+                    </a:ln>
+                    <a:effectLst/>
+                  </p:spPr>
+                  <p:style>
+                    <a:lnRef idx="2">
+                      <a:schemeClr val="accent1"/>
+                    </a:lnRef>
+                    <a:fillRef idx="0">
+                      <a:schemeClr val="accent1"/>
+                    </a:fillRef>
+                    <a:effectRef idx="1">
+                      <a:schemeClr val="accent1"/>
+                    </a:effectRef>
+                    <a:fontRef idx="minor">
+                      <a:schemeClr val="tx1"/>
+                    </a:fontRef>
+                  </p:style>
+                </p:cxnSp>
+                <p:cxnSp>
+                  <p:nvCxnSpPr>
+                    <p:cNvPr id="46" name="Straight Connector 45"/>
+                    <p:cNvCxnSpPr/>
+                    <p:nvPr/>
+                  </p:nvCxnSpPr>
+                  <p:spPr>
+                    <a:xfrm>
+                      <a:off x="2438399" y="1447800"/>
+                      <a:ext cx="152401" cy="1588"/>
+                    </a:xfrm>
+                    <a:prstGeom prst="line">
+                      <a:avLst/>
+                    </a:prstGeom>
+                    <a:ln w="3175" cap="flat" cmpd="sng" algn="ctr">
+                      <a:solidFill>
+                        <a:srgbClr val="000090"/>
+                      </a:solidFill>
+                      <a:prstDash val="solid"/>
+                      <a:round/>
+                      <a:headEnd type="none" w="med" len="med"/>
+                      <a:tailEnd type="none" w="med" len="med"/>
+                    </a:ln>
+                    <a:effectLst/>
+                  </p:spPr>
+                  <p:style>
+                    <a:lnRef idx="2">
+                      <a:schemeClr val="accent1"/>
+                    </a:lnRef>
+                    <a:fillRef idx="0">
+                      <a:schemeClr val="accent1"/>
+                    </a:fillRef>
+                    <a:effectRef idx="1">
+                      <a:schemeClr val="accent1"/>
+                    </a:effectRef>
+                    <a:fontRef idx="minor">
+                      <a:schemeClr val="tx1"/>
+                    </a:fontRef>
+                  </p:style>
+                </p:cxnSp>
+                <p:cxnSp>
+                  <p:nvCxnSpPr>
+                    <p:cNvPr id="60" name="Straight Connector 59"/>
+                    <p:cNvCxnSpPr/>
+                    <p:nvPr/>
+                  </p:nvCxnSpPr>
+                  <p:spPr>
+                    <a:xfrm rot="10800000" flipV="1">
+                      <a:off x="2590797" y="1365504"/>
+                      <a:ext cx="76199" cy="76198"/>
+                    </a:xfrm>
+                    <a:prstGeom prst="line">
+                      <a:avLst/>
+                    </a:prstGeom>
+                    <a:ln w="12700" cap="flat" cmpd="sng" algn="ctr">
+                      <a:solidFill>
+                        <a:srgbClr val="000090"/>
+                      </a:solidFill>
+                      <a:prstDash val="solid"/>
+                      <a:round/>
+                      <a:headEnd type="none" w="med" len="med"/>
+                      <a:tailEnd type="none" w="med" len="med"/>
+                    </a:ln>
+                    <a:effectLst/>
+                  </p:spPr>
+                  <p:style>
+                    <a:lnRef idx="2">
+                      <a:schemeClr val="accent1"/>
+                    </a:lnRef>
+                    <a:fillRef idx="0">
+                      <a:schemeClr val="accent1"/>
+                    </a:fillRef>
+                    <a:effectRef idx="1">
+                      <a:schemeClr val="accent1"/>
+                    </a:effectRef>
+                    <a:fontRef idx="minor">
+                      <a:schemeClr val="tx1"/>
+                    </a:fontRef>
+                  </p:style>
+                </p:cxnSp>
+                <p:cxnSp>
+                  <p:nvCxnSpPr>
+                    <p:cNvPr id="61" name="Straight Connector 60"/>
+                    <p:cNvCxnSpPr/>
+                    <p:nvPr/>
+                  </p:nvCxnSpPr>
+                  <p:spPr>
+                    <a:xfrm rot="10800000" flipV="1">
+                      <a:off x="2590796" y="1524006"/>
+                      <a:ext cx="76199" cy="76198"/>
+                    </a:xfrm>
+                    <a:prstGeom prst="line">
+                      <a:avLst/>
+                    </a:prstGeom>
+                    <a:ln w="12700" cap="flat" cmpd="sng" algn="ctr">
+                      <a:solidFill>
+                        <a:srgbClr val="000090"/>
+                      </a:solidFill>
+                      <a:prstDash val="solid"/>
+                      <a:round/>
+                      <a:headEnd type="none" w="med" len="med"/>
+                      <a:tailEnd type="none" w="med" len="med"/>
+                    </a:ln>
+                    <a:effectLst/>
+                  </p:spPr>
+                  <p:style>
+                    <a:lnRef idx="2">
+                      <a:schemeClr val="accent1"/>
+                    </a:lnRef>
+                    <a:fillRef idx="0">
+                      <a:schemeClr val="accent1"/>
+                    </a:fillRef>
+                    <a:effectRef idx="1">
+                      <a:schemeClr val="accent1"/>
+                    </a:effectRef>
+                    <a:fontRef idx="minor">
+                      <a:schemeClr val="tx1"/>
+                    </a:fontRef>
+                  </p:style>
+                </p:cxnSp>
+                <p:cxnSp>
+                  <p:nvCxnSpPr>
+                    <p:cNvPr id="62" name="Straight Connector 61"/>
+                    <p:cNvCxnSpPr/>
+                    <p:nvPr/>
+                  </p:nvCxnSpPr>
+                  <p:spPr>
+                    <a:xfrm rot="10800000" flipV="1">
+                      <a:off x="2590795" y="1676407"/>
+                      <a:ext cx="76199" cy="76198"/>
+                    </a:xfrm>
+                    <a:prstGeom prst="line">
+                      <a:avLst/>
+                    </a:prstGeom>
+                    <a:ln w="12700" cap="flat" cmpd="sng" algn="ctr">
+                      <a:solidFill>
+                        <a:srgbClr val="000090"/>
+                      </a:solidFill>
+                      <a:prstDash val="solid"/>
+                      <a:round/>
+                      <a:headEnd type="none" w="med" len="med"/>
+                      <a:tailEnd type="none" w="med" len="med"/>
+                    </a:ln>
+                    <a:effectLst/>
+                  </p:spPr>
+                  <p:style>
+                    <a:lnRef idx="2">
+                      <a:schemeClr val="accent1"/>
+                    </a:lnRef>
+                    <a:fillRef idx="0">
+                      <a:schemeClr val="accent1"/>
+                    </a:fillRef>
+                    <a:effectRef idx="1">
+                      <a:schemeClr val="accent1"/>
+                    </a:effectRef>
+                    <a:fontRef idx="minor">
+                      <a:schemeClr val="tx1"/>
+                    </a:fontRef>
+                  </p:style>
+                </p:cxnSp>
+              </p:grpSp>
+              <p:sp>
+                <p:nvSpPr>
+                  <p:cNvPr id="4" name="Rectangle 3"/>
+                  <p:cNvSpPr/>
+                  <p:nvPr/>
+                </p:nvSpPr>
+                <p:spPr>
+                  <a:xfrm>
+                    <a:off x="304799" y="1371600"/>
+                    <a:ext cx="1219200" cy="612648"/>
+                  </a:xfrm>
+                  <a:prstGeom prst="rect">
+                    <a:avLst/>
+                  </a:prstGeom>
+                  <a:noFill/>
+                  <a:ln w="12700" cap="flat" cmpd="sng" algn="ctr">
+                    <a:solidFill>
+                      <a:schemeClr val="tx1"/>
+                    </a:solidFill>
+                    <a:prstDash val="solid"/>
+                    <a:round/>
+                    <a:headEnd type="none" w="med" len="med"/>
+                    <a:tailEnd type="none" w="med" len="med"/>
+                  </a:ln>
+                  <a:effectLst/>
+                </p:spPr>
+                <p:style>
+                  <a:lnRef idx="1">
+                    <a:schemeClr val="accent1"/>
+                  </a:lnRef>
+                  <a:fillRef idx="3">
+                    <a:schemeClr val="accent1"/>
+                  </a:fillRef>
+                  <a:effectRef idx="2">
+                    <a:schemeClr val="accent1"/>
+                  </a:effectRef>
+                  <a:fontRef idx="minor">
+                    <a:schemeClr val="lt1"/>
+                  </a:fontRef>
+                </p:style>
+                <p:txBody>
+                  <a:bodyPr rtlCol="0" anchor="ctr"/>
+                  <a:lstStyle/>
+                  <a:p>
+                    <a:pPr algn="ctr"/>
+                    <a:endParaRPr lang="en-US">
+                      <a:latin typeface="Times New Roman" panose="02020603050405020304" pitchFamily="18" charset="0"/>
+                      <a:cs typeface="Times New Roman" panose="02020603050405020304" pitchFamily="18" charset="0"/>
+                    </a:endParaRPr>
+                  </a:p>
+                </p:txBody>
+              </p:sp>
+              <p:cxnSp>
+                <p:nvCxnSpPr>
+                  <p:cNvPr id="8" name="Straight Connector 7"/>
+                  <p:cNvCxnSpPr/>
+                  <p:nvPr/>
+                </p:nvCxnSpPr>
+                <p:spPr>
+                  <a:xfrm rot="5400000" flipH="1" flipV="1">
+                    <a:off x="1523999" y="762000"/>
+                    <a:ext cx="609600" cy="609600"/>
+                  </a:xfrm>
+                  <a:prstGeom prst="line">
+                    <a:avLst/>
+                  </a:prstGeom>
+                  <a:ln w="12700" cap="flat" cmpd="sng" algn="ctr">
+                    <a:solidFill>
+                      <a:srgbClr val="000000"/>
+                    </a:solidFill>
+                    <a:prstDash val="solid"/>
+                    <a:round/>
+                    <a:headEnd type="none" w="med" len="med"/>
+                    <a:tailEnd type="none" w="med" len="med"/>
+                  </a:ln>
+                  <a:effectLst/>
+                </p:spPr>
+                <p:style>
+                  <a:lnRef idx="2">
+                    <a:schemeClr val="accent1"/>
+                  </a:lnRef>
+                  <a:fillRef idx="0">
+                    <a:schemeClr val="accent1"/>
+                  </a:fillRef>
+                  <a:effectRef idx="1">
+                    <a:schemeClr val="accent1"/>
+                  </a:effectRef>
+                  <a:fontRef idx="minor">
+                    <a:schemeClr val="tx1"/>
+                  </a:fontRef>
+                </p:style>
+              </p:cxnSp>
+            </p:grpSp>
+          </p:grpSp>
+          <p:grpSp>
+            <p:nvGrpSpPr>
+              <p:cNvPr id="55" name="Group 54"/>
+              <p:cNvGrpSpPr/>
+              <p:nvPr/>
+            </p:nvGrpSpPr>
+            <p:grpSpPr>
+              <a:xfrm>
+                <a:off x="5410200" y="758952"/>
+                <a:ext cx="2133600" cy="1450848"/>
+                <a:chOff x="5334000" y="758952"/>
+                <a:chExt cx="2133600" cy="1450848"/>
+              </a:xfrm>
+            </p:grpSpPr>
+            <p:sp>
+              <p:nvSpPr>
+                <p:cNvPr id="161" name="TextBox 160"/>
+                <p:cNvSpPr txBox="1"/>
+                <p:nvPr/>
+              </p:nvSpPr>
+              <p:spPr>
+                <a:xfrm>
+                  <a:off x="5638800" y="1981200"/>
+                  <a:ext cx="1216152" cy="228600"/>
+                </a:xfrm>
+                <a:prstGeom prst="rect">
+                  <a:avLst/>
+                </a:prstGeom>
+                <a:noFill/>
+              </p:spPr>
+              <p:txBody>
+                <a:bodyPr wrap="square" lIns="0" tIns="0" rIns="0" bIns="0" rtlCol="0" anchor="ctr" anchorCtr="1">
+                  <a:noAutofit/>
+                </a:bodyPr>
+                <a:lstStyle/>
+                <a:p>
+                  <a:pPr algn="ctr"/>
+                  <a:r>
+                    <a:rPr lang="en-US" sz="1200" b="1" i="1" dirty="0" err="1" smtClean="0">
+                      <a:latin typeface="Times New Roman" panose="02020603050405020304" pitchFamily="18" charset="0"/>
+                      <a:cs typeface="Times New Roman" panose="02020603050405020304" pitchFamily="18" charset="0"/>
+                    </a:rPr>
+                    <a:t>ni</a:t>
+                  </a:r>
+                  <a:endParaRPr lang="en-US" sz="1200" b="1" i="1" dirty="0">
+                    <a:latin typeface="Times New Roman" panose="02020603050405020304" pitchFamily="18" charset="0"/>
+                    <a:cs typeface="Times New Roman" panose="02020603050405020304" pitchFamily="18" charset="0"/>
+                  </a:endParaRPr>
+                </a:p>
+              </p:txBody>
+            </p:sp>
+            <p:sp>
+              <p:nvSpPr>
+                <p:cNvPr id="162" name="TextBox 161"/>
+                <p:cNvSpPr txBox="1"/>
+                <p:nvPr/>
+              </p:nvSpPr>
+              <p:spPr>
+                <a:xfrm>
+                  <a:off x="5334000" y="1524000"/>
+                  <a:ext cx="304800" cy="304800"/>
+                </a:xfrm>
+                <a:prstGeom prst="rect">
+                  <a:avLst/>
+                </a:prstGeom>
+                <a:noFill/>
+              </p:spPr>
+              <p:txBody>
+                <a:bodyPr wrap="square" lIns="0" tIns="0" rIns="0" bIns="0" rtlCol="0" anchor="ctr" anchorCtr="1">
+                  <a:noAutofit/>
+                </a:bodyPr>
+                <a:lstStyle/>
+                <a:p>
+                  <a:pPr algn="ctr"/>
+                  <a:r>
+                    <a:rPr lang="en-US" sz="1200" b="1" i="1" dirty="0" err="1" smtClean="0">
+                      <a:latin typeface="Times New Roman" panose="02020603050405020304" pitchFamily="18" charset="0"/>
+                      <a:cs typeface="Times New Roman" panose="02020603050405020304" pitchFamily="18" charset="0"/>
+                    </a:rPr>
+                    <a:t>nk</a:t>
+                  </a:r>
+                  <a:endParaRPr lang="en-US" sz="1200" b="1" i="1" dirty="0">
+                    <a:latin typeface="Times New Roman" panose="02020603050405020304" pitchFamily="18" charset="0"/>
+                    <a:cs typeface="Times New Roman" panose="02020603050405020304" pitchFamily="18" charset="0"/>
+                  </a:endParaRPr>
+                </a:p>
+              </p:txBody>
+            </p:sp>
+            <p:sp>
+              <p:nvSpPr>
+                <p:cNvPr id="163" name="TextBox 162"/>
+                <p:cNvSpPr txBox="1"/>
+                <p:nvPr/>
+              </p:nvSpPr>
+              <p:spPr>
+                <a:xfrm>
+                  <a:off x="7162800" y="1600200"/>
+                  <a:ext cx="304800" cy="304800"/>
+                </a:xfrm>
+                <a:prstGeom prst="rect">
+                  <a:avLst/>
+                </a:prstGeom>
+                <a:noFill/>
+              </p:spPr>
+              <p:txBody>
+                <a:bodyPr wrap="square" lIns="0" tIns="0" rIns="0" bIns="0" rtlCol="0" anchor="ctr" anchorCtr="1">
+                  <a:noAutofit/>
+                </a:bodyPr>
+                <a:lstStyle/>
+                <a:p>
+                  <a:pPr algn="ctr"/>
+                  <a:r>
+                    <a:rPr lang="en-US" sz="1200" b="1" i="1" dirty="0" err="1" smtClean="0">
+                      <a:latin typeface="Times New Roman" panose="02020603050405020304" pitchFamily="18" charset="0"/>
+                      <a:cs typeface="Times New Roman" panose="02020603050405020304" pitchFamily="18" charset="0"/>
+                    </a:rPr>
+                    <a:t>nj</a:t>
+                  </a:r>
+                  <a:endParaRPr lang="en-US" sz="1200" b="1" i="1" dirty="0">
+                    <a:latin typeface="Times New Roman" panose="02020603050405020304" pitchFamily="18" charset="0"/>
+                    <a:cs typeface="Times New Roman" panose="02020603050405020304" pitchFamily="18" charset="0"/>
+                  </a:endParaRPr>
+                </a:p>
+              </p:txBody>
+            </p:sp>
+            <p:grpSp>
+              <p:nvGrpSpPr>
+                <p:cNvPr id="54" name="Group 53"/>
+                <p:cNvGrpSpPr/>
+                <p:nvPr/>
+              </p:nvGrpSpPr>
+              <p:grpSpPr>
+                <a:xfrm>
+                  <a:off x="5638799" y="758952"/>
+                  <a:ext cx="1828800" cy="1222248"/>
+                  <a:chOff x="5638799" y="758952"/>
+                  <a:chExt cx="1828800" cy="1222248"/>
+                </a:xfrm>
+              </p:grpSpPr>
+              <p:cxnSp>
+                <p:nvCxnSpPr>
+                  <p:cNvPr id="134" name="Straight Connector 133"/>
+                  <p:cNvCxnSpPr/>
+                  <p:nvPr/>
+                </p:nvCxnSpPr>
+                <p:spPr>
+                  <a:xfrm rot="5400000" flipH="1" flipV="1">
+                    <a:off x="6400800" y="1371600"/>
+                    <a:ext cx="609600" cy="609600"/>
+                  </a:xfrm>
+                  <a:prstGeom prst="line">
+                    <a:avLst/>
+                  </a:prstGeom>
+                  <a:ln w="12700">
+                    <a:solidFill>
+                      <a:schemeClr val="tx1">
+                        <a:alpha val="25000"/>
+                      </a:schemeClr>
+                    </a:solidFill>
+                    <a:prstDash val="dash"/>
+                  </a:ln>
+                  <a:effectLst/>
+                </p:spPr>
+                <p:style>
+                  <a:lnRef idx="2">
+                    <a:schemeClr val="accent1"/>
+                  </a:lnRef>
+                  <a:fillRef idx="0">
+                    <a:schemeClr val="accent1"/>
+                  </a:fillRef>
+                  <a:effectRef idx="1">
+                    <a:schemeClr val="accent1"/>
+                  </a:effectRef>
+                  <a:fontRef idx="minor">
+                    <a:schemeClr val="tx1"/>
+                  </a:fontRef>
+                </p:style>
+              </p:cxnSp>
+              <p:cxnSp>
+                <p:nvCxnSpPr>
+                  <p:cNvPr id="135" name="Straight Connector 134"/>
+                  <p:cNvCxnSpPr/>
+                  <p:nvPr/>
+                </p:nvCxnSpPr>
+                <p:spPr>
+                  <a:xfrm rot="5400000" flipH="1" flipV="1">
+                    <a:off x="6553200" y="1371600"/>
+                    <a:ext cx="609600" cy="609600"/>
+                  </a:xfrm>
+                  <a:prstGeom prst="line">
+                    <a:avLst/>
+                  </a:prstGeom>
+                  <a:ln w="12700">
+                    <a:solidFill>
+                      <a:schemeClr val="tx1">
+                        <a:alpha val="25000"/>
+                      </a:schemeClr>
+                    </a:solidFill>
+                    <a:prstDash val="dash"/>
+                  </a:ln>
+                  <a:effectLst/>
+                </p:spPr>
+                <p:style>
+                  <a:lnRef idx="2">
+                    <a:schemeClr val="accent1"/>
+                  </a:lnRef>
+                  <a:fillRef idx="0">
+                    <a:schemeClr val="accent1"/>
+                  </a:fillRef>
+                  <a:effectRef idx="1">
+                    <a:schemeClr val="accent1"/>
+                  </a:effectRef>
+                  <a:fontRef idx="minor">
+                    <a:schemeClr val="tx1"/>
+                  </a:fontRef>
+                </p:style>
+              </p:cxnSp>
+              <p:cxnSp>
+                <p:nvCxnSpPr>
+                  <p:cNvPr id="136" name="Straight Connector 135"/>
+                  <p:cNvCxnSpPr/>
+                  <p:nvPr/>
+                </p:nvCxnSpPr>
+                <p:spPr>
+                  <a:xfrm>
+                    <a:off x="5867400" y="1752600"/>
+                    <a:ext cx="1219200" cy="1588"/>
+                  </a:xfrm>
+                  <a:prstGeom prst="line">
+                    <a:avLst/>
+                  </a:prstGeom>
+                  <a:ln w="12700">
+                    <a:solidFill>
+                      <a:schemeClr val="tx1">
+                        <a:alpha val="25000"/>
+                      </a:schemeClr>
+                    </a:solidFill>
+                    <a:prstDash val="dash"/>
+                  </a:ln>
+                  <a:effectLst/>
+                </p:spPr>
+                <p:style>
+                  <a:lnRef idx="2">
+                    <a:schemeClr val="accent1"/>
+                  </a:lnRef>
+                  <a:fillRef idx="0">
+                    <a:schemeClr val="accent1"/>
+                  </a:fillRef>
+                  <a:effectRef idx="1">
+                    <a:schemeClr val="accent1"/>
+                  </a:effectRef>
+                  <a:fontRef idx="minor">
+                    <a:schemeClr val="tx1"/>
+                  </a:fontRef>
+                </p:style>
+              </p:cxnSp>
+              <p:cxnSp>
+                <p:nvCxnSpPr>
+                  <p:cNvPr id="137" name="Straight Connector 136"/>
+                  <p:cNvCxnSpPr/>
+                  <p:nvPr/>
+                </p:nvCxnSpPr>
+                <p:spPr>
+                  <a:xfrm>
+                    <a:off x="5791200" y="1828800"/>
+                    <a:ext cx="1219200" cy="1588"/>
+                  </a:xfrm>
+                  <a:prstGeom prst="line">
+                    <a:avLst/>
+                  </a:prstGeom>
+                  <a:ln w="12700">
+                    <a:solidFill>
+                      <a:schemeClr val="tx1">
+                        <a:alpha val="25000"/>
+                      </a:schemeClr>
+                    </a:solidFill>
+                    <a:prstDash val="dash"/>
+                  </a:ln>
+                  <a:effectLst/>
+                </p:spPr>
+                <p:style>
+                  <a:lnRef idx="2">
+                    <a:schemeClr val="accent1"/>
+                  </a:lnRef>
+                  <a:fillRef idx="0">
+                    <a:schemeClr val="accent1"/>
+                  </a:fillRef>
+                  <a:effectRef idx="1">
+                    <a:schemeClr val="accent1"/>
+                  </a:effectRef>
+                  <a:fontRef idx="minor">
+                    <a:schemeClr val="tx1"/>
+                  </a:fontRef>
+                </p:style>
+              </p:cxnSp>
+              <p:sp>
+                <p:nvSpPr>
+                  <p:cNvPr id="138" name="Rectangle 137"/>
+                  <p:cNvSpPr/>
+                  <p:nvPr/>
+                </p:nvSpPr>
+                <p:spPr>
+                  <a:xfrm>
+                    <a:off x="6248399" y="758952"/>
+                    <a:ext cx="1219200" cy="612648"/>
+                  </a:xfrm>
+                  <a:prstGeom prst="rect">
+                    <a:avLst/>
+                  </a:prstGeom>
+                  <a:noFill/>
+                  <a:ln w="12700" cap="flat" cmpd="sng" algn="ctr">
+                    <a:solidFill>
+                      <a:schemeClr val="tx1"/>
+                    </a:solidFill>
+                    <a:prstDash val="solid"/>
+                    <a:round/>
+                    <a:headEnd type="none" w="med" len="med"/>
+                    <a:tailEnd type="none" w="med" len="med"/>
+                  </a:ln>
+                  <a:effectLst/>
+                </p:spPr>
+                <p:style>
+                  <a:lnRef idx="1">
+                    <a:schemeClr val="accent1"/>
+                  </a:lnRef>
+                  <a:fillRef idx="3">
+                    <a:schemeClr val="accent1"/>
+                  </a:fillRef>
+                  <a:effectRef idx="2">
+                    <a:schemeClr val="accent1"/>
+                  </a:effectRef>
+                  <a:fontRef idx="minor">
+                    <a:schemeClr val="lt1"/>
+                  </a:fontRef>
+                </p:style>
+                <p:txBody>
+                  <a:bodyPr rtlCol="0" anchor="ctr"/>
+                  <a:lstStyle/>
+                  <a:p>
+                    <a:pPr algn="ctr"/>
+                    <a:endParaRPr lang="en-US">
+                      <a:latin typeface="Times New Roman" panose="02020603050405020304" pitchFamily="18" charset="0"/>
+                      <a:cs typeface="Times New Roman" panose="02020603050405020304" pitchFamily="18" charset="0"/>
+                    </a:endParaRPr>
+                  </a:p>
+                </p:txBody>
+              </p:sp>
+              <p:cxnSp>
+                <p:nvCxnSpPr>
+                  <p:cNvPr id="139" name="Straight Connector 138"/>
+                  <p:cNvCxnSpPr/>
+                  <p:nvPr/>
+                </p:nvCxnSpPr>
+                <p:spPr>
+                  <a:xfrm rot="5400000" flipH="1" flipV="1">
+                    <a:off x="5638799" y="762000"/>
+                    <a:ext cx="609600" cy="609600"/>
+                  </a:xfrm>
+                  <a:prstGeom prst="line">
+                    <a:avLst/>
+                  </a:prstGeom>
+                  <a:ln w="12700" cap="flat" cmpd="sng" algn="ctr">
+                    <a:solidFill>
+                      <a:srgbClr val="000000"/>
+                    </a:solidFill>
+                    <a:prstDash val="solid"/>
+                    <a:round/>
+                    <a:headEnd type="none" w="med" len="med"/>
+                    <a:tailEnd type="none" w="med" len="med"/>
+                  </a:ln>
+                  <a:effectLst/>
+                </p:spPr>
+                <p:style>
+                  <a:lnRef idx="2">
+                    <a:schemeClr val="accent1"/>
+                  </a:lnRef>
+                  <a:fillRef idx="0">
+                    <a:schemeClr val="accent1"/>
+                  </a:fillRef>
+                  <a:effectRef idx="1">
+                    <a:schemeClr val="accent1"/>
+                  </a:effectRef>
+                  <a:fontRef idx="minor">
+                    <a:schemeClr val="tx1"/>
+                  </a:fontRef>
+                </p:style>
+              </p:cxnSp>
+              <p:cxnSp>
+                <p:nvCxnSpPr>
+                  <p:cNvPr id="140" name="Straight Connector 139"/>
+                  <p:cNvCxnSpPr/>
+                  <p:nvPr/>
+                </p:nvCxnSpPr>
+                <p:spPr>
+                  <a:xfrm rot="5400000" flipH="1" flipV="1">
+                    <a:off x="6857999" y="1371600"/>
+                    <a:ext cx="609600" cy="609600"/>
+                  </a:xfrm>
+                  <a:prstGeom prst="line">
+                    <a:avLst/>
+                  </a:prstGeom>
+                  <a:ln w="12700" cap="flat" cmpd="sng" algn="ctr">
+                    <a:solidFill>
+                      <a:srgbClr val="000000"/>
+                    </a:solidFill>
+                    <a:prstDash val="solid"/>
+                    <a:round/>
+                    <a:headEnd type="none" w="med" len="med"/>
+                    <a:tailEnd type="none" w="med" len="med"/>
+                  </a:ln>
+                  <a:effectLst/>
+                </p:spPr>
+                <p:style>
+                  <a:lnRef idx="2">
+                    <a:schemeClr val="accent1"/>
+                  </a:lnRef>
+                  <a:fillRef idx="0">
+                    <a:schemeClr val="accent1"/>
+                  </a:fillRef>
+                  <a:effectRef idx="1">
+                    <a:schemeClr val="accent1"/>
+                  </a:effectRef>
+                  <a:fontRef idx="minor">
+                    <a:schemeClr val="tx1"/>
+                  </a:fontRef>
+                </p:style>
+              </p:cxnSp>
+              <p:cxnSp>
+                <p:nvCxnSpPr>
+                  <p:cNvPr id="141" name="Straight Connector 140"/>
+                  <p:cNvCxnSpPr/>
+                  <p:nvPr/>
+                </p:nvCxnSpPr>
+                <p:spPr>
+                  <a:xfrm rot="5400000" flipH="1" flipV="1">
+                    <a:off x="5638799" y="1371600"/>
+                    <a:ext cx="609600" cy="609600"/>
+                  </a:xfrm>
+                  <a:prstGeom prst="line">
+                    <a:avLst/>
+                  </a:prstGeom>
+                  <a:ln w="12700" cap="flat" cmpd="sng" algn="ctr">
+                    <a:solidFill>
+                      <a:srgbClr val="000000"/>
+                    </a:solidFill>
+                    <a:prstDash val="solid"/>
+                    <a:round/>
+                    <a:headEnd type="none" w="med" len="med"/>
+                    <a:tailEnd type="none" w="med" len="med"/>
+                  </a:ln>
+                  <a:effectLst/>
+                </p:spPr>
+                <p:style>
+                  <a:lnRef idx="2">
+                    <a:schemeClr val="accent1"/>
+                  </a:lnRef>
+                  <a:fillRef idx="0">
+                    <a:schemeClr val="accent1"/>
+                  </a:fillRef>
+                  <a:effectRef idx="1">
+                    <a:schemeClr val="accent1"/>
+                  </a:effectRef>
+                  <a:fontRef idx="minor">
+                    <a:schemeClr val="tx1"/>
+                  </a:fontRef>
+                </p:style>
+              </p:cxnSp>
+              <p:grpSp>
+                <p:nvGrpSpPr>
+                  <p:cNvPr id="24" name="Group 141"/>
+                  <p:cNvGrpSpPr/>
+                  <p:nvPr/>
+                </p:nvGrpSpPr>
+                <p:grpSpPr>
+                  <a:xfrm>
+                    <a:off x="6552269" y="1139156"/>
+                    <a:ext cx="229532" cy="689643"/>
+                    <a:chOff x="2437464" y="1215356"/>
+                    <a:chExt cx="229532" cy="689643"/>
+                  </a:xfrm>
+                  <a:solidFill>
+                    <a:srgbClr val="CC66FF"/>
+                  </a:solidFill>
+                </p:grpSpPr>
+                <p:sp>
+                  <p:nvSpPr>
+                    <p:cNvPr id="143" name="Rectangle 142"/>
+                    <p:cNvSpPr/>
+                    <p:nvPr/>
+                  </p:nvSpPr>
+                  <p:spPr>
+                    <a:xfrm>
+                      <a:off x="2438400" y="1300162"/>
+                      <a:ext cx="152400" cy="604837"/>
+                    </a:xfrm>
+                    <a:prstGeom prst="rect">
+                      <a:avLst/>
+                    </a:prstGeom>
+                    <a:grpFill/>
+                    <a:ln w="12700" cap="flat" cmpd="sng" algn="ctr">
+                      <a:solidFill>
+                        <a:srgbClr val="400080"/>
+                      </a:solidFill>
+                      <a:prstDash val="solid"/>
+                      <a:round/>
+                      <a:headEnd type="none" w="med" len="med"/>
+                      <a:tailEnd type="none" w="med" len="med"/>
+                    </a:ln>
+                    <a:effectLst/>
+                  </p:spPr>
+                  <p:style>
+                    <a:lnRef idx="1">
+                      <a:schemeClr val="accent1"/>
+                    </a:lnRef>
+                    <a:fillRef idx="3">
+                      <a:schemeClr val="accent1"/>
+                    </a:fillRef>
+                    <a:effectRef idx="2">
+                      <a:schemeClr val="accent1"/>
+                    </a:effectRef>
+                    <a:fontRef idx="minor">
+                      <a:schemeClr val="lt1"/>
+                    </a:fontRef>
+                  </p:style>
+                  <p:txBody>
+                    <a:bodyPr rtlCol="0" anchor="ctr"/>
+                    <a:lstStyle/>
+                    <a:p>
+                      <a:pPr algn="ctr"/>
+                      <a:endParaRPr lang="en-US">
+                        <a:latin typeface="Times New Roman" panose="02020603050405020304" pitchFamily="18" charset="0"/>
+                        <a:cs typeface="Times New Roman" panose="02020603050405020304" pitchFamily="18" charset="0"/>
+                      </a:endParaRPr>
+                    </a:p>
+                  </p:txBody>
+                </p:sp>
+                <p:sp>
+                  <p:nvSpPr>
+                    <p:cNvPr id="144" name="Parallelogram 143"/>
+                    <p:cNvSpPr/>
+                    <p:nvPr/>
+                  </p:nvSpPr>
+                  <p:spPr>
+                    <a:xfrm>
+                      <a:off x="2437464" y="1218560"/>
+                      <a:ext cx="228600" cy="76200"/>
+                    </a:xfrm>
+                    <a:prstGeom prst="parallelogram">
+                      <a:avLst>
+                        <a:gd name="adj" fmla="val 100521"/>
+                      </a:avLst>
+                    </a:prstGeom>
+                    <a:grpFill/>
+                    <a:ln w="12700" cap="flat" cmpd="sng" algn="ctr">
+                      <a:solidFill>
+                        <a:srgbClr val="400080"/>
+                      </a:solidFill>
+                      <a:prstDash val="solid"/>
+                      <a:round/>
+                      <a:headEnd type="none" w="med" len="med"/>
+                      <a:tailEnd type="none" w="med" len="med"/>
+                    </a:ln>
+                    <a:effectLst/>
+                  </p:spPr>
+                  <p:style>
+                    <a:lnRef idx="1">
+                      <a:schemeClr val="accent1"/>
+                    </a:lnRef>
+                    <a:fillRef idx="3">
+                      <a:schemeClr val="accent1"/>
+                    </a:fillRef>
+                    <a:effectRef idx="2">
+                      <a:schemeClr val="accent1"/>
+                    </a:effectRef>
+                    <a:fontRef idx="minor">
+                      <a:schemeClr val="lt1"/>
+                    </a:fontRef>
+                  </p:style>
+                  <p:txBody>
+                    <a:bodyPr rtlCol="0" anchor="ctr"/>
+                    <a:lstStyle/>
+                    <a:p>
+                      <a:pPr algn="ctr"/>
+                      <a:endParaRPr lang="en-US">
+                        <a:latin typeface="Times New Roman" panose="02020603050405020304" pitchFamily="18" charset="0"/>
+                        <a:cs typeface="Times New Roman" panose="02020603050405020304" pitchFamily="18" charset="0"/>
+                      </a:endParaRPr>
+                    </a:p>
+                  </p:txBody>
+                </p:sp>
+                <p:sp>
+                  <p:nvSpPr>
+                    <p:cNvPr id="145" name="Parallelogram 144"/>
+                    <p:cNvSpPr/>
+                    <p:nvPr/>
+                  </p:nvSpPr>
+                  <p:spPr>
+                    <a:xfrm rot="5400000" flipH="1">
+                      <a:off x="2282491" y="1523665"/>
+                      <a:ext cx="689643" cy="73025"/>
+                    </a:xfrm>
+                    <a:prstGeom prst="parallelogram">
+                      <a:avLst>
+                        <a:gd name="adj" fmla="val 100521"/>
+                      </a:avLst>
+                    </a:prstGeom>
+                    <a:grpFill/>
+                    <a:ln w="12700" cap="flat" cmpd="sng" algn="ctr">
+                      <a:solidFill>
+                        <a:srgbClr val="400080"/>
+                      </a:solidFill>
+                      <a:prstDash val="solid"/>
+                      <a:round/>
+                      <a:headEnd type="none" w="med" len="med"/>
+                      <a:tailEnd type="none" w="med" len="med"/>
+                    </a:ln>
+                    <a:effectLst/>
+                  </p:spPr>
+                  <p:style>
+                    <a:lnRef idx="1">
+                      <a:schemeClr val="accent1"/>
+                    </a:lnRef>
+                    <a:fillRef idx="3">
+                      <a:schemeClr val="accent1"/>
+                    </a:fillRef>
+                    <a:effectRef idx="2">
+                      <a:schemeClr val="accent1"/>
+                    </a:effectRef>
+                    <a:fontRef idx="minor">
+                      <a:schemeClr val="lt1"/>
+                    </a:fontRef>
+                  </p:style>
+                  <p:txBody>
+                    <a:bodyPr rtlCol="0" anchor="ctr"/>
+                    <a:lstStyle/>
+                    <a:p>
+                      <a:pPr algn="ctr"/>
+                      <a:endParaRPr lang="en-US">
+                        <a:latin typeface="Times New Roman" panose="02020603050405020304" pitchFamily="18" charset="0"/>
+                        <a:cs typeface="Times New Roman" panose="02020603050405020304" pitchFamily="18" charset="0"/>
+                      </a:endParaRPr>
+                    </a:p>
+                  </p:txBody>
+                </p:sp>
+                <p:cxnSp>
+                  <p:nvCxnSpPr>
+                    <p:cNvPr id="146" name="Straight Connector 145"/>
+                    <p:cNvCxnSpPr/>
+                    <p:nvPr/>
+                  </p:nvCxnSpPr>
+                  <p:spPr>
+                    <a:xfrm>
+                      <a:off x="2438401" y="1752600"/>
+                      <a:ext cx="152401" cy="1588"/>
+                    </a:xfrm>
+                    <a:prstGeom prst="line">
+                      <a:avLst/>
+                    </a:prstGeom>
+                    <a:grpFill/>
+                    <a:ln w="12700" cap="flat" cmpd="sng" algn="ctr">
+                      <a:solidFill>
+                        <a:srgbClr val="400080"/>
+                      </a:solidFill>
+                      <a:prstDash val="solid"/>
+                      <a:round/>
+                      <a:headEnd type="none" w="med" len="med"/>
+                      <a:tailEnd type="none" w="med" len="med"/>
+                    </a:ln>
+                    <a:effectLst/>
+                  </p:spPr>
+                  <p:style>
+                    <a:lnRef idx="2">
+                      <a:schemeClr val="accent1"/>
+                    </a:lnRef>
+                    <a:fillRef idx="0">
+                      <a:schemeClr val="accent1"/>
+                    </a:fillRef>
+                    <a:effectRef idx="1">
+                      <a:schemeClr val="accent1"/>
+                    </a:effectRef>
+                    <a:fontRef idx="minor">
+                      <a:schemeClr val="tx1"/>
+                    </a:fontRef>
+                  </p:style>
+                </p:cxnSp>
+                <p:cxnSp>
+                  <p:nvCxnSpPr>
+                    <p:cNvPr id="147" name="Straight Connector 146"/>
+                    <p:cNvCxnSpPr/>
+                    <p:nvPr/>
+                  </p:nvCxnSpPr>
+                  <p:spPr>
+                    <a:xfrm>
+                      <a:off x="2438400" y="1600200"/>
+                      <a:ext cx="152401" cy="1588"/>
+                    </a:xfrm>
+                    <a:prstGeom prst="line">
+                      <a:avLst/>
+                    </a:prstGeom>
+                    <a:grpFill/>
+                    <a:ln w="12700" cap="flat" cmpd="sng" algn="ctr">
+                      <a:solidFill>
+                        <a:srgbClr val="400080"/>
+                      </a:solidFill>
+                      <a:prstDash val="solid"/>
+                      <a:round/>
+                      <a:headEnd type="none" w="med" len="med"/>
+                      <a:tailEnd type="none" w="med" len="med"/>
+                    </a:ln>
+                    <a:effectLst/>
+                  </p:spPr>
+                  <p:style>
+                    <a:lnRef idx="2">
+                      <a:schemeClr val="accent1"/>
+                    </a:lnRef>
+                    <a:fillRef idx="0">
+                      <a:schemeClr val="accent1"/>
+                    </a:fillRef>
+                    <a:effectRef idx="1">
+                      <a:schemeClr val="accent1"/>
+                    </a:effectRef>
+                    <a:fontRef idx="minor">
+                      <a:schemeClr val="tx1"/>
+                    </a:fontRef>
+                  </p:style>
+                </p:cxnSp>
+                <p:cxnSp>
+                  <p:nvCxnSpPr>
+                    <p:cNvPr id="148" name="Straight Connector 147"/>
+                    <p:cNvCxnSpPr/>
+                    <p:nvPr/>
+                  </p:nvCxnSpPr>
+                  <p:spPr>
+                    <a:xfrm>
+                      <a:off x="2438399" y="1447800"/>
+                      <a:ext cx="152401" cy="1588"/>
+                    </a:xfrm>
+                    <a:prstGeom prst="line">
+                      <a:avLst/>
+                    </a:prstGeom>
+                    <a:grpFill/>
+                    <a:ln w="3175" cap="flat" cmpd="sng" algn="ctr">
+                      <a:solidFill>
+                        <a:srgbClr val="400080"/>
+                      </a:solidFill>
+                      <a:prstDash val="solid"/>
+                      <a:round/>
+                      <a:headEnd type="none" w="med" len="med"/>
+                      <a:tailEnd type="none" w="med" len="med"/>
+                    </a:ln>
+                    <a:effectLst/>
+                  </p:spPr>
+                  <p:style>
+                    <a:lnRef idx="2">
+                      <a:schemeClr val="accent1"/>
+                    </a:lnRef>
+                    <a:fillRef idx="0">
+                      <a:schemeClr val="accent1"/>
+                    </a:fillRef>
+                    <a:effectRef idx="1">
+                      <a:schemeClr val="accent1"/>
+                    </a:effectRef>
+                    <a:fontRef idx="minor">
+                      <a:schemeClr val="tx1"/>
+                    </a:fontRef>
+                  </p:style>
+                </p:cxnSp>
+                <p:cxnSp>
+                  <p:nvCxnSpPr>
+                    <p:cNvPr id="157" name="Straight Connector 156"/>
+                    <p:cNvCxnSpPr/>
+                    <p:nvPr/>
+                  </p:nvCxnSpPr>
+                  <p:spPr>
+                    <a:xfrm rot="10800000" flipV="1">
+                      <a:off x="2590797" y="1371605"/>
+                      <a:ext cx="76199" cy="76198"/>
+                    </a:xfrm>
+                    <a:prstGeom prst="line">
+                      <a:avLst/>
+                    </a:prstGeom>
+                    <a:grpFill/>
+                    <a:ln w="12700" cap="flat" cmpd="sng" algn="ctr">
+                      <a:solidFill>
+                        <a:srgbClr val="400080"/>
+                      </a:solidFill>
+                      <a:prstDash val="solid"/>
+                      <a:round/>
+                      <a:headEnd type="none" w="med" len="med"/>
+                      <a:tailEnd type="none" w="med" len="med"/>
+                    </a:ln>
+                    <a:effectLst/>
+                  </p:spPr>
+                  <p:style>
+                    <a:lnRef idx="2">
+                      <a:schemeClr val="accent1"/>
+                    </a:lnRef>
+                    <a:fillRef idx="0">
+                      <a:schemeClr val="accent1"/>
+                    </a:fillRef>
+                    <a:effectRef idx="1">
+                      <a:schemeClr val="accent1"/>
+                    </a:effectRef>
+                    <a:fontRef idx="minor">
+                      <a:schemeClr val="tx1"/>
+                    </a:fontRef>
+                  </p:style>
+                </p:cxnSp>
+                <p:cxnSp>
+                  <p:nvCxnSpPr>
+                    <p:cNvPr id="158" name="Straight Connector 157"/>
+                    <p:cNvCxnSpPr/>
+                    <p:nvPr/>
+                  </p:nvCxnSpPr>
+                  <p:spPr>
+                    <a:xfrm rot="10800000" flipV="1">
+                      <a:off x="2590796" y="1524006"/>
+                      <a:ext cx="76199" cy="76198"/>
+                    </a:xfrm>
+                    <a:prstGeom prst="line">
+                      <a:avLst/>
+                    </a:prstGeom>
+                    <a:grpFill/>
+                    <a:ln w="12700" cap="flat" cmpd="sng" algn="ctr">
+                      <a:solidFill>
+                        <a:srgbClr val="400080"/>
+                      </a:solidFill>
+                      <a:prstDash val="solid"/>
+                      <a:round/>
+                      <a:headEnd type="none" w="med" len="med"/>
+                      <a:tailEnd type="none" w="med" len="med"/>
+                    </a:ln>
+                    <a:effectLst/>
+                  </p:spPr>
+                  <p:style>
+                    <a:lnRef idx="2">
+                      <a:schemeClr val="accent1"/>
+                    </a:lnRef>
+                    <a:fillRef idx="0">
+                      <a:schemeClr val="accent1"/>
+                    </a:fillRef>
+                    <a:effectRef idx="1">
+                      <a:schemeClr val="accent1"/>
+                    </a:effectRef>
+                    <a:fontRef idx="minor">
+                      <a:schemeClr val="tx1"/>
+                    </a:fontRef>
+                  </p:style>
+                </p:cxnSp>
+                <p:cxnSp>
+                  <p:nvCxnSpPr>
+                    <p:cNvPr id="159" name="Straight Connector 158"/>
+                    <p:cNvCxnSpPr/>
+                    <p:nvPr/>
+                  </p:nvCxnSpPr>
+                  <p:spPr>
+                    <a:xfrm rot="10800000" flipV="1">
+                      <a:off x="2590795" y="1676407"/>
+                      <a:ext cx="76199" cy="76198"/>
+                    </a:xfrm>
+                    <a:prstGeom prst="line">
+                      <a:avLst/>
+                    </a:prstGeom>
+                    <a:grpFill/>
+                    <a:ln w="12700" cap="flat" cmpd="sng" algn="ctr">
+                      <a:solidFill>
+                        <a:srgbClr val="400080"/>
+                      </a:solidFill>
+                      <a:prstDash val="solid"/>
+                      <a:round/>
+                      <a:headEnd type="none" w="med" len="med"/>
+                      <a:tailEnd type="none" w="med" len="med"/>
+                    </a:ln>
+                    <a:effectLst/>
+                  </p:spPr>
+                  <p:style>
+                    <a:lnRef idx="2">
+                      <a:schemeClr val="accent1"/>
+                    </a:lnRef>
+                    <a:fillRef idx="0">
+                      <a:schemeClr val="accent1"/>
+                    </a:fillRef>
+                    <a:effectRef idx="1">
+                      <a:schemeClr val="accent1"/>
+                    </a:effectRef>
+                    <a:fontRef idx="minor">
+                      <a:schemeClr val="tx1"/>
+                    </a:fontRef>
+                  </p:style>
+                </p:cxnSp>
+              </p:grpSp>
+              <p:sp>
+                <p:nvSpPr>
+                  <p:cNvPr id="160" name="Rectangle 159"/>
+                  <p:cNvSpPr/>
+                  <p:nvPr/>
+                </p:nvSpPr>
+                <p:spPr>
+                  <a:xfrm>
+                    <a:off x="5638799" y="1368552"/>
+                    <a:ext cx="1219200" cy="612648"/>
+                  </a:xfrm>
+                  <a:prstGeom prst="rect">
+                    <a:avLst/>
+                  </a:prstGeom>
+                  <a:noFill/>
+                  <a:ln w="12700" cap="flat" cmpd="sng" algn="ctr">
+                    <a:solidFill>
+                      <a:schemeClr val="tx1"/>
+                    </a:solidFill>
+                    <a:prstDash val="solid"/>
+                    <a:round/>
+                    <a:headEnd type="none" w="med" len="med"/>
+                    <a:tailEnd type="none" w="med" len="med"/>
+                  </a:ln>
+                  <a:effectLst/>
+                </p:spPr>
+                <p:style>
+                  <a:lnRef idx="1">
+                    <a:schemeClr val="accent1"/>
+                  </a:lnRef>
+                  <a:fillRef idx="3">
+                    <a:schemeClr val="accent1"/>
+                  </a:fillRef>
+                  <a:effectRef idx="2">
+                    <a:schemeClr val="accent1"/>
+                  </a:effectRef>
+                  <a:fontRef idx="minor">
+                    <a:schemeClr val="lt1"/>
+                  </a:fontRef>
+                </p:style>
+                <p:txBody>
+                  <a:bodyPr rtlCol="0" anchor="ctr"/>
+                  <a:lstStyle/>
+                  <a:p>
+                    <a:pPr algn="ctr"/>
+                    <a:endParaRPr lang="en-US">
+                      <a:latin typeface="Times New Roman" panose="02020603050405020304" pitchFamily="18" charset="0"/>
+                      <a:cs typeface="Times New Roman" panose="02020603050405020304" pitchFamily="18" charset="0"/>
+                    </a:endParaRPr>
+                  </a:p>
+                </p:txBody>
+              </p:sp>
+              <p:cxnSp>
+                <p:nvCxnSpPr>
+                  <p:cNvPr id="164" name="Straight Connector 163"/>
+                  <p:cNvCxnSpPr/>
+                  <p:nvPr/>
+                </p:nvCxnSpPr>
+                <p:spPr>
+                  <a:xfrm rot="5400000" flipH="1" flipV="1">
+                    <a:off x="6857999" y="762000"/>
+                    <a:ext cx="609600" cy="609600"/>
+                  </a:xfrm>
+                  <a:prstGeom prst="line">
+                    <a:avLst/>
+                  </a:prstGeom>
+                  <a:ln w="12700" cap="flat" cmpd="sng" algn="ctr">
+                    <a:solidFill>
+                      <a:srgbClr val="000000"/>
+                    </a:solidFill>
+                    <a:prstDash val="solid"/>
+                    <a:round/>
+                    <a:headEnd type="none" w="med" len="med"/>
+                    <a:tailEnd type="none" w="med" len="med"/>
+                  </a:ln>
+                  <a:effectLst/>
+                </p:spPr>
+                <p:style>
+                  <a:lnRef idx="2">
+                    <a:schemeClr val="accent1"/>
+                  </a:lnRef>
+                  <a:fillRef idx="0">
+                    <a:schemeClr val="accent1"/>
+                  </a:fillRef>
+                  <a:effectRef idx="1">
+                    <a:schemeClr val="accent1"/>
+                  </a:effectRef>
+                  <a:fontRef idx="minor">
+                    <a:schemeClr val="tx1"/>
+                  </a:fontRef>
+                </p:style>
+              </p:cxnSp>
+            </p:grpSp>
+          </p:grpSp>
+          <p:sp>
+            <p:nvSpPr>
+              <p:cNvPr id="166" name="Freeform 165"/>
+              <p:cNvSpPr/>
+              <p:nvPr/>
+            </p:nvSpPr>
+            <p:spPr>
+              <a:xfrm>
+                <a:off x="4047292" y="979477"/>
+                <a:ext cx="2583037" cy="355742"/>
+              </a:xfrm>
+              <a:custGeom>
+                <a:avLst/>
+                <a:gdLst>
+                  <a:gd name="connsiteX0" fmla="*/ 0 w 1536700"/>
+                  <a:gd name="connsiteY0" fmla="*/ 600075 h 600075"/>
+                  <a:gd name="connsiteX1" fmla="*/ 495300 w 1536700"/>
+                  <a:gd name="connsiteY1" fmla="*/ 41275 h 600075"/>
+                  <a:gd name="connsiteX2" fmla="*/ 1536700 w 1536700"/>
+                  <a:gd name="connsiteY2" fmla="*/ 352425 h 600075"/>
+                </a:gdLst>
+                <a:ahLst/>
+                <a:cxnLst>
+                  <a:cxn ang="0">
+                    <a:pos x="connsiteX0" y="connsiteY0"/>
+                  </a:cxn>
+                  <a:cxn ang="0">
+                    <a:pos x="connsiteX1" y="connsiteY1"/>
+                  </a:cxn>
+                  <a:cxn ang="0">
+                    <a:pos x="connsiteX2" y="connsiteY2"/>
+                  </a:cxn>
+                </a:cxnLst>
+                <a:rect l="l" t="t" r="r" b="b"/>
+                <a:pathLst>
+                  <a:path w="1536700" h="600075">
+                    <a:moveTo>
+                      <a:pt x="0" y="600075"/>
+                    </a:moveTo>
+                    <a:cubicBezTo>
+                      <a:pt x="119592" y="341312"/>
+                      <a:pt x="239184" y="82550"/>
+                      <a:pt x="495300" y="41275"/>
+                    </a:cubicBezTo>
+                    <a:cubicBezTo>
+                      <a:pt x="751416" y="0"/>
+                      <a:pt x="1536700" y="352425"/>
+                      <a:pt x="1536700" y="352425"/>
+                    </a:cubicBezTo>
+                  </a:path>
+                </a:pathLst>
+              </a:custGeom>
+              <a:ln>
+                <a:solidFill>
+                  <a:schemeClr val="tx1"/>
+                </a:solidFill>
+                <a:tailEnd type="stealth" w="lg" len="lg"/>
+              </a:ln>
+            </p:spPr>
+            <p:style>
+              <a:lnRef idx="2">
+                <a:schemeClr val="accent1"/>
+              </a:lnRef>
+              <a:fillRef idx="0">
+                <a:schemeClr val="accent1"/>
+              </a:fillRef>
+              <a:effectRef idx="1">
+                <a:schemeClr val="accent1"/>
+              </a:effectRef>
+              <a:fontRef idx="minor">
+                <a:schemeClr val="tx1"/>
+              </a:fontRef>
+            </p:style>
+            <p:txBody>
+              <a:bodyPr rtlCol="0" anchor="ctr"/>
+              <a:lstStyle/>
+              <a:p>
+                <a:pPr algn="ctr"/>
+                <a:endParaRPr lang="en-US">
+                  <a:latin typeface="Times New Roman" panose="02020603050405020304" pitchFamily="18" charset="0"/>
+                  <a:cs typeface="Times New Roman" panose="02020603050405020304" pitchFamily="18" charset="0"/>
+                </a:endParaRPr>
+              </a:p>
+            </p:txBody>
+          </p:sp>
+          <p:sp>
+            <p:nvSpPr>
+              <p:cNvPr id="326" name="Freeform 325"/>
+              <p:cNvSpPr/>
+              <p:nvPr/>
+            </p:nvSpPr>
+            <p:spPr>
+              <a:xfrm rot="285918">
+                <a:off x="1974390" y="1061914"/>
+                <a:ext cx="2436020" cy="358472"/>
+              </a:xfrm>
+              <a:custGeom>
+                <a:avLst/>
+                <a:gdLst>
+                  <a:gd name="connsiteX0" fmla="*/ 0 w 3194050"/>
+                  <a:gd name="connsiteY0" fmla="*/ 391583 h 874183"/>
+                  <a:gd name="connsiteX1" fmla="*/ 1003300 w 3194050"/>
+                  <a:gd name="connsiteY1" fmla="*/ 80433 h 874183"/>
+                  <a:gd name="connsiteX2" fmla="*/ 3194050 w 3194050"/>
+                  <a:gd name="connsiteY2" fmla="*/ 874183 h 874183"/>
+                </a:gdLst>
+                <a:ahLst/>
+                <a:cxnLst>
+                  <a:cxn ang="0">
+                    <a:pos x="connsiteX0" y="connsiteY0"/>
+                  </a:cxn>
+                  <a:cxn ang="0">
+                    <a:pos x="connsiteX1" y="connsiteY1"/>
+                  </a:cxn>
+                  <a:cxn ang="0">
+                    <a:pos x="connsiteX2" y="connsiteY2"/>
+                  </a:cxn>
+                </a:cxnLst>
+                <a:rect l="l" t="t" r="r" b="b"/>
+                <a:pathLst>
+                  <a:path w="3194050" h="874183">
+                    <a:moveTo>
+                      <a:pt x="0" y="391583"/>
+                    </a:moveTo>
+                    <a:cubicBezTo>
+                      <a:pt x="235479" y="195791"/>
+                      <a:pt x="470958" y="0"/>
+                      <a:pt x="1003300" y="80433"/>
+                    </a:cubicBezTo>
+                    <a:cubicBezTo>
+                      <a:pt x="1535642" y="160866"/>
+                      <a:pt x="3194050" y="874183"/>
+                      <a:pt x="3194050" y="874183"/>
+                    </a:cubicBezTo>
+                  </a:path>
+                </a:pathLst>
+              </a:custGeom>
+              <a:ln>
+                <a:solidFill>
+                  <a:schemeClr val="tx1"/>
+                </a:solidFill>
+                <a:tailEnd type="stealth" w="lg" len="lg"/>
+              </a:ln>
+            </p:spPr>
+            <p:style>
+              <a:lnRef idx="2">
+                <a:schemeClr val="accent1"/>
+              </a:lnRef>
+              <a:fillRef idx="0">
+                <a:schemeClr val="accent1"/>
+              </a:fillRef>
+              <a:effectRef idx="1">
+                <a:schemeClr val="accent1"/>
+              </a:effectRef>
+              <a:fontRef idx="minor">
+                <a:schemeClr val="tx1"/>
+              </a:fontRef>
+            </p:style>
+            <p:txBody>
+              <a:bodyPr rtlCol="0" anchor="ctr"/>
+              <a:lstStyle/>
+              <a:p>
+                <a:pPr algn="ctr"/>
+                <a:endParaRPr lang="en-US">
+                  <a:latin typeface="Times New Roman" panose="02020603050405020304" pitchFamily="18" charset="0"/>
+                  <a:cs typeface="Times New Roman" panose="02020603050405020304" pitchFamily="18" charset="0"/>
+                </a:endParaRPr>
+              </a:p>
+            </p:txBody>
+          </p:sp>
+        </p:grpSp>
+      </p:grpSp>
+    </p:spTree>
+    <p:extLst>
+      <p:ext uri="{BB962C8B-B14F-4D97-AF65-F5344CB8AC3E}">
+        <p14:creationId xmlns:p14="http://schemas.microsoft.com/office/powerpoint/2010/main" val="1739218482"/>
+      </p:ext>
+    </p:extLst>
+  </p:cSld>
+  <p:clrMapOvr>
+    <a:masterClrMapping/>
+  </p:clrMapOvr>
+</p:sld>
+</file>
+
+<file path=ppt/slides/slide3.xml><?xml version="1.0" encoding="utf-8"?>
+<p:sld xmlns:a="http://schemas.openxmlformats.org/drawingml/2006/main" xmlns:r="http://schemas.openxmlformats.org/officeDocument/2006/relationships" xmlns:p="http://schemas.openxmlformats.org/presentationml/2006/main">
+  <p:cSld>
+    <p:spTree>
+      <p:nvGrpSpPr>
+        <p:cNvPr id="1" name=""/>
+        <p:cNvGrpSpPr/>
+        <p:nvPr/>
+      </p:nvGrpSpPr>
+      <p:grpSpPr>
+        <a:xfrm>
+          <a:off x="0" y="0"/>
+          <a:ext cx="0" cy="0"/>
+          <a:chOff x="0" y="0"/>
+          <a:chExt cx="0" cy="0"/>
+        </a:xfrm>
+      </p:grpSpPr>
+      <p:grpSp>
+        <p:nvGrpSpPr>
+          <p:cNvPr id="68" name="Group 67"/>
+          <p:cNvGrpSpPr/>
+          <p:nvPr/>
+        </p:nvGrpSpPr>
+        <p:grpSpPr>
+          <a:xfrm>
+            <a:off x="1104900" y="3284220"/>
+            <a:ext cx="6934200" cy="2354580"/>
+            <a:chOff x="1104900" y="3284220"/>
+            <a:chExt cx="6934200" cy="2354580"/>
+          </a:xfrm>
+        </p:grpSpPr>
+        <p:sp>
+          <p:nvSpPr>
+            <p:cNvPr id="238" name="TextBox 237"/>
+            <p:cNvSpPr txBox="1"/>
+            <p:nvPr/>
+          </p:nvSpPr>
+          <p:spPr>
+            <a:xfrm>
+              <a:off x="3200400" y="5181600"/>
+              <a:ext cx="2743200" cy="457200"/>
+            </a:xfrm>
+            <a:prstGeom prst="rect">
+              <a:avLst/>
+            </a:prstGeom>
+            <a:noFill/>
+          </p:spPr>
+          <p:txBody>
+            <a:bodyPr wrap="none" lIns="0" tIns="0" rIns="0" bIns="0" rtlCol="0" anchor="ctr" anchorCtr="1">
+              <a:noAutofit/>
+            </a:bodyPr>
+            <a:lstStyle/>
+            <a:p>
+              <a:pPr algn="ctr"/>
+              <a:r>
+                <a:rPr lang="en-US" sz="1050" b="1" dirty="0" smtClean="0">
+                  <a:latin typeface="Times New Roman" panose="02020603050405020304" pitchFamily="18" charset="0"/>
+                  <a:cs typeface="Times New Roman" panose="02020603050405020304" pitchFamily="18" charset="0"/>
+                </a:rPr>
+                <a:t>Construct a tile’s worth of (</a:t>
+              </a:r>
+              <a:r>
+                <a:rPr lang="en-US" sz="1050" b="1" i="1" dirty="0" err="1" smtClean="0">
+                  <a:latin typeface="Times New Roman" panose="02020603050405020304" pitchFamily="18" charset="0"/>
+                  <a:cs typeface="Times New Roman" panose="02020603050405020304" pitchFamily="18" charset="0"/>
+                </a:rPr>
+                <a:t>nk</a:t>
+              </a:r>
+              <a:r>
+                <a:rPr lang="en-US" sz="1050" b="1" dirty="0" smtClean="0">
+                  <a:latin typeface="Times New Roman" panose="02020603050405020304" pitchFamily="18" charset="0"/>
+                  <a:cs typeface="Times New Roman" panose="02020603050405020304" pitchFamily="18" charset="0"/>
+                </a:rPr>
+                <a:t> </a:t>
+              </a:r>
+              <a:r>
+                <a:rPr lang="en-US" sz="1050" b="1" dirty="0" err="1" smtClean="0">
+                  <a:latin typeface="Times New Roman" panose="02020603050405020304" pitchFamily="18" charset="0"/>
+                  <a:cs typeface="Times New Roman" panose="02020603050405020304" pitchFamily="18" charset="0"/>
+                </a:rPr>
+                <a:t>x</a:t>
+              </a:r>
+              <a:r>
+                <a:rPr lang="en-US" sz="1050" b="1" dirty="0" smtClean="0">
+                  <a:latin typeface="Times New Roman" panose="02020603050405020304" pitchFamily="18" charset="0"/>
+                  <a:cs typeface="Times New Roman" panose="02020603050405020304" pitchFamily="18" charset="0"/>
+                </a:rPr>
+                <a:t> </a:t>
+              </a:r>
+              <a:r>
+                <a:rPr lang="en-US" sz="1050" b="1" i="1" dirty="0" err="1" smtClean="0">
+                  <a:latin typeface="Times New Roman" panose="02020603050405020304" pitchFamily="18" charset="0"/>
+                  <a:cs typeface="Times New Roman" panose="02020603050405020304" pitchFamily="18" charset="0"/>
+                </a:rPr>
+                <a:t>nk</a:t>
+              </a:r>
+              <a:r>
+                <a:rPr lang="en-US" sz="1050" b="1" dirty="0" smtClean="0">
+                  <a:latin typeface="Times New Roman" panose="02020603050405020304" pitchFamily="18" charset="0"/>
+                  <a:cs typeface="Times New Roman" panose="02020603050405020304" pitchFamily="18" charset="0"/>
+                </a:rPr>
+                <a:t>) </a:t>
+              </a:r>
+              <a:r>
+                <a:rPr lang="en-US" sz="1050" b="1" dirty="0" err="1" smtClean="0">
+                  <a:latin typeface="Times New Roman" panose="02020603050405020304" pitchFamily="18" charset="0"/>
+                  <a:cs typeface="Times New Roman" panose="02020603050405020304" pitchFamily="18" charset="0"/>
+                </a:rPr>
+                <a:t>tridiagonal</a:t>
+              </a:r>
+              <a:endParaRPr lang="en-US" sz="1050" b="1" dirty="0">
+                <a:latin typeface="Times New Roman" panose="02020603050405020304" pitchFamily="18" charset="0"/>
+                <a:cs typeface="Times New Roman" panose="02020603050405020304" pitchFamily="18" charset="0"/>
+              </a:endParaRPr>
+            </a:p>
+            <a:p>
+              <a:pPr algn="ctr"/>
+              <a:r>
+                <a:rPr lang="en-US" sz="1050" b="1" dirty="0" smtClean="0">
+                  <a:latin typeface="Times New Roman" panose="02020603050405020304" pitchFamily="18" charset="0"/>
+                  <a:cs typeface="Times New Roman" panose="02020603050405020304" pitchFamily="18" charset="0"/>
+                </a:rPr>
+                <a:t>matrices and solve simultaneously (</a:t>
+              </a:r>
+              <a:r>
+                <a:rPr lang="en-US" sz="1050" b="1" dirty="0" err="1" smtClean="0">
+                  <a:latin typeface="Times New Roman" panose="02020603050405020304" pitchFamily="18" charset="0"/>
+                  <a:cs typeface="Times New Roman" panose="02020603050405020304" pitchFamily="18" charset="0"/>
+                </a:rPr>
+                <a:t>vectorized</a:t>
+              </a:r>
+              <a:r>
+                <a:rPr lang="en-US" sz="1050" b="1" dirty="0" smtClean="0">
+                  <a:latin typeface="Times New Roman" panose="02020603050405020304" pitchFamily="18" charset="0"/>
+                  <a:cs typeface="Times New Roman" panose="02020603050405020304" pitchFamily="18" charset="0"/>
+                </a:rPr>
+                <a:t>)</a:t>
+              </a:r>
+              <a:endParaRPr lang="en-US" sz="1050" b="1" dirty="0">
+                <a:latin typeface="Times New Roman" panose="02020603050405020304" pitchFamily="18" charset="0"/>
+                <a:cs typeface="Times New Roman" panose="02020603050405020304" pitchFamily="18" charset="0"/>
+              </a:endParaRPr>
+            </a:p>
+          </p:txBody>
+        </p:sp>
+        <p:sp>
+          <p:nvSpPr>
+            <p:cNvPr id="239" name="TextBox 238"/>
+            <p:cNvSpPr txBox="1"/>
+            <p:nvPr/>
+          </p:nvSpPr>
+          <p:spPr>
+            <a:xfrm>
+              <a:off x="2246313" y="3284220"/>
+              <a:ext cx="2209800" cy="365760"/>
+            </a:xfrm>
+            <a:prstGeom prst="rect">
+              <a:avLst/>
+            </a:prstGeom>
+            <a:noFill/>
+          </p:spPr>
+          <p:txBody>
+            <a:bodyPr wrap="none" lIns="0" tIns="0" rIns="0" bIns="0" rtlCol="0" anchor="ctr" anchorCtr="1">
+              <a:noAutofit/>
+            </a:bodyPr>
+            <a:lstStyle/>
+            <a:p>
+              <a:pPr algn="ctr"/>
+              <a:r>
+                <a:rPr lang="en-US" sz="1050" b="1" dirty="0">
+                  <a:latin typeface="Times New Roman" panose="02020603050405020304" pitchFamily="18" charset="0"/>
+                  <a:cs typeface="Times New Roman" panose="02020603050405020304" pitchFamily="18" charset="0"/>
+                </a:rPr>
+                <a:t>E</a:t>
+              </a:r>
+              <a:r>
+                <a:rPr lang="en-US" sz="1050" b="1" dirty="0" smtClean="0">
+                  <a:latin typeface="Times New Roman" panose="02020603050405020304" pitchFamily="18" charset="0"/>
+                  <a:cs typeface="Times New Roman" panose="02020603050405020304" pitchFamily="18" charset="0"/>
+                </a:rPr>
+                <a:t>xtract a tile of columns from the grid</a:t>
+              </a:r>
+              <a:endParaRPr lang="en-US" sz="1050" b="1" dirty="0">
+                <a:latin typeface="Times New Roman" panose="02020603050405020304" pitchFamily="18" charset="0"/>
+                <a:cs typeface="Times New Roman" panose="02020603050405020304" pitchFamily="18" charset="0"/>
+              </a:endParaRPr>
+            </a:p>
+          </p:txBody>
+        </p:sp>
+        <p:sp>
+          <p:nvSpPr>
+            <p:cNvPr id="240" name="TextBox 239"/>
+            <p:cNvSpPr txBox="1"/>
+            <p:nvPr/>
+          </p:nvSpPr>
+          <p:spPr>
+            <a:xfrm>
+              <a:off x="4773676" y="3284220"/>
+              <a:ext cx="2260600" cy="365760"/>
+            </a:xfrm>
+            <a:prstGeom prst="rect">
+              <a:avLst/>
+            </a:prstGeom>
+            <a:noFill/>
+          </p:spPr>
+          <p:txBody>
+            <a:bodyPr wrap="none" lIns="0" tIns="0" rIns="0" bIns="0" rtlCol="0" anchor="ctr" anchorCtr="1">
+              <a:noAutofit/>
+            </a:bodyPr>
+            <a:lstStyle/>
+            <a:p>
+              <a:pPr algn="ctr"/>
+              <a:r>
+                <a:rPr lang="en-US" sz="1050" b="1" dirty="0">
+                  <a:latin typeface="Times New Roman" panose="02020603050405020304" pitchFamily="18" charset="0"/>
+                  <a:cs typeface="Times New Roman" panose="02020603050405020304" pitchFamily="18" charset="0"/>
+                </a:rPr>
+                <a:t>I</a:t>
+              </a:r>
+              <a:r>
+                <a:rPr lang="en-US" sz="1050" b="1" dirty="0" smtClean="0">
+                  <a:latin typeface="Times New Roman" panose="02020603050405020304" pitchFamily="18" charset="0"/>
+                  <a:cs typeface="Times New Roman" panose="02020603050405020304" pitchFamily="18" charset="0"/>
+                </a:rPr>
+                <a:t>nsert the tile of columns back into grid</a:t>
+              </a:r>
+              <a:endParaRPr lang="en-US" sz="1050" b="1" dirty="0">
+                <a:latin typeface="Times New Roman" panose="02020603050405020304" pitchFamily="18" charset="0"/>
+                <a:cs typeface="Times New Roman" panose="02020603050405020304" pitchFamily="18" charset="0"/>
+              </a:endParaRPr>
+            </a:p>
+          </p:txBody>
+        </p:sp>
+        <p:grpSp>
+          <p:nvGrpSpPr>
+            <p:cNvPr id="63" name="Group 62"/>
+            <p:cNvGrpSpPr/>
+            <p:nvPr/>
+          </p:nvGrpSpPr>
+          <p:grpSpPr>
+            <a:xfrm>
+              <a:off x="1104900" y="3678936"/>
+              <a:ext cx="6934200" cy="1578864"/>
+              <a:chOff x="609600" y="3678936"/>
+              <a:chExt cx="6934200" cy="1578864"/>
+            </a:xfrm>
+          </p:grpSpPr>
+          <p:grpSp>
+            <p:nvGrpSpPr>
+              <p:cNvPr id="38" name="Group 37"/>
+              <p:cNvGrpSpPr/>
+              <p:nvPr/>
+            </p:nvGrpSpPr>
+            <p:grpSpPr>
+              <a:xfrm>
+                <a:off x="609600" y="3806952"/>
+                <a:ext cx="2133600" cy="1450848"/>
+                <a:chOff x="0" y="3806952"/>
+                <a:chExt cx="2133600" cy="1450848"/>
+              </a:xfrm>
+            </p:grpSpPr>
+            <p:sp>
+              <p:nvSpPr>
+                <p:cNvPr id="243" name="TextBox 242"/>
+                <p:cNvSpPr txBox="1"/>
+                <p:nvPr/>
+              </p:nvSpPr>
+              <p:spPr>
+                <a:xfrm>
+                  <a:off x="304800" y="5029200"/>
+                  <a:ext cx="1216152" cy="228600"/>
+                </a:xfrm>
+                <a:prstGeom prst="rect">
+                  <a:avLst/>
+                </a:prstGeom>
+                <a:noFill/>
+              </p:spPr>
+              <p:txBody>
+                <a:bodyPr wrap="square" lIns="0" tIns="0" rIns="0" bIns="0" rtlCol="0" anchor="ctr" anchorCtr="1">
+                  <a:noAutofit/>
+                </a:bodyPr>
+                <a:lstStyle/>
+                <a:p>
+                  <a:pPr algn="ctr"/>
+                  <a:r>
+                    <a:rPr lang="en-US" sz="1200" b="1" i="1" dirty="0" err="1" smtClean="0">
+                      <a:latin typeface="Times New Roman" panose="02020603050405020304" pitchFamily="18" charset="0"/>
+                      <a:cs typeface="Times New Roman" panose="02020603050405020304" pitchFamily="18" charset="0"/>
+                    </a:rPr>
+                    <a:t>ni</a:t>
+                  </a:r>
+                  <a:endParaRPr lang="en-US" sz="1200" b="1" i="1" dirty="0">
+                    <a:latin typeface="Times New Roman" panose="02020603050405020304" pitchFamily="18" charset="0"/>
+                    <a:cs typeface="Times New Roman" panose="02020603050405020304" pitchFamily="18" charset="0"/>
+                  </a:endParaRPr>
+                </a:p>
+              </p:txBody>
+            </p:sp>
+            <p:sp>
+              <p:nvSpPr>
+                <p:cNvPr id="244" name="TextBox 243"/>
+                <p:cNvSpPr txBox="1"/>
+                <p:nvPr/>
+              </p:nvSpPr>
+              <p:spPr>
+                <a:xfrm>
+                  <a:off x="0" y="4572000"/>
+                  <a:ext cx="304800" cy="304800"/>
+                </a:xfrm>
+                <a:prstGeom prst="rect">
+                  <a:avLst/>
+                </a:prstGeom>
+                <a:noFill/>
+              </p:spPr>
+              <p:txBody>
+                <a:bodyPr wrap="square" lIns="0" tIns="0" rIns="0" bIns="0" rtlCol="0" anchor="ctr" anchorCtr="1">
+                  <a:noAutofit/>
+                </a:bodyPr>
+                <a:lstStyle/>
+                <a:p>
+                  <a:pPr algn="ctr"/>
+                  <a:r>
+                    <a:rPr lang="en-US" sz="1200" b="1" i="1" dirty="0" err="1" smtClean="0">
+                      <a:latin typeface="Times New Roman" panose="02020603050405020304" pitchFamily="18" charset="0"/>
+                      <a:cs typeface="Times New Roman" panose="02020603050405020304" pitchFamily="18" charset="0"/>
+                    </a:rPr>
+                    <a:t>nk</a:t>
+                  </a:r>
+                  <a:endParaRPr lang="en-US" sz="1200" b="1" i="1" dirty="0">
+                    <a:latin typeface="Times New Roman" panose="02020603050405020304" pitchFamily="18" charset="0"/>
+                    <a:cs typeface="Times New Roman" panose="02020603050405020304" pitchFamily="18" charset="0"/>
+                  </a:endParaRPr>
+                </a:p>
+              </p:txBody>
+            </p:sp>
+            <p:sp>
+              <p:nvSpPr>
+                <p:cNvPr id="245" name="TextBox 244"/>
+                <p:cNvSpPr txBox="1"/>
+                <p:nvPr/>
+              </p:nvSpPr>
+              <p:spPr>
+                <a:xfrm>
+                  <a:off x="1828800" y="4648200"/>
+                  <a:ext cx="304800" cy="304800"/>
+                </a:xfrm>
+                <a:prstGeom prst="rect">
+                  <a:avLst/>
+                </a:prstGeom>
+                <a:noFill/>
+              </p:spPr>
+              <p:txBody>
+                <a:bodyPr wrap="square" lIns="0" tIns="0" rIns="0" bIns="0" rtlCol="0" anchor="ctr" anchorCtr="1">
+                  <a:noAutofit/>
+                </a:bodyPr>
+                <a:lstStyle/>
+                <a:p>
+                  <a:pPr algn="ctr"/>
+                  <a:r>
+                    <a:rPr lang="en-US" sz="1200" b="1" i="1" dirty="0" err="1" smtClean="0">
+                      <a:latin typeface="Times New Roman" panose="02020603050405020304" pitchFamily="18" charset="0"/>
+                      <a:cs typeface="Times New Roman" panose="02020603050405020304" pitchFamily="18" charset="0"/>
+                    </a:rPr>
+                    <a:t>nj</a:t>
+                  </a:r>
+                  <a:endParaRPr lang="en-US" sz="1200" b="1" i="1" dirty="0">
+                    <a:latin typeface="Times New Roman" panose="02020603050405020304" pitchFamily="18" charset="0"/>
+                    <a:cs typeface="Times New Roman" panose="02020603050405020304" pitchFamily="18" charset="0"/>
+                  </a:endParaRPr>
+                </a:p>
+              </p:txBody>
+            </p:sp>
+            <p:grpSp>
+              <p:nvGrpSpPr>
+                <p:cNvPr id="30" name="Group 29"/>
+                <p:cNvGrpSpPr/>
+                <p:nvPr/>
+              </p:nvGrpSpPr>
+              <p:grpSpPr>
+                <a:xfrm>
+                  <a:off x="304799" y="3806952"/>
+                  <a:ext cx="1828801" cy="1222248"/>
+                  <a:chOff x="304799" y="3806952"/>
+                  <a:chExt cx="1828801" cy="1222248"/>
+                </a:xfrm>
+              </p:grpSpPr>
+              <p:sp>
+                <p:nvSpPr>
+                  <p:cNvPr id="172" name="Rectangle 171"/>
+                  <p:cNvSpPr/>
+                  <p:nvPr/>
+                </p:nvSpPr>
+                <p:spPr>
+                  <a:xfrm>
+                    <a:off x="914400" y="3806952"/>
+                    <a:ext cx="1219200" cy="612648"/>
+                  </a:xfrm>
+                  <a:prstGeom prst="rect">
+                    <a:avLst/>
+                  </a:prstGeom>
+                  <a:noFill/>
+                  <a:ln w="12700" cap="flat" cmpd="sng" algn="ctr">
+                    <a:solidFill>
+                      <a:schemeClr val="tx1"/>
+                    </a:solidFill>
+                    <a:prstDash val="solid"/>
+                    <a:round/>
+                    <a:headEnd type="none" w="med" len="med"/>
+                    <a:tailEnd type="none" w="med" len="med"/>
+                  </a:ln>
+                  <a:effectLst/>
+                </p:spPr>
+                <p:style>
+                  <a:lnRef idx="1">
+                    <a:schemeClr val="accent1"/>
+                  </a:lnRef>
+                  <a:fillRef idx="3">
+                    <a:schemeClr val="accent1"/>
+                  </a:fillRef>
+                  <a:effectRef idx="2">
+                    <a:schemeClr val="accent1"/>
+                  </a:effectRef>
+                  <a:fontRef idx="minor">
+                    <a:schemeClr val="lt1"/>
+                  </a:fontRef>
+                </p:style>
+                <p:txBody>
+                  <a:bodyPr rtlCol="0" anchor="ctr"/>
+                  <a:lstStyle/>
+                  <a:p>
+                    <a:pPr algn="ctr"/>
+                    <a:endParaRPr lang="en-US">
+                      <a:latin typeface="Times New Roman" panose="02020603050405020304" pitchFamily="18" charset="0"/>
+                      <a:cs typeface="Times New Roman" panose="02020603050405020304" pitchFamily="18" charset="0"/>
+                    </a:endParaRPr>
+                  </a:p>
+                </p:txBody>
+              </p:sp>
+              <p:cxnSp>
+                <p:nvCxnSpPr>
+                  <p:cNvPr id="175" name="Straight Connector 174"/>
+                  <p:cNvCxnSpPr/>
+                  <p:nvPr/>
+                </p:nvCxnSpPr>
+                <p:spPr>
+                  <a:xfrm rot="5400000" flipH="1" flipV="1">
+                    <a:off x="304799" y="4419600"/>
+                    <a:ext cx="609600" cy="609600"/>
+                  </a:xfrm>
+                  <a:prstGeom prst="line">
+                    <a:avLst/>
+                  </a:prstGeom>
+                  <a:ln w="12700" cap="flat" cmpd="sng" algn="ctr">
+                    <a:solidFill>
+                      <a:srgbClr val="000000"/>
+                    </a:solidFill>
+                    <a:prstDash val="solid"/>
+                    <a:round/>
+                    <a:headEnd type="none" w="med" len="med"/>
+                    <a:tailEnd type="none" w="med" len="med"/>
+                  </a:ln>
+                  <a:effectLst/>
+                </p:spPr>
+                <p:style>
+                  <a:lnRef idx="2">
+                    <a:schemeClr val="accent1"/>
+                  </a:lnRef>
+                  <a:fillRef idx="0">
+                    <a:schemeClr val="accent1"/>
+                  </a:fillRef>
+                  <a:effectRef idx="1">
+                    <a:schemeClr val="accent1"/>
+                  </a:effectRef>
+                  <a:fontRef idx="minor">
+                    <a:schemeClr val="tx1"/>
+                  </a:fontRef>
+                </p:style>
+              </p:cxnSp>
+              <p:grpSp>
+                <p:nvGrpSpPr>
+                  <p:cNvPr id="304" name="Group 175"/>
+                  <p:cNvGrpSpPr/>
+                  <p:nvPr/>
+                </p:nvGrpSpPr>
+                <p:grpSpPr>
+                  <a:xfrm>
+                    <a:off x="531816" y="4114800"/>
+                    <a:ext cx="1299360" cy="685800"/>
+                    <a:chOff x="2436811" y="1219200"/>
+                    <a:chExt cx="1299360" cy="685800"/>
+                  </a:xfrm>
+                </p:grpSpPr>
+                <p:sp>
+                  <p:nvSpPr>
+                    <p:cNvPr id="307" name="Rectangle 306"/>
+                    <p:cNvSpPr/>
+                    <p:nvPr/>
+                  </p:nvSpPr>
+                  <p:spPr>
+                    <a:xfrm>
+                      <a:off x="2436811" y="1296989"/>
+                      <a:ext cx="1219195" cy="604836"/>
+                    </a:xfrm>
+                    <a:prstGeom prst="rect">
+                      <a:avLst/>
+                    </a:prstGeom>
+                    <a:solidFill>
+                      <a:srgbClr val="3366FF"/>
+                    </a:solidFill>
+                    <a:ln w="12700" cap="flat" cmpd="sng" algn="ctr">
+                      <a:solidFill>
+                        <a:srgbClr val="000090"/>
+                      </a:solidFill>
+                      <a:prstDash val="solid"/>
+                      <a:round/>
+                      <a:headEnd type="none" w="med" len="med"/>
+                      <a:tailEnd type="none" w="med" len="med"/>
+                    </a:ln>
+                    <a:effectLst/>
+                  </p:spPr>
+                  <p:style>
+                    <a:lnRef idx="1">
+                      <a:schemeClr val="accent1"/>
+                    </a:lnRef>
+                    <a:fillRef idx="3">
+                      <a:schemeClr val="accent1"/>
+                    </a:fillRef>
+                    <a:effectRef idx="2">
+                      <a:schemeClr val="accent1"/>
+                    </a:effectRef>
+                    <a:fontRef idx="minor">
+                      <a:schemeClr val="lt1"/>
+                    </a:fontRef>
+                  </p:style>
+                  <p:txBody>
+                    <a:bodyPr rtlCol="0" anchor="ctr"/>
+                    <a:lstStyle/>
+                    <a:p>
+                      <a:pPr algn="ctr"/>
+                      <a:endParaRPr lang="en-US">
+                        <a:latin typeface="Times New Roman" panose="02020603050405020304" pitchFamily="18" charset="0"/>
+                        <a:cs typeface="Times New Roman" panose="02020603050405020304" pitchFamily="18" charset="0"/>
+                      </a:endParaRPr>
+                    </a:p>
+                  </p:txBody>
+                </p:sp>
+                <p:sp>
+                  <p:nvSpPr>
+                    <p:cNvPr id="310" name="Parallelogram 309"/>
+                    <p:cNvSpPr/>
+                    <p:nvPr/>
+                  </p:nvSpPr>
+                  <p:spPr>
+                    <a:xfrm>
+                      <a:off x="2440776" y="1223962"/>
+                      <a:ext cx="1295395" cy="76200"/>
+                    </a:xfrm>
+                    <a:prstGeom prst="parallelogram">
+                      <a:avLst>
+                        <a:gd name="adj" fmla="val 100521"/>
+                      </a:avLst>
+                    </a:prstGeom>
+                    <a:solidFill>
+                      <a:srgbClr val="3366FF"/>
+                    </a:solidFill>
+                    <a:ln w="12700" cap="flat" cmpd="sng" algn="ctr">
+                      <a:solidFill>
+                        <a:srgbClr val="000090"/>
+                      </a:solidFill>
+                      <a:prstDash val="solid"/>
+                      <a:round/>
+                      <a:headEnd type="none" w="med" len="med"/>
+                      <a:tailEnd type="none" w="med" len="med"/>
+                    </a:ln>
+                    <a:effectLst/>
+                  </p:spPr>
+                  <p:style>
+                    <a:lnRef idx="1">
+                      <a:schemeClr val="accent1"/>
+                    </a:lnRef>
+                    <a:fillRef idx="3">
+                      <a:schemeClr val="accent1"/>
+                    </a:fillRef>
+                    <a:effectRef idx="2">
+                      <a:schemeClr val="accent1"/>
+                    </a:effectRef>
+                    <a:fontRef idx="minor">
+                      <a:schemeClr val="lt1"/>
+                    </a:fontRef>
+                  </p:style>
+                  <p:txBody>
+                    <a:bodyPr rtlCol="0" anchor="ctr"/>
+                    <a:lstStyle/>
+                    <a:p>
+                      <a:pPr algn="ctr"/>
+                      <a:endParaRPr lang="en-US">
+                        <a:latin typeface="Times New Roman" panose="02020603050405020304" pitchFamily="18" charset="0"/>
+                        <a:cs typeface="Times New Roman" panose="02020603050405020304" pitchFamily="18" charset="0"/>
+                      </a:endParaRPr>
+                    </a:p>
+                  </p:txBody>
+                </p:sp>
+                <p:sp>
+                  <p:nvSpPr>
+                    <p:cNvPr id="313" name="Parallelogram 312"/>
+                    <p:cNvSpPr/>
+                    <p:nvPr/>
+                  </p:nvSpPr>
+                  <p:spPr>
+                    <a:xfrm rot="5400000" flipH="1">
+                      <a:off x="3350414" y="1524000"/>
+                      <a:ext cx="685800" cy="76200"/>
+                    </a:xfrm>
+                    <a:prstGeom prst="parallelogram">
+                      <a:avLst>
+                        <a:gd name="adj" fmla="val 100521"/>
+                      </a:avLst>
+                    </a:prstGeom>
+                    <a:solidFill>
+                      <a:srgbClr val="3366FF"/>
+                    </a:solidFill>
+                    <a:ln w="12700" cap="flat" cmpd="sng" algn="ctr">
+                      <a:solidFill>
+                        <a:srgbClr val="000090"/>
+                      </a:solidFill>
+                      <a:prstDash val="solid"/>
+                      <a:round/>
+                      <a:headEnd type="none" w="med" len="med"/>
+                      <a:tailEnd type="none" w="med" len="med"/>
+                    </a:ln>
+                    <a:effectLst/>
+                  </p:spPr>
+                  <p:style>
+                    <a:lnRef idx="1">
+                      <a:schemeClr val="accent1"/>
+                    </a:lnRef>
+                    <a:fillRef idx="3">
+                      <a:schemeClr val="accent1"/>
+                    </a:fillRef>
+                    <a:effectRef idx="2">
+                      <a:schemeClr val="accent1"/>
+                    </a:effectRef>
+                    <a:fontRef idx="minor">
+                      <a:schemeClr val="lt1"/>
+                    </a:fontRef>
+                  </p:style>
+                  <p:txBody>
+                    <a:bodyPr rtlCol="0" anchor="ctr"/>
+                    <a:lstStyle/>
+                    <a:p>
+                      <a:pPr algn="ctr"/>
+                      <a:endParaRPr lang="en-US">
+                        <a:latin typeface="Times New Roman" panose="02020603050405020304" pitchFamily="18" charset="0"/>
+                        <a:cs typeface="Times New Roman" panose="02020603050405020304" pitchFamily="18" charset="0"/>
+                      </a:endParaRPr>
+                    </a:p>
+                  </p:txBody>
+                </p:sp>
+                <p:cxnSp>
+                  <p:nvCxnSpPr>
+                    <p:cNvPr id="314" name="Straight Connector 313"/>
+                    <p:cNvCxnSpPr/>
+                    <p:nvPr/>
+                  </p:nvCxnSpPr>
+                  <p:spPr>
+                    <a:xfrm>
+                      <a:off x="2441443" y="1751012"/>
+                      <a:ext cx="1216152" cy="1588"/>
+                    </a:xfrm>
+                    <a:prstGeom prst="line">
+                      <a:avLst/>
+                    </a:prstGeom>
+                    <a:ln w="12700" cap="flat" cmpd="sng" algn="ctr">
+                      <a:solidFill>
+                        <a:srgbClr val="000090"/>
+                      </a:solidFill>
+                      <a:prstDash val="solid"/>
+                      <a:round/>
+                      <a:headEnd type="none" w="med" len="med"/>
+                      <a:tailEnd type="none" w="med" len="med"/>
+                    </a:ln>
+                    <a:effectLst/>
+                  </p:spPr>
+                  <p:style>
+                    <a:lnRef idx="2">
+                      <a:schemeClr val="accent1"/>
+                    </a:lnRef>
+                    <a:fillRef idx="0">
+                      <a:schemeClr val="accent1"/>
+                    </a:fillRef>
+                    <a:effectRef idx="1">
+                      <a:schemeClr val="accent1"/>
+                    </a:effectRef>
+                    <a:fontRef idx="minor">
+                      <a:schemeClr val="tx1"/>
+                    </a:fontRef>
+                  </p:style>
+                </p:cxnSp>
+                <p:cxnSp>
+                  <p:nvCxnSpPr>
+                    <p:cNvPr id="318" name="Straight Connector 317"/>
+                    <p:cNvCxnSpPr/>
+                    <p:nvPr/>
+                  </p:nvCxnSpPr>
+                  <p:spPr>
+                    <a:xfrm rot="10800000" flipV="1">
+                      <a:off x="3657595" y="1676400"/>
+                      <a:ext cx="76199" cy="76198"/>
+                    </a:xfrm>
+                    <a:prstGeom prst="line">
+                      <a:avLst/>
+                    </a:prstGeom>
+                    <a:ln w="12700" cap="flat" cmpd="sng" algn="ctr">
+                      <a:solidFill>
+                        <a:srgbClr val="000090"/>
+                      </a:solidFill>
+                      <a:prstDash val="solid"/>
+                      <a:round/>
+                      <a:headEnd type="none" w="med" len="med"/>
+                      <a:tailEnd type="none" w="med" len="med"/>
+                    </a:ln>
+                    <a:effectLst/>
+                  </p:spPr>
+                  <p:style>
+                    <a:lnRef idx="2">
+                      <a:schemeClr val="accent1"/>
+                    </a:lnRef>
+                    <a:fillRef idx="0">
+                      <a:schemeClr val="accent1"/>
+                    </a:fillRef>
+                    <a:effectRef idx="1">
+                      <a:schemeClr val="accent1"/>
+                    </a:effectRef>
+                    <a:fontRef idx="minor">
+                      <a:schemeClr val="tx1"/>
+                    </a:fontRef>
+                  </p:style>
+                </p:cxnSp>
+                <p:cxnSp>
+                  <p:nvCxnSpPr>
+                    <p:cNvPr id="319" name="Straight Connector 318"/>
+                    <p:cNvCxnSpPr/>
+                    <p:nvPr/>
+                  </p:nvCxnSpPr>
+                  <p:spPr>
+                    <a:xfrm rot="10800000" flipV="1">
+                      <a:off x="3657595" y="1524002"/>
+                      <a:ext cx="76199" cy="76198"/>
+                    </a:xfrm>
+                    <a:prstGeom prst="line">
+                      <a:avLst/>
+                    </a:prstGeom>
+                    <a:ln w="12700" cap="flat" cmpd="sng" algn="ctr">
+                      <a:solidFill>
+                        <a:srgbClr val="000090"/>
+                      </a:solidFill>
+                      <a:prstDash val="solid"/>
+                      <a:round/>
+                      <a:headEnd type="none" w="med" len="med"/>
+                      <a:tailEnd type="none" w="med" len="med"/>
+                    </a:ln>
+                    <a:effectLst/>
+                  </p:spPr>
+                  <p:style>
+                    <a:lnRef idx="2">
+                      <a:schemeClr val="accent1"/>
+                    </a:lnRef>
+                    <a:fillRef idx="0">
+                      <a:schemeClr val="accent1"/>
+                    </a:fillRef>
+                    <a:effectRef idx="1">
+                      <a:schemeClr val="accent1"/>
+                    </a:effectRef>
+                    <a:fontRef idx="minor">
+                      <a:schemeClr val="tx1"/>
+                    </a:fontRef>
+                  </p:style>
+                </p:cxnSp>
+                <p:cxnSp>
+                  <p:nvCxnSpPr>
+                    <p:cNvPr id="320" name="Straight Connector 319"/>
+                    <p:cNvCxnSpPr/>
+                    <p:nvPr/>
+                  </p:nvCxnSpPr>
+                  <p:spPr>
+                    <a:xfrm rot="10800000" flipV="1">
+                      <a:off x="3657595" y="1371604"/>
+                      <a:ext cx="76199" cy="76198"/>
+                    </a:xfrm>
+                    <a:prstGeom prst="line">
+                      <a:avLst/>
+                    </a:prstGeom>
+                    <a:ln w="12700" cap="flat" cmpd="sng" algn="ctr">
+                      <a:solidFill>
+                        <a:srgbClr val="000090"/>
+                      </a:solidFill>
+                      <a:prstDash val="solid"/>
+                      <a:round/>
+                      <a:headEnd type="none" w="med" len="med"/>
+                      <a:tailEnd type="none" w="med" len="med"/>
+                    </a:ln>
+                    <a:effectLst/>
+                  </p:spPr>
+                  <p:style>
+                    <a:lnRef idx="2">
+                      <a:schemeClr val="accent1"/>
+                    </a:lnRef>
+                    <a:fillRef idx="0">
+                      <a:schemeClr val="accent1"/>
+                    </a:fillRef>
+                    <a:effectRef idx="1">
+                      <a:schemeClr val="accent1"/>
+                    </a:effectRef>
+                    <a:fontRef idx="minor">
+                      <a:schemeClr val="tx1"/>
+                    </a:fontRef>
+                  </p:style>
+                </p:cxnSp>
+                <p:cxnSp>
+                  <p:nvCxnSpPr>
+                    <p:cNvPr id="322" name="Straight Connector 321"/>
+                    <p:cNvCxnSpPr/>
+                    <p:nvPr/>
+                  </p:nvCxnSpPr>
+                  <p:spPr>
+                    <a:xfrm rot="10800000" flipV="1">
+                      <a:off x="3657595" y="1219206"/>
+                      <a:ext cx="76199" cy="76198"/>
+                    </a:xfrm>
+                    <a:prstGeom prst="line">
+                      <a:avLst/>
+                    </a:prstGeom>
+                    <a:ln w="3175" cap="flat" cmpd="sng" algn="ctr">
+                      <a:solidFill>
+                        <a:srgbClr val="000090"/>
+                      </a:solidFill>
+                      <a:prstDash val="solid"/>
+                      <a:round/>
+                      <a:headEnd type="none" w="med" len="med"/>
+                      <a:tailEnd type="none" w="med" len="med"/>
+                    </a:ln>
+                    <a:effectLst/>
+                  </p:spPr>
+                  <p:style>
+                    <a:lnRef idx="2">
+                      <a:schemeClr val="accent1"/>
+                    </a:lnRef>
+                    <a:fillRef idx="0">
+                      <a:schemeClr val="accent1"/>
+                    </a:fillRef>
+                    <a:effectRef idx="1">
+                      <a:schemeClr val="accent1"/>
+                    </a:effectRef>
+                    <a:fontRef idx="minor">
+                      <a:schemeClr val="tx1"/>
+                    </a:fontRef>
+                  </p:style>
+                </p:cxnSp>
+                <p:cxnSp>
+                  <p:nvCxnSpPr>
+                    <p:cNvPr id="323" name="Straight Connector 322"/>
+                    <p:cNvCxnSpPr/>
+                    <p:nvPr/>
+                  </p:nvCxnSpPr>
+                  <p:spPr>
+                    <a:xfrm>
+                      <a:off x="2441443" y="1600200"/>
+                      <a:ext cx="1216152" cy="1588"/>
+                    </a:xfrm>
+                    <a:prstGeom prst="line">
+                      <a:avLst/>
+                    </a:prstGeom>
+                    <a:ln w="12700" cap="flat" cmpd="sng" algn="ctr">
+                      <a:solidFill>
+                        <a:srgbClr val="000090"/>
+                      </a:solidFill>
+                      <a:prstDash val="solid"/>
+                      <a:round/>
+                      <a:headEnd type="none" w="med" len="med"/>
+                      <a:tailEnd type="none" w="med" len="med"/>
+                    </a:ln>
+                    <a:effectLst/>
+                  </p:spPr>
+                  <p:style>
+                    <a:lnRef idx="2">
+                      <a:schemeClr val="accent1"/>
+                    </a:lnRef>
+                    <a:fillRef idx="0">
+                      <a:schemeClr val="accent1"/>
+                    </a:fillRef>
+                    <a:effectRef idx="1">
+                      <a:schemeClr val="accent1"/>
+                    </a:effectRef>
+                    <a:fontRef idx="minor">
+                      <a:schemeClr val="tx1"/>
+                    </a:fontRef>
+                  </p:style>
+                </p:cxnSp>
+                <p:cxnSp>
+                  <p:nvCxnSpPr>
+                    <p:cNvPr id="324" name="Straight Connector 323"/>
+                    <p:cNvCxnSpPr/>
+                    <p:nvPr/>
+                  </p:nvCxnSpPr>
+                  <p:spPr>
+                    <a:xfrm>
+                      <a:off x="2441443" y="1449388"/>
+                      <a:ext cx="1216152" cy="1588"/>
+                    </a:xfrm>
+                    <a:prstGeom prst="line">
+                      <a:avLst/>
+                    </a:prstGeom>
+                    <a:ln w="12700" cap="flat" cmpd="sng" algn="ctr">
+                      <a:solidFill>
+                        <a:srgbClr val="000090"/>
+                      </a:solidFill>
+                      <a:prstDash val="solid"/>
+                      <a:round/>
+                      <a:headEnd type="none" w="med" len="med"/>
+                      <a:tailEnd type="none" w="med" len="med"/>
+                    </a:ln>
+                    <a:effectLst/>
+                  </p:spPr>
+                  <p:style>
+                    <a:lnRef idx="2">
+                      <a:schemeClr val="accent1"/>
+                    </a:lnRef>
+                    <a:fillRef idx="0">
+                      <a:schemeClr val="accent1"/>
+                    </a:fillRef>
+                    <a:effectRef idx="1">
+                      <a:schemeClr val="accent1"/>
+                    </a:effectRef>
+                    <a:fontRef idx="minor">
+                      <a:schemeClr val="tx1"/>
+                    </a:fontRef>
+                  </p:style>
+                </p:cxnSp>
+              </p:grpSp>
+              <p:cxnSp>
+                <p:nvCxnSpPr>
+                  <p:cNvPr id="173" name="Straight Connector 172"/>
+                  <p:cNvCxnSpPr/>
+                  <p:nvPr/>
+                </p:nvCxnSpPr>
+                <p:spPr>
+                  <a:xfrm rot="5400000" flipH="1" flipV="1">
+                    <a:off x="304799" y="3810000"/>
+                    <a:ext cx="609600" cy="609600"/>
+                  </a:xfrm>
+                  <a:prstGeom prst="line">
+                    <a:avLst/>
+                  </a:prstGeom>
+                  <a:ln w="12700" cap="flat" cmpd="sng" algn="ctr">
+                    <a:solidFill>
+                      <a:srgbClr val="000000"/>
+                    </a:solidFill>
+                    <a:prstDash val="solid"/>
+                    <a:round/>
+                    <a:headEnd type="none" w="med" len="med"/>
+                    <a:tailEnd type="none" w="med" len="med"/>
+                  </a:ln>
+                  <a:effectLst/>
+                </p:spPr>
+                <p:style>
+                  <a:lnRef idx="2">
+                    <a:schemeClr val="accent1"/>
+                  </a:lnRef>
+                  <a:fillRef idx="0">
+                    <a:schemeClr val="accent1"/>
+                  </a:fillRef>
+                  <a:effectRef idx="1">
+                    <a:schemeClr val="accent1"/>
+                  </a:effectRef>
+                  <a:fontRef idx="minor">
+                    <a:schemeClr val="tx1"/>
+                  </a:fontRef>
+                </p:style>
+              </p:cxnSp>
+              <p:sp>
+                <p:nvSpPr>
+                  <p:cNvPr id="194" name="Rectangle 193"/>
+                  <p:cNvSpPr/>
+                  <p:nvPr/>
+                </p:nvSpPr>
+                <p:spPr>
+                  <a:xfrm>
+                    <a:off x="304799" y="4416552"/>
+                    <a:ext cx="1219200" cy="612648"/>
+                  </a:xfrm>
+                  <a:prstGeom prst="rect">
+                    <a:avLst/>
+                  </a:prstGeom>
+                  <a:noFill/>
+                  <a:ln w="12700" cap="flat" cmpd="sng" algn="ctr">
+                    <a:solidFill>
+                      <a:schemeClr val="tx1"/>
+                    </a:solidFill>
+                    <a:prstDash val="solid"/>
+                    <a:round/>
+                    <a:headEnd type="none" w="med" len="med"/>
+                    <a:tailEnd type="none" w="med" len="med"/>
+                  </a:ln>
+                  <a:effectLst/>
+                </p:spPr>
+                <p:style>
+                  <a:lnRef idx="1">
+                    <a:schemeClr val="accent1"/>
+                  </a:lnRef>
+                  <a:fillRef idx="3">
+                    <a:schemeClr val="accent1"/>
+                  </a:fillRef>
+                  <a:effectRef idx="2">
+                    <a:schemeClr val="accent1"/>
+                  </a:effectRef>
+                  <a:fontRef idx="minor">
+                    <a:schemeClr val="lt1"/>
+                  </a:fontRef>
+                </p:style>
+                <p:txBody>
+                  <a:bodyPr rtlCol="0" anchor="ctr"/>
+                  <a:lstStyle/>
+                  <a:p>
+                    <a:pPr algn="ctr"/>
+                    <a:endParaRPr lang="en-US">
+                      <a:latin typeface="Times New Roman" panose="02020603050405020304" pitchFamily="18" charset="0"/>
+                      <a:cs typeface="Times New Roman" panose="02020603050405020304" pitchFamily="18" charset="0"/>
+                    </a:endParaRPr>
+                  </a:p>
+                </p:txBody>
+              </p:sp>
+              <p:cxnSp>
+                <p:nvCxnSpPr>
+                  <p:cNvPr id="246" name="Straight Connector 245"/>
+                  <p:cNvCxnSpPr/>
+                  <p:nvPr/>
+                </p:nvCxnSpPr>
+                <p:spPr>
+                  <a:xfrm rot="5400000" flipH="1" flipV="1">
+                    <a:off x="1523999" y="3810000"/>
+                    <a:ext cx="609600" cy="609600"/>
+                  </a:xfrm>
+                  <a:prstGeom prst="line">
+                    <a:avLst/>
+                  </a:prstGeom>
+                  <a:ln w="12700" cap="flat" cmpd="sng" algn="ctr">
+                    <a:solidFill>
+                      <a:srgbClr val="000000"/>
+                    </a:solidFill>
+                    <a:prstDash val="solid"/>
+                    <a:round/>
+                    <a:headEnd type="none" w="med" len="med"/>
+                    <a:tailEnd type="none" w="med" len="med"/>
+                  </a:ln>
+                  <a:effectLst/>
+                </p:spPr>
+                <p:style>
+                  <a:lnRef idx="2">
+                    <a:schemeClr val="accent1"/>
+                  </a:lnRef>
+                  <a:fillRef idx="0">
+                    <a:schemeClr val="accent1"/>
+                  </a:fillRef>
+                  <a:effectRef idx="1">
+                    <a:schemeClr val="accent1"/>
+                  </a:effectRef>
+                  <a:fontRef idx="minor">
+                    <a:schemeClr val="tx1"/>
+                  </a:fontRef>
+                </p:style>
+              </p:cxnSp>
+              <p:cxnSp>
+                <p:nvCxnSpPr>
+                  <p:cNvPr id="174" name="Straight Connector 173"/>
+                  <p:cNvCxnSpPr/>
+                  <p:nvPr/>
+                </p:nvCxnSpPr>
+                <p:spPr>
+                  <a:xfrm rot="5400000" flipH="1" flipV="1">
+                    <a:off x="1523999" y="4419600"/>
+                    <a:ext cx="609600" cy="609600"/>
+                  </a:xfrm>
+                  <a:prstGeom prst="line">
+                    <a:avLst/>
+                  </a:prstGeom>
+                  <a:ln w="12700" cap="flat" cmpd="sng" algn="ctr">
+                    <a:solidFill>
+                      <a:srgbClr val="000000"/>
+                    </a:solidFill>
+                    <a:prstDash val="solid"/>
+                    <a:round/>
+                    <a:headEnd type="none" w="med" len="med"/>
+                    <a:tailEnd type="none" w="med" len="med"/>
+                  </a:ln>
+                  <a:effectLst/>
+                </p:spPr>
+                <p:style>
+                  <a:lnRef idx="2">
+                    <a:schemeClr val="accent1"/>
+                  </a:lnRef>
+                  <a:fillRef idx="0">
+                    <a:schemeClr val="accent1"/>
+                  </a:fillRef>
+                  <a:effectRef idx="1">
+                    <a:schemeClr val="accent1"/>
+                  </a:effectRef>
+                  <a:fontRef idx="minor">
+                    <a:schemeClr val="tx1"/>
+                  </a:fontRef>
+                </p:style>
+              </p:cxnSp>
+            </p:grpSp>
+          </p:grpSp>
+          <p:grpSp>
+            <p:nvGrpSpPr>
+              <p:cNvPr id="42" name="Group 41"/>
+              <p:cNvGrpSpPr/>
+              <p:nvPr/>
+            </p:nvGrpSpPr>
+            <p:grpSpPr>
+              <a:xfrm>
+                <a:off x="5410200" y="3810000"/>
+                <a:ext cx="2133600" cy="1447800"/>
+                <a:chOff x="5334000" y="3810000"/>
+                <a:chExt cx="2133600" cy="1447800"/>
+              </a:xfrm>
+            </p:grpSpPr>
+            <p:sp>
+              <p:nvSpPr>
+                <p:cNvPr id="275" name="TextBox 274"/>
+                <p:cNvSpPr txBox="1"/>
+                <p:nvPr/>
+              </p:nvSpPr>
+              <p:spPr>
+                <a:xfrm>
+                  <a:off x="5638800" y="5029200"/>
+                  <a:ext cx="1216152" cy="228600"/>
+                </a:xfrm>
+                <a:prstGeom prst="rect">
+                  <a:avLst/>
+                </a:prstGeom>
+                <a:noFill/>
+              </p:spPr>
+              <p:txBody>
+                <a:bodyPr wrap="square" lIns="0" tIns="0" rIns="0" bIns="0" rtlCol="0" anchor="ctr" anchorCtr="1">
+                  <a:noAutofit/>
+                </a:bodyPr>
+                <a:lstStyle/>
+                <a:p>
+                  <a:pPr algn="ctr"/>
+                  <a:r>
+                    <a:rPr lang="en-US" sz="1200" b="1" i="1" dirty="0" err="1" smtClean="0">
+                      <a:latin typeface="Times New Roman" panose="02020603050405020304" pitchFamily="18" charset="0"/>
+                      <a:cs typeface="Times New Roman" panose="02020603050405020304" pitchFamily="18" charset="0"/>
+                    </a:rPr>
+                    <a:t>ni</a:t>
+                  </a:r>
+                  <a:endParaRPr lang="en-US" sz="1200" b="1" i="1" dirty="0">
+                    <a:latin typeface="Times New Roman" panose="02020603050405020304" pitchFamily="18" charset="0"/>
+                    <a:cs typeface="Times New Roman" panose="02020603050405020304" pitchFamily="18" charset="0"/>
+                  </a:endParaRPr>
+                </a:p>
+              </p:txBody>
+            </p:sp>
+            <p:sp>
+              <p:nvSpPr>
+                <p:cNvPr id="276" name="TextBox 275"/>
+                <p:cNvSpPr txBox="1"/>
+                <p:nvPr/>
+              </p:nvSpPr>
+              <p:spPr>
+                <a:xfrm>
+                  <a:off x="5334000" y="4572000"/>
+                  <a:ext cx="304800" cy="304800"/>
+                </a:xfrm>
+                <a:prstGeom prst="rect">
+                  <a:avLst/>
+                </a:prstGeom>
+                <a:noFill/>
+              </p:spPr>
+              <p:txBody>
+                <a:bodyPr wrap="square" lIns="0" tIns="0" rIns="0" bIns="0" rtlCol="0" anchor="ctr" anchorCtr="1">
+                  <a:noAutofit/>
+                </a:bodyPr>
+                <a:lstStyle/>
+                <a:p>
+                  <a:pPr algn="ctr"/>
+                  <a:r>
+                    <a:rPr lang="en-US" sz="1200" b="1" i="1" dirty="0" err="1" smtClean="0">
+                      <a:latin typeface="Times New Roman" panose="02020603050405020304" pitchFamily="18" charset="0"/>
+                      <a:cs typeface="Times New Roman" panose="02020603050405020304" pitchFamily="18" charset="0"/>
+                    </a:rPr>
+                    <a:t>nk</a:t>
+                  </a:r>
+                  <a:endParaRPr lang="en-US" sz="1200" b="1" i="1" dirty="0">
+                    <a:latin typeface="Times New Roman" panose="02020603050405020304" pitchFamily="18" charset="0"/>
+                    <a:cs typeface="Times New Roman" panose="02020603050405020304" pitchFamily="18" charset="0"/>
+                  </a:endParaRPr>
+                </a:p>
+              </p:txBody>
+            </p:sp>
+            <p:sp>
+              <p:nvSpPr>
+                <p:cNvPr id="277" name="TextBox 276"/>
+                <p:cNvSpPr txBox="1"/>
+                <p:nvPr/>
+              </p:nvSpPr>
+              <p:spPr>
+                <a:xfrm>
+                  <a:off x="7162800" y="4648200"/>
+                  <a:ext cx="304800" cy="304800"/>
+                </a:xfrm>
+                <a:prstGeom prst="rect">
+                  <a:avLst/>
+                </a:prstGeom>
+                <a:noFill/>
+              </p:spPr>
+              <p:txBody>
+                <a:bodyPr wrap="square" lIns="0" tIns="0" rIns="0" bIns="0" rtlCol="0" anchor="ctr" anchorCtr="1">
+                  <a:noAutofit/>
+                </a:bodyPr>
+                <a:lstStyle/>
+                <a:p>
+                  <a:pPr algn="ctr"/>
+                  <a:r>
+                    <a:rPr lang="en-US" sz="1200" b="1" i="1" dirty="0" err="1" smtClean="0">
+                      <a:latin typeface="Times New Roman" panose="02020603050405020304" pitchFamily="18" charset="0"/>
+                      <a:cs typeface="Times New Roman" panose="02020603050405020304" pitchFamily="18" charset="0"/>
+                    </a:rPr>
+                    <a:t>nj</a:t>
+                  </a:r>
+                  <a:endParaRPr lang="en-US" sz="1200" b="1" i="1" dirty="0">
+                    <a:latin typeface="Times New Roman" panose="02020603050405020304" pitchFamily="18" charset="0"/>
+                    <a:cs typeface="Times New Roman" panose="02020603050405020304" pitchFamily="18" charset="0"/>
+                  </a:endParaRPr>
+                </a:p>
+              </p:txBody>
+            </p:sp>
+            <p:grpSp>
+              <p:nvGrpSpPr>
+                <p:cNvPr id="37" name="Group 36"/>
+                <p:cNvGrpSpPr/>
+                <p:nvPr/>
+              </p:nvGrpSpPr>
+              <p:grpSpPr>
+                <a:xfrm>
+                  <a:off x="5638799" y="3810000"/>
+                  <a:ext cx="1828800" cy="1219200"/>
+                  <a:chOff x="5638799" y="3810000"/>
+                  <a:chExt cx="1828800" cy="1219200"/>
+                </a:xfrm>
+              </p:grpSpPr>
+              <p:sp>
+                <p:nvSpPr>
+                  <p:cNvPr id="252" name="Rectangle 251"/>
+                  <p:cNvSpPr/>
+                  <p:nvPr/>
+                </p:nvSpPr>
+                <p:spPr>
+                  <a:xfrm>
+                    <a:off x="6248399" y="3810000"/>
+                    <a:ext cx="1219200" cy="612648"/>
+                  </a:xfrm>
+                  <a:prstGeom prst="rect">
+                    <a:avLst/>
+                  </a:prstGeom>
+                  <a:noFill/>
+                  <a:ln w="12700" cap="flat" cmpd="sng" algn="ctr">
+                    <a:solidFill>
+                      <a:schemeClr val="tx1"/>
+                    </a:solidFill>
+                    <a:prstDash val="solid"/>
+                    <a:round/>
+                    <a:headEnd type="none" w="med" len="med"/>
+                    <a:tailEnd type="none" w="med" len="med"/>
+                  </a:ln>
+                  <a:effectLst/>
+                </p:spPr>
+                <p:style>
+                  <a:lnRef idx="1">
+                    <a:schemeClr val="accent1"/>
+                  </a:lnRef>
+                  <a:fillRef idx="3">
+                    <a:schemeClr val="accent1"/>
+                  </a:fillRef>
+                  <a:effectRef idx="2">
+                    <a:schemeClr val="accent1"/>
+                  </a:effectRef>
+                  <a:fontRef idx="minor">
+                    <a:schemeClr val="lt1"/>
+                  </a:fontRef>
+                </p:style>
+                <p:txBody>
+                  <a:bodyPr rtlCol="0" anchor="ctr"/>
+                  <a:lstStyle/>
+                  <a:p>
+                    <a:pPr algn="ctr"/>
+                    <a:endParaRPr lang="en-US">
+                      <a:latin typeface="Times New Roman" panose="02020603050405020304" pitchFamily="18" charset="0"/>
+                      <a:cs typeface="Times New Roman" panose="02020603050405020304" pitchFamily="18" charset="0"/>
+                    </a:endParaRPr>
+                  </a:p>
+                </p:txBody>
+              </p:sp>
+              <p:cxnSp>
+                <p:nvCxnSpPr>
+                  <p:cNvPr id="255" name="Straight Connector 254"/>
+                  <p:cNvCxnSpPr/>
+                  <p:nvPr/>
+                </p:nvCxnSpPr>
+                <p:spPr>
+                  <a:xfrm rot="5400000" flipH="1" flipV="1">
+                    <a:off x="5638799" y="4419600"/>
+                    <a:ext cx="609600" cy="609600"/>
+                  </a:xfrm>
+                  <a:prstGeom prst="line">
+                    <a:avLst/>
+                  </a:prstGeom>
+                  <a:ln w="12700" cap="flat" cmpd="sng" algn="ctr">
+                    <a:solidFill>
+                      <a:srgbClr val="000000"/>
+                    </a:solidFill>
+                    <a:prstDash val="solid"/>
+                    <a:round/>
+                    <a:headEnd type="none" w="med" len="med"/>
+                    <a:tailEnd type="none" w="med" len="med"/>
+                  </a:ln>
+                  <a:effectLst/>
+                </p:spPr>
+                <p:style>
+                  <a:lnRef idx="2">
+                    <a:schemeClr val="accent1"/>
+                  </a:lnRef>
+                  <a:fillRef idx="0">
+                    <a:schemeClr val="accent1"/>
+                  </a:fillRef>
+                  <a:effectRef idx="1">
+                    <a:schemeClr val="accent1"/>
+                  </a:effectRef>
+                  <a:fontRef idx="minor">
+                    <a:schemeClr val="tx1"/>
+                  </a:fontRef>
+                </p:style>
+              </p:cxnSp>
+              <p:grpSp>
+                <p:nvGrpSpPr>
+                  <p:cNvPr id="280" name="Group 456"/>
+                  <p:cNvGrpSpPr/>
+                  <p:nvPr/>
+                </p:nvGrpSpPr>
+                <p:grpSpPr>
+                  <a:xfrm>
+                    <a:off x="5865018" y="4114800"/>
+                    <a:ext cx="1300158" cy="685800"/>
+                    <a:chOff x="2436017" y="1219200"/>
+                    <a:chExt cx="1300158" cy="685800"/>
+                  </a:xfrm>
+                  <a:solidFill>
+                    <a:srgbClr val="CC66FF"/>
+                  </a:solidFill>
+                </p:grpSpPr>
+                <p:sp>
+                  <p:nvSpPr>
+                    <p:cNvPr id="281" name="Rectangle 280"/>
+                    <p:cNvSpPr/>
+                    <p:nvPr/>
+                  </p:nvSpPr>
+                  <p:spPr>
+                    <a:xfrm>
+                      <a:off x="2436017" y="1300162"/>
+                      <a:ext cx="1219195" cy="604838"/>
+                    </a:xfrm>
+                    <a:prstGeom prst="rect">
+                      <a:avLst/>
+                    </a:prstGeom>
+                    <a:grpFill/>
+                    <a:ln w="12700" cap="flat" cmpd="sng" algn="ctr">
+                      <a:solidFill>
+                        <a:srgbClr val="400080"/>
+                      </a:solidFill>
+                      <a:prstDash val="solid"/>
+                      <a:round/>
+                      <a:headEnd type="none" w="med" len="med"/>
+                      <a:tailEnd type="none" w="med" len="med"/>
+                    </a:ln>
+                    <a:effectLst/>
+                  </p:spPr>
+                  <p:style>
+                    <a:lnRef idx="1">
+                      <a:schemeClr val="accent1"/>
+                    </a:lnRef>
+                    <a:fillRef idx="3">
+                      <a:schemeClr val="accent1"/>
+                    </a:fillRef>
+                    <a:effectRef idx="2">
+                      <a:schemeClr val="accent1"/>
+                    </a:effectRef>
+                    <a:fontRef idx="minor">
+                      <a:schemeClr val="lt1"/>
+                    </a:fontRef>
+                  </p:style>
+                  <p:txBody>
+                    <a:bodyPr rtlCol="0" anchor="ctr"/>
+                    <a:lstStyle/>
+                    <a:p>
+                      <a:pPr algn="ctr"/>
+                      <a:endParaRPr lang="en-US">
+                        <a:latin typeface="Times New Roman" panose="02020603050405020304" pitchFamily="18" charset="0"/>
+                        <a:cs typeface="Times New Roman" panose="02020603050405020304" pitchFamily="18" charset="0"/>
+                      </a:endParaRPr>
+                    </a:p>
+                  </p:txBody>
+                </p:sp>
+                <p:sp>
+                  <p:nvSpPr>
+                    <p:cNvPr id="284" name="Parallelogram 283"/>
+                    <p:cNvSpPr/>
+                    <p:nvPr/>
+                  </p:nvSpPr>
+                  <p:spPr>
+                    <a:xfrm>
+                      <a:off x="2440780" y="1223962"/>
+                      <a:ext cx="1295395" cy="76200"/>
+                    </a:xfrm>
+                    <a:prstGeom prst="parallelogram">
+                      <a:avLst>
+                        <a:gd name="adj" fmla="val 100521"/>
+                      </a:avLst>
+                    </a:prstGeom>
+                    <a:grpFill/>
+                    <a:ln w="12700" cap="flat" cmpd="sng" algn="ctr">
+                      <a:solidFill>
+                        <a:srgbClr val="400080"/>
+                      </a:solidFill>
+                      <a:prstDash val="solid"/>
+                      <a:round/>
+                      <a:headEnd type="none" w="med" len="med"/>
+                      <a:tailEnd type="none" w="med" len="med"/>
+                    </a:ln>
+                    <a:effectLst/>
+                  </p:spPr>
+                  <p:style>
+                    <a:lnRef idx="1">
+                      <a:schemeClr val="accent1"/>
+                    </a:lnRef>
+                    <a:fillRef idx="3">
+                      <a:schemeClr val="accent1"/>
+                    </a:fillRef>
+                    <a:effectRef idx="2">
+                      <a:schemeClr val="accent1"/>
+                    </a:effectRef>
+                    <a:fontRef idx="minor">
+                      <a:schemeClr val="lt1"/>
+                    </a:fontRef>
+                  </p:style>
+                  <p:txBody>
+                    <a:bodyPr rtlCol="0" anchor="ctr"/>
+                    <a:lstStyle/>
+                    <a:p>
+                      <a:pPr algn="ctr"/>
+                      <a:endParaRPr lang="en-US">
+                        <a:latin typeface="Times New Roman" panose="02020603050405020304" pitchFamily="18" charset="0"/>
+                        <a:cs typeface="Times New Roman" panose="02020603050405020304" pitchFamily="18" charset="0"/>
+                      </a:endParaRPr>
+                    </a:p>
+                  </p:txBody>
+                </p:sp>
+                <p:sp>
+                  <p:nvSpPr>
+                    <p:cNvPr id="285" name="Parallelogram 284"/>
+                    <p:cNvSpPr/>
+                    <p:nvPr/>
+                  </p:nvSpPr>
+                  <p:spPr>
+                    <a:xfrm rot="5400000" flipH="1">
+                      <a:off x="3350414" y="1523999"/>
+                      <a:ext cx="685800" cy="76201"/>
+                    </a:xfrm>
+                    <a:prstGeom prst="parallelogram">
+                      <a:avLst>
+                        <a:gd name="adj" fmla="val 100521"/>
+                      </a:avLst>
+                    </a:prstGeom>
+                    <a:grpFill/>
+                    <a:ln w="12700" cap="flat" cmpd="sng" algn="ctr">
+                      <a:solidFill>
+                        <a:srgbClr val="400080"/>
+                      </a:solidFill>
+                      <a:prstDash val="solid"/>
+                      <a:round/>
+                      <a:headEnd type="none" w="med" len="med"/>
+                      <a:tailEnd type="none" w="med" len="med"/>
+                    </a:ln>
+                    <a:effectLst/>
+                  </p:spPr>
+                  <p:style>
+                    <a:lnRef idx="1">
+                      <a:schemeClr val="accent1"/>
+                    </a:lnRef>
+                    <a:fillRef idx="3">
+                      <a:schemeClr val="accent1"/>
+                    </a:fillRef>
+                    <a:effectRef idx="2">
+                      <a:schemeClr val="accent1"/>
+                    </a:effectRef>
+                    <a:fontRef idx="minor">
+                      <a:schemeClr val="lt1"/>
+                    </a:fontRef>
+                  </p:style>
+                  <p:txBody>
+                    <a:bodyPr rtlCol="0" anchor="ctr"/>
+                    <a:lstStyle/>
+                    <a:p>
+                      <a:pPr algn="ctr"/>
+                      <a:endParaRPr lang="en-US">
+                        <a:latin typeface="Times New Roman" panose="02020603050405020304" pitchFamily="18" charset="0"/>
+                        <a:cs typeface="Times New Roman" panose="02020603050405020304" pitchFamily="18" charset="0"/>
+                      </a:endParaRPr>
+                    </a:p>
+                  </p:txBody>
+                </p:sp>
+                <p:cxnSp>
+                  <p:nvCxnSpPr>
+                    <p:cNvPr id="286" name="Straight Connector 285"/>
+                    <p:cNvCxnSpPr/>
+                    <p:nvPr/>
+                  </p:nvCxnSpPr>
+                  <p:spPr>
+                    <a:xfrm>
+                      <a:off x="2441443" y="1751012"/>
+                      <a:ext cx="1216152" cy="1588"/>
+                    </a:xfrm>
+                    <a:prstGeom prst="line">
+                      <a:avLst/>
+                    </a:prstGeom>
+                    <a:grpFill/>
+                    <a:ln w="12700" cap="flat" cmpd="sng" algn="ctr">
+                      <a:solidFill>
+                        <a:srgbClr val="400080"/>
+                      </a:solidFill>
+                      <a:prstDash val="solid"/>
+                      <a:round/>
+                      <a:headEnd type="none" w="med" len="med"/>
+                      <a:tailEnd type="none" w="med" len="med"/>
+                    </a:ln>
+                    <a:effectLst/>
+                  </p:spPr>
+                  <p:style>
+                    <a:lnRef idx="2">
+                      <a:schemeClr val="accent1"/>
+                    </a:lnRef>
+                    <a:fillRef idx="0">
+                      <a:schemeClr val="accent1"/>
+                    </a:fillRef>
+                    <a:effectRef idx="1">
+                      <a:schemeClr val="accent1"/>
+                    </a:effectRef>
+                    <a:fontRef idx="minor">
+                      <a:schemeClr val="tx1"/>
+                    </a:fontRef>
+                  </p:style>
+                </p:cxnSp>
+                <p:cxnSp>
+                  <p:nvCxnSpPr>
+                    <p:cNvPr id="290" name="Straight Connector 289"/>
+                    <p:cNvCxnSpPr/>
+                    <p:nvPr/>
+                  </p:nvCxnSpPr>
+                  <p:spPr>
+                    <a:xfrm rot="10800000" flipV="1">
+                      <a:off x="3657595" y="1676400"/>
+                      <a:ext cx="76199" cy="76198"/>
+                    </a:xfrm>
+                    <a:prstGeom prst="line">
+                      <a:avLst/>
+                    </a:prstGeom>
+                    <a:grpFill/>
+                    <a:ln w="12700" cap="flat" cmpd="sng" algn="ctr">
+                      <a:solidFill>
+                        <a:srgbClr val="400080"/>
+                      </a:solidFill>
+                      <a:prstDash val="solid"/>
+                      <a:round/>
+                      <a:headEnd type="none" w="med" len="med"/>
+                      <a:tailEnd type="none" w="med" len="med"/>
+                    </a:ln>
+                    <a:effectLst/>
+                  </p:spPr>
+                  <p:style>
+                    <a:lnRef idx="2">
+                      <a:schemeClr val="accent1"/>
+                    </a:lnRef>
+                    <a:fillRef idx="0">
+                      <a:schemeClr val="accent1"/>
+                    </a:fillRef>
+                    <a:effectRef idx="1">
+                      <a:schemeClr val="accent1"/>
+                    </a:effectRef>
+                    <a:fontRef idx="minor">
+                      <a:schemeClr val="tx1"/>
+                    </a:fontRef>
+                  </p:style>
+                </p:cxnSp>
+                <p:cxnSp>
+                  <p:nvCxnSpPr>
+                    <p:cNvPr id="291" name="Straight Connector 290"/>
+                    <p:cNvCxnSpPr/>
+                    <p:nvPr/>
+                  </p:nvCxnSpPr>
+                  <p:spPr>
+                    <a:xfrm rot="10800000" flipV="1">
+                      <a:off x="3657595" y="1524002"/>
+                      <a:ext cx="76199" cy="76198"/>
+                    </a:xfrm>
+                    <a:prstGeom prst="line">
+                      <a:avLst/>
+                    </a:prstGeom>
+                    <a:grpFill/>
+                    <a:ln w="12700" cap="flat" cmpd="sng" algn="ctr">
+                      <a:solidFill>
+                        <a:srgbClr val="400080"/>
+                      </a:solidFill>
+                      <a:prstDash val="solid"/>
+                      <a:round/>
+                      <a:headEnd type="none" w="med" len="med"/>
+                      <a:tailEnd type="none" w="med" len="med"/>
+                    </a:ln>
+                    <a:effectLst/>
+                  </p:spPr>
+                  <p:style>
+                    <a:lnRef idx="2">
+                      <a:schemeClr val="accent1"/>
+                    </a:lnRef>
+                    <a:fillRef idx="0">
+                      <a:schemeClr val="accent1"/>
+                    </a:fillRef>
+                    <a:effectRef idx="1">
+                      <a:schemeClr val="accent1"/>
+                    </a:effectRef>
+                    <a:fontRef idx="minor">
+                      <a:schemeClr val="tx1"/>
+                    </a:fontRef>
+                  </p:style>
+                </p:cxnSp>
+                <p:cxnSp>
+                  <p:nvCxnSpPr>
+                    <p:cNvPr id="292" name="Straight Connector 291"/>
+                    <p:cNvCxnSpPr/>
+                    <p:nvPr/>
+                  </p:nvCxnSpPr>
+                  <p:spPr>
+                    <a:xfrm rot="10800000" flipV="1">
+                      <a:off x="3657595" y="1371604"/>
+                      <a:ext cx="76199" cy="76198"/>
+                    </a:xfrm>
+                    <a:prstGeom prst="line">
+                      <a:avLst/>
+                    </a:prstGeom>
+                    <a:grpFill/>
+                    <a:ln w="12700" cap="flat" cmpd="sng" algn="ctr">
+                      <a:solidFill>
+                        <a:srgbClr val="400080"/>
+                      </a:solidFill>
+                      <a:prstDash val="solid"/>
+                      <a:round/>
+                      <a:headEnd type="none" w="med" len="med"/>
+                      <a:tailEnd type="none" w="med" len="med"/>
+                    </a:ln>
+                    <a:effectLst/>
+                  </p:spPr>
+                  <p:style>
+                    <a:lnRef idx="2">
+                      <a:schemeClr val="accent1"/>
+                    </a:lnRef>
+                    <a:fillRef idx="0">
+                      <a:schemeClr val="accent1"/>
+                    </a:fillRef>
+                    <a:effectRef idx="1">
+                      <a:schemeClr val="accent1"/>
+                    </a:effectRef>
+                    <a:fontRef idx="minor">
+                      <a:schemeClr val="tx1"/>
+                    </a:fontRef>
+                  </p:style>
+                </p:cxnSp>
+                <p:cxnSp>
+                  <p:nvCxnSpPr>
+                    <p:cNvPr id="294" name="Straight Connector 293"/>
+                    <p:cNvCxnSpPr/>
+                    <p:nvPr/>
+                  </p:nvCxnSpPr>
+                  <p:spPr>
+                    <a:xfrm rot="10800000" flipV="1">
+                      <a:off x="3657595" y="1219206"/>
+                      <a:ext cx="76199" cy="76198"/>
+                    </a:xfrm>
+                    <a:prstGeom prst="line">
+                      <a:avLst/>
+                    </a:prstGeom>
+                    <a:grpFill/>
+                    <a:ln w="3175" cap="flat" cmpd="sng" algn="ctr">
+                      <a:solidFill>
+                        <a:srgbClr val="400080"/>
+                      </a:solidFill>
+                      <a:prstDash val="solid"/>
+                      <a:round/>
+                      <a:headEnd type="none" w="med" len="med"/>
+                      <a:tailEnd type="none" w="med" len="med"/>
+                    </a:ln>
+                    <a:effectLst/>
+                  </p:spPr>
+                  <p:style>
+                    <a:lnRef idx="2">
+                      <a:schemeClr val="accent1"/>
+                    </a:lnRef>
+                    <a:fillRef idx="0">
+                      <a:schemeClr val="accent1"/>
+                    </a:fillRef>
+                    <a:effectRef idx="1">
+                      <a:schemeClr val="accent1"/>
+                    </a:effectRef>
+                    <a:fontRef idx="minor">
+                      <a:schemeClr val="tx1"/>
+                    </a:fontRef>
+                  </p:style>
+                </p:cxnSp>
+                <p:cxnSp>
+                  <p:nvCxnSpPr>
+                    <p:cNvPr id="295" name="Straight Connector 294"/>
+                    <p:cNvCxnSpPr/>
+                    <p:nvPr/>
+                  </p:nvCxnSpPr>
+                  <p:spPr>
+                    <a:xfrm>
+                      <a:off x="2441443" y="1600200"/>
+                      <a:ext cx="1216152" cy="1588"/>
+                    </a:xfrm>
+                    <a:prstGeom prst="line">
+                      <a:avLst/>
+                    </a:prstGeom>
+                    <a:grpFill/>
+                    <a:ln w="12700" cap="flat" cmpd="sng" algn="ctr">
+                      <a:solidFill>
+                        <a:srgbClr val="400080"/>
+                      </a:solidFill>
+                      <a:prstDash val="solid"/>
+                      <a:round/>
+                      <a:headEnd type="none" w="med" len="med"/>
+                      <a:tailEnd type="none" w="med" len="med"/>
+                    </a:ln>
+                    <a:effectLst/>
+                  </p:spPr>
+                  <p:style>
+                    <a:lnRef idx="2">
+                      <a:schemeClr val="accent1"/>
+                    </a:lnRef>
+                    <a:fillRef idx="0">
+                      <a:schemeClr val="accent1"/>
+                    </a:fillRef>
+                    <a:effectRef idx="1">
+                      <a:schemeClr val="accent1"/>
+                    </a:effectRef>
+                    <a:fontRef idx="minor">
+                      <a:schemeClr val="tx1"/>
+                    </a:fontRef>
+                  </p:style>
+                </p:cxnSp>
+                <p:cxnSp>
+                  <p:nvCxnSpPr>
+                    <p:cNvPr id="298" name="Straight Connector 297"/>
+                    <p:cNvCxnSpPr/>
+                    <p:nvPr/>
+                  </p:nvCxnSpPr>
+                  <p:spPr>
+                    <a:xfrm>
+                      <a:off x="2441443" y="1449388"/>
+                      <a:ext cx="1216152" cy="1588"/>
+                    </a:xfrm>
+                    <a:prstGeom prst="line">
+                      <a:avLst/>
+                    </a:prstGeom>
+                    <a:grpFill/>
+                    <a:ln w="12700" cap="flat" cmpd="sng" algn="ctr">
+                      <a:solidFill>
+                        <a:srgbClr val="400080"/>
+                      </a:solidFill>
+                      <a:prstDash val="solid"/>
+                      <a:round/>
+                      <a:headEnd type="none" w="med" len="med"/>
+                      <a:tailEnd type="none" w="med" len="med"/>
+                    </a:ln>
+                    <a:effectLst/>
+                  </p:spPr>
+                  <p:style>
+                    <a:lnRef idx="2">
+                      <a:schemeClr val="accent1"/>
+                    </a:lnRef>
+                    <a:fillRef idx="0">
+                      <a:schemeClr val="accent1"/>
+                    </a:fillRef>
+                    <a:effectRef idx="1">
+                      <a:schemeClr val="accent1"/>
+                    </a:effectRef>
+                    <a:fontRef idx="minor">
+                      <a:schemeClr val="tx1"/>
+                    </a:fontRef>
+                  </p:style>
+                </p:cxnSp>
+                <p:cxnSp>
+                  <p:nvCxnSpPr>
+                    <p:cNvPr id="301" name="Straight Connector 300"/>
+                    <p:cNvCxnSpPr/>
+                    <p:nvPr/>
+                  </p:nvCxnSpPr>
+                  <p:spPr>
+                    <a:xfrm>
+                      <a:off x="2441443" y="1300957"/>
+                      <a:ext cx="1216152" cy="1588"/>
+                    </a:xfrm>
+                    <a:prstGeom prst="line">
+                      <a:avLst/>
+                    </a:prstGeom>
+                    <a:grpFill/>
+                    <a:ln w="3175" cap="flat" cmpd="sng" algn="ctr">
+                      <a:solidFill>
+                        <a:srgbClr val="400080"/>
+                      </a:solidFill>
+                      <a:prstDash val="solid"/>
+                      <a:round/>
+                      <a:headEnd type="none" w="med" len="med"/>
+                      <a:tailEnd type="none" w="med" len="med"/>
+                    </a:ln>
+                    <a:effectLst/>
+                  </p:spPr>
+                  <p:style>
+                    <a:lnRef idx="2">
+                      <a:schemeClr val="accent1"/>
+                    </a:lnRef>
+                    <a:fillRef idx="0">
+                      <a:schemeClr val="accent1"/>
+                    </a:fillRef>
+                    <a:effectRef idx="1">
+                      <a:schemeClr val="accent1"/>
+                    </a:effectRef>
+                    <a:fontRef idx="minor">
+                      <a:schemeClr val="tx1"/>
+                    </a:fontRef>
+                  </p:style>
+                </p:cxnSp>
+              </p:grpSp>
+              <p:cxnSp>
+                <p:nvCxnSpPr>
+                  <p:cNvPr id="253" name="Straight Connector 252"/>
+                  <p:cNvCxnSpPr/>
+                  <p:nvPr/>
+                </p:nvCxnSpPr>
+                <p:spPr>
+                  <a:xfrm rot="5400000" flipH="1" flipV="1">
+                    <a:off x="5638799" y="3810000"/>
+                    <a:ext cx="609600" cy="609600"/>
+                  </a:xfrm>
+                  <a:prstGeom prst="line">
+                    <a:avLst/>
+                  </a:prstGeom>
+                  <a:ln w="12700" cap="flat" cmpd="sng" algn="ctr">
+                    <a:solidFill>
+                      <a:srgbClr val="000000"/>
+                    </a:solidFill>
+                    <a:prstDash val="solid"/>
+                    <a:round/>
+                    <a:headEnd type="none" w="med" len="med"/>
+                    <a:tailEnd type="none" w="med" len="med"/>
+                  </a:ln>
+                  <a:effectLst/>
+                </p:spPr>
+                <p:style>
+                  <a:lnRef idx="2">
+                    <a:schemeClr val="accent1"/>
+                  </a:lnRef>
+                  <a:fillRef idx="0">
+                    <a:schemeClr val="accent1"/>
+                  </a:fillRef>
+                  <a:effectRef idx="1">
+                    <a:schemeClr val="accent1"/>
+                  </a:effectRef>
+                  <a:fontRef idx="minor">
+                    <a:schemeClr val="tx1"/>
+                  </a:fontRef>
+                </p:style>
+              </p:cxnSp>
+              <p:sp>
+                <p:nvSpPr>
+                  <p:cNvPr id="274" name="Rectangle 273"/>
+                  <p:cNvSpPr/>
+                  <p:nvPr/>
+                </p:nvSpPr>
+                <p:spPr>
+                  <a:xfrm>
+                    <a:off x="5638799" y="4416552"/>
+                    <a:ext cx="1219200" cy="612648"/>
+                  </a:xfrm>
+                  <a:prstGeom prst="rect">
+                    <a:avLst/>
+                  </a:prstGeom>
+                  <a:noFill/>
+                  <a:ln w="12700" cap="flat" cmpd="sng" algn="ctr">
+                    <a:solidFill>
+                      <a:schemeClr val="tx1"/>
+                    </a:solidFill>
+                    <a:prstDash val="solid"/>
+                    <a:round/>
+                    <a:headEnd type="none" w="med" len="med"/>
+                    <a:tailEnd type="none" w="med" len="med"/>
+                  </a:ln>
+                  <a:effectLst/>
+                </p:spPr>
+                <p:style>
+                  <a:lnRef idx="1">
+                    <a:schemeClr val="accent1"/>
+                  </a:lnRef>
+                  <a:fillRef idx="3">
+                    <a:schemeClr val="accent1"/>
+                  </a:fillRef>
+                  <a:effectRef idx="2">
+                    <a:schemeClr val="accent1"/>
+                  </a:effectRef>
+                  <a:fontRef idx="minor">
+                    <a:schemeClr val="lt1"/>
+                  </a:fontRef>
+                </p:style>
+                <p:txBody>
+                  <a:bodyPr rtlCol="0" anchor="ctr"/>
+                  <a:lstStyle/>
+                  <a:p>
+                    <a:pPr algn="ctr"/>
+                    <a:endParaRPr lang="en-US">
+                      <a:latin typeface="Times New Roman" panose="02020603050405020304" pitchFamily="18" charset="0"/>
+                      <a:cs typeface="Times New Roman" panose="02020603050405020304" pitchFamily="18" charset="0"/>
+                    </a:endParaRPr>
+                  </a:p>
+                </p:txBody>
+              </p:sp>
+              <p:cxnSp>
+                <p:nvCxnSpPr>
+                  <p:cNvPr id="254" name="Straight Connector 253"/>
+                  <p:cNvCxnSpPr/>
+                  <p:nvPr/>
+                </p:nvCxnSpPr>
+                <p:spPr>
+                  <a:xfrm rot="5400000" flipH="1" flipV="1">
+                    <a:off x="6857999" y="4419600"/>
+                    <a:ext cx="609600" cy="609600"/>
+                  </a:xfrm>
+                  <a:prstGeom prst="line">
+                    <a:avLst/>
+                  </a:prstGeom>
+                  <a:ln w="12700" cap="flat" cmpd="sng" algn="ctr">
+                    <a:solidFill>
+                      <a:srgbClr val="000000"/>
+                    </a:solidFill>
+                    <a:prstDash val="solid"/>
+                    <a:round/>
+                    <a:headEnd type="none" w="med" len="med"/>
+                    <a:tailEnd type="none" w="med" len="med"/>
+                  </a:ln>
+                  <a:effectLst/>
+                </p:spPr>
+                <p:style>
+                  <a:lnRef idx="2">
+                    <a:schemeClr val="accent1"/>
+                  </a:lnRef>
+                  <a:fillRef idx="0">
+                    <a:schemeClr val="accent1"/>
+                  </a:fillRef>
+                  <a:effectRef idx="1">
+                    <a:schemeClr val="accent1"/>
+                  </a:effectRef>
+                  <a:fontRef idx="minor">
+                    <a:schemeClr val="tx1"/>
+                  </a:fontRef>
+                </p:style>
+              </p:cxnSp>
+              <p:cxnSp>
+                <p:nvCxnSpPr>
+                  <p:cNvPr id="278" name="Straight Connector 277"/>
+                  <p:cNvCxnSpPr/>
+                  <p:nvPr/>
+                </p:nvCxnSpPr>
+                <p:spPr>
+                  <a:xfrm rot="5400000" flipH="1" flipV="1">
+                    <a:off x="6857999" y="3810000"/>
+                    <a:ext cx="609600" cy="609600"/>
+                  </a:xfrm>
+                  <a:prstGeom prst="line">
+                    <a:avLst/>
+                  </a:prstGeom>
+                  <a:ln w="12700" cap="flat" cmpd="sng" algn="ctr">
+                    <a:solidFill>
+                      <a:srgbClr val="000000"/>
+                    </a:solidFill>
+                    <a:prstDash val="solid"/>
+                    <a:round/>
+                    <a:headEnd type="none" w="med" len="med"/>
+                    <a:tailEnd type="none" w="med" len="med"/>
+                  </a:ln>
+                  <a:effectLst/>
+                </p:spPr>
+                <p:style>
+                  <a:lnRef idx="2">
+                    <a:schemeClr val="accent1"/>
+                  </a:lnRef>
+                  <a:fillRef idx="0">
+                    <a:schemeClr val="accent1"/>
+                  </a:fillRef>
+                  <a:effectRef idx="1">
+                    <a:schemeClr val="accent1"/>
+                  </a:effectRef>
+                  <a:fontRef idx="minor">
+                    <a:schemeClr val="tx1"/>
+                  </a:fontRef>
+                </p:style>
+              </p:cxnSp>
+            </p:grpSp>
+          </p:grpSp>
+          <p:grpSp>
+            <p:nvGrpSpPr>
+              <p:cNvPr id="56" name="Group 55"/>
+              <p:cNvGrpSpPr/>
+              <p:nvPr/>
+            </p:nvGrpSpPr>
+            <p:grpSpPr>
+              <a:xfrm>
+                <a:off x="3048000" y="3810000"/>
+                <a:ext cx="2347812" cy="1222248"/>
+                <a:chOff x="3048000" y="3806952"/>
+                <a:chExt cx="2347812" cy="1222248"/>
+              </a:xfrm>
+            </p:grpSpPr>
+            <p:cxnSp>
+              <p:nvCxnSpPr>
+                <p:cNvPr id="316" name="Straight Connector 315"/>
+                <p:cNvCxnSpPr/>
+                <p:nvPr/>
+              </p:nvCxnSpPr>
+              <p:spPr>
+                <a:xfrm rot="5400000" flipH="1" flipV="1">
+                  <a:off x="3048000" y="4419600"/>
+                  <a:ext cx="609600" cy="609600"/>
+                </a:xfrm>
+                <a:prstGeom prst="line">
+                  <a:avLst/>
+                </a:prstGeom>
+                <a:ln w="12700" cap="flat" cmpd="sng" algn="ctr">
+                  <a:solidFill>
+                    <a:srgbClr val="000000"/>
+                  </a:solidFill>
+                  <a:prstDash val="solid"/>
+                  <a:round/>
+                  <a:headEnd type="none" w="med" len="med"/>
+                  <a:tailEnd type="none" w="med" len="med"/>
+                </a:ln>
+                <a:effectLst/>
+              </p:spPr>
+              <p:style>
+                <a:lnRef idx="2">
+                  <a:schemeClr val="accent1"/>
+                </a:lnRef>
+                <a:fillRef idx="0">
+                  <a:schemeClr val="accent1"/>
+                </a:fillRef>
+                <a:effectRef idx="1">
+                  <a:schemeClr val="accent1"/>
+                </a:effectRef>
+                <a:fontRef idx="minor">
+                  <a:schemeClr val="tx1"/>
+                </a:fontRef>
+              </p:style>
+            </p:cxnSp>
+            <p:sp>
+              <p:nvSpPr>
+                <p:cNvPr id="219" name="Rectangle 218"/>
+                <p:cNvSpPr/>
+                <p:nvPr/>
+              </p:nvSpPr>
+              <p:spPr>
+                <a:xfrm>
+                  <a:off x="3048000" y="4419600"/>
+                  <a:ext cx="152400" cy="152400"/>
+                </a:xfrm>
+                <a:prstGeom prst="rect">
+                  <a:avLst/>
+                </a:prstGeom>
+                <a:solidFill>
+                  <a:srgbClr val="FF6666"/>
+                </a:solidFill>
+                <a:ln w="6350" cap="flat" cmpd="sng" algn="ctr">
+                  <a:solidFill>
+                    <a:srgbClr val="FF0000"/>
+                  </a:solidFill>
+                  <a:prstDash val="solid"/>
+                  <a:round/>
+                  <a:headEnd type="none" w="med" len="med"/>
+                  <a:tailEnd type="none" w="med" len="med"/>
+                </a:ln>
+                <a:effectLst/>
+              </p:spPr>
+              <p:style>
+                <a:lnRef idx="1">
+                  <a:schemeClr val="accent1"/>
+                </a:lnRef>
+                <a:fillRef idx="3">
+                  <a:schemeClr val="accent1"/>
+                </a:fillRef>
+                <a:effectRef idx="2">
+                  <a:schemeClr val="accent1"/>
+                </a:effectRef>
+                <a:fontRef idx="minor">
+                  <a:schemeClr val="lt1"/>
+                </a:fontRef>
+              </p:style>
+              <p:txBody>
+                <a:bodyPr rtlCol="0" anchor="ctr"/>
+                <a:lstStyle/>
+                <a:p>
+                  <a:pPr algn="ctr"/>
+                  <a:endParaRPr lang="en-US">
+                    <a:latin typeface="Times New Roman" panose="02020603050405020304" pitchFamily="18" charset="0"/>
+                    <a:cs typeface="Times New Roman" panose="02020603050405020304" pitchFamily="18" charset="0"/>
+                  </a:endParaRPr>
+                </a:p>
+              </p:txBody>
+            </p:sp>
+            <p:sp>
+              <p:nvSpPr>
+                <p:cNvPr id="220" name="Rectangle 219"/>
+                <p:cNvSpPr/>
+                <p:nvPr/>
+              </p:nvSpPr>
+              <p:spPr>
+                <a:xfrm>
+                  <a:off x="3200400" y="4572000"/>
+                  <a:ext cx="152400" cy="152400"/>
+                </a:xfrm>
+                <a:prstGeom prst="rect">
+                  <a:avLst/>
+                </a:prstGeom>
+                <a:solidFill>
+                  <a:srgbClr val="FF6666"/>
+                </a:solidFill>
+                <a:ln w="6350" cap="flat" cmpd="sng" algn="ctr">
+                  <a:solidFill>
+                    <a:srgbClr val="FF0000"/>
+                  </a:solidFill>
+                  <a:prstDash val="solid"/>
+                  <a:round/>
+                  <a:headEnd type="none" w="med" len="med"/>
+                  <a:tailEnd type="none" w="med" len="med"/>
+                </a:ln>
+                <a:effectLst/>
+              </p:spPr>
+              <p:style>
+                <a:lnRef idx="1">
+                  <a:schemeClr val="accent1"/>
+                </a:lnRef>
+                <a:fillRef idx="3">
+                  <a:schemeClr val="accent1"/>
+                </a:fillRef>
+                <a:effectRef idx="2">
+                  <a:schemeClr val="accent1"/>
+                </a:effectRef>
+                <a:fontRef idx="minor">
+                  <a:schemeClr val="lt1"/>
+                </a:fontRef>
+              </p:style>
+              <p:txBody>
+                <a:bodyPr rtlCol="0" anchor="ctr"/>
+                <a:lstStyle/>
+                <a:p>
+                  <a:pPr algn="ctr"/>
+                  <a:endParaRPr lang="en-US">
+                    <a:latin typeface="Times New Roman" panose="02020603050405020304" pitchFamily="18" charset="0"/>
+                    <a:cs typeface="Times New Roman" panose="02020603050405020304" pitchFamily="18" charset="0"/>
+                  </a:endParaRPr>
+                </a:p>
+              </p:txBody>
+            </p:sp>
+            <p:sp>
+              <p:nvSpPr>
+                <p:cNvPr id="221" name="Rectangle 220"/>
+                <p:cNvSpPr/>
+                <p:nvPr/>
+              </p:nvSpPr>
+              <p:spPr>
+                <a:xfrm>
+                  <a:off x="3352800" y="4724400"/>
+                  <a:ext cx="152400" cy="152400"/>
+                </a:xfrm>
+                <a:prstGeom prst="rect">
+                  <a:avLst/>
+                </a:prstGeom>
+                <a:solidFill>
+                  <a:srgbClr val="FF6666"/>
+                </a:solidFill>
+                <a:ln w="6350" cap="flat" cmpd="sng" algn="ctr">
+                  <a:solidFill>
+                    <a:srgbClr val="FF0000"/>
+                  </a:solidFill>
+                  <a:prstDash val="solid"/>
+                  <a:round/>
+                  <a:headEnd type="none" w="med" len="med"/>
+                  <a:tailEnd type="none" w="med" len="med"/>
+                </a:ln>
+                <a:effectLst/>
+              </p:spPr>
+              <p:style>
+                <a:lnRef idx="1">
+                  <a:schemeClr val="accent1"/>
+                </a:lnRef>
+                <a:fillRef idx="3">
+                  <a:schemeClr val="accent1"/>
+                </a:fillRef>
+                <a:effectRef idx="2">
+                  <a:schemeClr val="accent1"/>
+                </a:effectRef>
+                <a:fontRef idx="minor">
+                  <a:schemeClr val="lt1"/>
+                </a:fontRef>
+              </p:style>
+              <p:txBody>
+                <a:bodyPr rtlCol="0" anchor="ctr"/>
+                <a:lstStyle/>
+                <a:p>
+                  <a:pPr algn="ctr"/>
+                  <a:endParaRPr lang="en-US">
+                    <a:latin typeface="Times New Roman" panose="02020603050405020304" pitchFamily="18" charset="0"/>
+                    <a:cs typeface="Times New Roman" panose="02020603050405020304" pitchFamily="18" charset="0"/>
+                  </a:endParaRPr>
+                </a:p>
+              </p:txBody>
+            </p:sp>
+            <p:sp>
+              <p:nvSpPr>
+                <p:cNvPr id="222" name="Rectangle 221"/>
+                <p:cNvSpPr/>
+                <p:nvPr/>
+              </p:nvSpPr>
+              <p:spPr>
+                <a:xfrm>
+                  <a:off x="3505200" y="4876800"/>
+                  <a:ext cx="152400" cy="152400"/>
+                </a:xfrm>
+                <a:prstGeom prst="rect">
+                  <a:avLst/>
+                </a:prstGeom>
+                <a:solidFill>
+                  <a:srgbClr val="FF6666"/>
+                </a:solidFill>
+                <a:ln w="6350" cap="flat" cmpd="sng" algn="ctr">
+                  <a:solidFill>
+                    <a:srgbClr val="FF0000"/>
+                  </a:solidFill>
+                  <a:prstDash val="solid"/>
+                  <a:round/>
+                  <a:headEnd type="none" w="med" len="med"/>
+                  <a:tailEnd type="none" w="med" len="med"/>
+                </a:ln>
+                <a:effectLst/>
+              </p:spPr>
+              <p:style>
+                <a:lnRef idx="1">
+                  <a:schemeClr val="accent1"/>
+                </a:lnRef>
+                <a:fillRef idx="3">
+                  <a:schemeClr val="accent1"/>
+                </a:fillRef>
+                <a:effectRef idx="2">
+                  <a:schemeClr val="accent1"/>
+                </a:effectRef>
+                <a:fontRef idx="minor">
+                  <a:schemeClr val="lt1"/>
+                </a:fontRef>
+              </p:style>
+              <p:txBody>
+                <a:bodyPr rtlCol="0" anchor="ctr"/>
+                <a:lstStyle/>
+                <a:p>
+                  <a:pPr algn="ctr"/>
+                  <a:endParaRPr lang="en-US">
+                    <a:latin typeface="Times New Roman" panose="02020603050405020304" pitchFamily="18" charset="0"/>
+                    <a:cs typeface="Times New Roman" panose="02020603050405020304" pitchFamily="18" charset="0"/>
+                  </a:endParaRPr>
+                </a:p>
+              </p:txBody>
+            </p:sp>
+            <p:sp>
+              <p:nvSpPr>
+                <p:cNvPr id="227" name="Rectangle 226"/>
+                <p:cNvSpPr/>
+                <p:nvPr/>
+              </p:nvSpPr>
+              <p:spPr>
+                <a:xfrm>
+                  <a:off x="3200400" y="4419600"/>
+                  <a:ext cx="152400" cy="152400"/>
+                </a:xfrm>
+                <a:prstGeom prst="rect">
+                  <a:avLst/>
+                </a:prstGeom>
+                <a:solidFill>
+                  <a:srgbClr val="FFCC66"/>
+                </a:solidFill>
+                <a:ln w="6350" cap="flat" cmpd="sng" algn="ctr">
+                  <a:solidFill>
+                    <a:srgbClr val="FF8000"/>
+                  </a:solidFill>
+                  <a:prstDash val="solid"/>
+                  <a:round/>
+                  <a:headEnd type="none" w="med" len="med"/>
+                  <a:tailEnd type="none" w="med" len="med"/>
+                </a:ln>
+                <a:effectLst/>
+              </p:spPr>
+              <p:style>
+                <a:lnRef idx="1">
+                  <a:schemeClr val="accent1"/>
+                </a:lnRef>
+                <a:fillRef idx="3">
+                  <a:schemeClr val="accent1"/>
+                </a:fillRef>
+                <a:effectRef idx="2">
+                  <a:schemeClr val="accent1"/>
+                </a:effectRef>
+                <a:fontRef idx="minor">
+                  <a:schemeClr val="lt1"/>
+                </a:fontRef>
+              </p:style>
+              <p:txBody>
+                <a:bodyPr rtlCol="0" anchor="ctr"/>
+                <a:lstStyle/>
+                <a:p>
+                  <a:pPr algn="ctr"/>
+                  <a:endParaRPr lang="en-US">
+                    <a:latin typeface="Times New Roman" panose="02020603050405020304" pitchFamily="18" charset="0"/>
+                    <a:cs typeface="Times New Roman" panose="02020603050405020304" pitchFamily="18" charset="0"/>
+                  </a:endParaRPr>
+                </a:p>
+              </p:txBody>
+            </p:sp>
+            <p:sp>
+              <p:nvSpPr>
+                <p:cNvPr id="228" name="Rectangle 227"/>
+                <p:cNvSpPr/>
+                <p:nvPr/>
+              </p:nvSpPr>
+              <p:spPr>
+                <a:xfrm>
+                  <a:off x="3352800" y="4572000"/>
+                  <a:ext cx="152400" cy="152400"/>
+                </a:xfrm>
+                <a:prstGeom prst="rect">
+                  <a:avLst/>
+                </a:prstGeom>
+                <a:solidFill>
+                  <a:srgbClr val="FFCC66"/>
+                </a:solidFill>
+                <a:ln w="6350" cap="flat" cmpd="sng" algn="ctr">
+                  <a:solidFill>
+                    <a:srgbClr val="FF8000"/>
+                  </a:solidFill>
+                  <a:prstDash val="solid"/>
+                  <a:round/>
+                  <a:headEnd type="none" w="med" len="med"/>
+                  <a:tailEnd type="none" w="med" len="med"/>
+                </a:ln>
+                <a:effectLst/>
+              </p:spPr>
+              <p:style>
+                <a:lnRef idx="1">
+                  <a:schemeClr val="accent1"/>
+                </a:lnRef>
+                <a:fillRef idx="3">
+                  <a:schemeClr val="accent1"/>
+                </a:fillRef>
+                <a:effectRef idx="2">
+                  <a:schemeClr val="accent1"/>
+                </a:effectRef>
+                <a:fontRef idx="minor">
+                  <a:schemeClr val="lt1"/>
+                </a:fontRef>
+              </p:style>
+              <p:txBody>
+                <a:bodyPr rtlCol="0" anchor="ctr"/>
+                <a:lstStyle/>
+                <a:p>
+                  <a:pPr algn="ctr"/>
+                  <a:endParaRPr lang="en-US">
+                    <a:latin typeface="Times New Roman" panose="02020603050405020304" pitchFamily="18" charset="0"/>
+                    <a:cs typeface="Times New Roman" panose="02020603050405020304" pitchFamily="18" charset="0"/>
+                  </a:endParaRPr>
+                </a:p>
+              </p:txBody>
+            </p:sp>
+            <p:sp>
+              <p:nvSpPr>
+                <p:cNvPr id="229" name="Rectangle 228"/>
+                <p:cNvSpPr/>
+                <p:nvPr/>
+              </p:nvSpPr>
+              <p:spPr>
+                <a:xfrm>
+                  <a:off x="3505200" y="4724400"/>
+                  <a:ext cx="152400" cy="152400"/>
+                </a:xfrm>
+                <a:prstGeom prst="rect">
+                  <a:avLst/>
+                </a:prstGeom>
+                <a:solidFill>
+                  <a:srgbClr val="FFCC66"/>
+                </a:solidFill>
+                <a:ln w="6350" cap="flat" cmpd="sng" algn="ctr">
+                  <a:solidFill>
+                    <a:srgbClr val="FF8000"/>
+                  </a:solidFill>
+                  <a:prstDash val="solid"/>
+                  <a:round/>
+                  <a:headEnd type="none" w="med" len="med"/>
+                  <a:tailEnd type="none" w="med" len="med"/>
+                </a:ln>
+                <a:effectLst/>
+              </p:spPr>
+              <p:style>
+                <a:lnRef idx="1">
+                  <a:schemeClr val="accent1"/>
+                </a:lnRef>
+                <a:fillRef idx="3">
+                  <a:schemeClr val="accent1"/>
+                </a:fillRef>
+                <a:effectRef idx="2">
+                  <a:schemeClr val="accent1"/>
+                </a:effectRef>
+                <a:fontRef idx="minor">
+                  <a:schemeClr val="lt1"/>
+                </a:fontRef>
+              </p:style>
+              <p:txBody>
+                <a:bodyPr rtlCol="0" anchor="ctr"/>
+                <a:lstStyle/>
+                <a:p>
+                  <a:pPr algn="ctr"/>
+                  <a:endParaRPr lang="en-US">
+                    <a:latin typeface="Times New Roman" panose="02020603050405020304" pitchFamily="18" charset="0"/>
+                    <a:cs typeface="Times New Roman" panose="02020603050405020304" pitchFamily="18" charset="0"/>
+                  </a:endParaRPr>
+                </a:p>
+              </p:txBody>
+            </p:sp>
+            <p:sp>
+              <p:nvSpPr>
+                <p:cNvPr id="234" name="Rectangle 233"/>
+                <p:cNvSpPr/>
+                <p:nvPr/>
+              </p:nvSpPr>
+              <p:spPr>
+                <a:xfrm>
+                  <a:off x="3048000" y="4572000"/>
+                  <a:ext cx="152400" cy="152400"/>
+                </a:xfrm>
+                <a:prstGeom prst="rect">
+                  <a:avLst/>
+                </a:prstGeom>
+                <a:solidFill>
+                  <a:srgbClr val="66FF66"/>
+                </a:solidFill>
+                <a:ln w="6350" cap="flat" cmpd="sng" algn="ctr">
+                  <a:solidFill>
+                    <a:srgbClr val="00B050"/>
+                  </a:solidFill>
+                  <a:prstDash val="solid"/>
+                  <a:round/>
+                  <a:headEnd type="none" w="med" len="med"/>
+                  <a:tailEnd type="none" w="med" len="med"/>
+                </a:ln>
+                <a:effectLst/>
+              </p:spPr>
+              <p:style>
+                <a:lnRef idx="1">
+                  <a:schemeClr val="accent1"/>
+                </a:lnRef>
+                <a:fillRef idx="3">
+                  <a:schemeClr val="accent1"/>
+                </a:fillRef>
+                <a:effectRef idx="2">
+                  <a:schemeClr val="accent1"/>
+                </a:effectRef>
+                <a:fontRef idx="minor">
+                  <a:schemeClr val="lt1"/>
+                </a:fontRef>
+              </p:style>
+              <p:txBody>
+                <a:bodyPr rtlCol="0" anchor="ctr"/>
+                <a:lstStyle/>
+                <a:p>
+                  <a:pPr algn="ctr"/>
+                  <a:endParaRPr lang="en-US">
+                    <a:latin typeface="Times New Roman" panose="02020603050405020304" pitchFamily="18" charset="0"/>
+                    <a:cs typeface="Times New Roman" panose="02020603050405020304" pitchFamily="18" charset="0"/>
+                  </a:endParaRPr>
+                </a:p>
+              </p:txBody>
+            </p:sp>
+            <p:sp>
+              <p:nvSpPr>
+                <p:cNvPr id="235" name="Rectangle 234"/>
+                <p:cNvSpPr/>
+                <p:nvPr/>
+              </p:nvSpPr>
+              <p:spPr>
+                <a:xfrm>
+                  <a:off x="3200400" y="4724400"/>
+                  <a:ext cx="152400" cy="152400"/>
+                </a:xfrm>
+                <a:prstGeom prst="rect">
+                  <a:avLst/>
+                </a:prstGeom>
+                <a:solidFill>
+                  <a:srgbClr val="66FF66"/>
+                </a:solidFill>
+                <a:ln w="6350" cap="flat" cmpd="sng" algn="ctr">
+                  <a:solidFill>
+                    <a:srgbClr val="00B050"/>
+                  </a:solidFill>
+                  <a:prstDash val="solid"/>
+                  <a:round/>
+                  <a:headEnd type="none" w="med" len="med"/>
+                  <a:tailEnd type="none" w="med" len="med"/>
+                </a:ln>
+                <a:effectLst/>
+              </p:spPr>
+              <p:style>
+                <a:lnRef idx="1">
+                  <a:schemeClr val="accent1"/>
+                </a:lnRef>
+                <a:fillRef idx="3">
+                  <a:schemeClr val="accent1"/>
+                </a:fillRef>
+                <a:effectRef idx="2">
+                  <a:schemeClr val="accent1"/>
+                </a:effectRef>
+                <a:fontRef idx="minor">
+                  <a:schemeClr val="lt1"/>
+                </a:fontRef>
+              </p:style>
+              <p:txBody>
+                <a:bodyPr rtlCol="0" anchor="ctr"/>
+                <a:lstStyle/>
+                <a:p>
+                  <a:pPr algn="ctr"/>
+                  <a:endParaRPr lang="en-US">
+                    <a:latin typeface="Times New Roman" panose="02020603050405020304" pitchFamily="18" charset="0"/>
+                    <a:cs typeface="Times New Roman" panose="02020603050405020304" pitchFamily="18" charset="0"/>
+                  </a:endParaRPr>
+                </a:p>
+              </p:txBody>
+            </p:sp>
+            <p:sp>
+              <p:nvSpPr>
+                <p:cNvPr id="236" name="Rectangle 235"/>
+                <p:cNvSpPr/>
+                <p:nvPr/>
+              </p:nvSpPr>
+              <p:spPr>
+                <a:xfrm>
+                  <a:off x="3352800" y="4876800"/>
+                  <a:ext cx="152400" cy="152400"/>
+                </a:xfrm>
+                <a:prstGeom prst="rect">
+                  <a:avLst/>
+                </a:prstGeom>
+                <a:solidFill>
+                  <a:srgbClr val="66FF66"/>
+                </a:solidFill>
+                <a:ln w="6350" cap="flat" cmpd="sng" algn="ctr">
+                  <a:solidFill>
+                    <a:srgbClr val="00B050"/>
+                  </a:solidFill>
+                  <a:prstDash val="solid"/>
+                  <a:round/>
+                  <a:headEnd type="none" w="med" len="med"/>
+                  <a:tailEnd type="none" w="med" len="med"/>
+                </a:ln>
+                <a:effectLst/>
+              </p:spPr>
+              <p:style>
+                <a:lnRef idx="1">
+                  <a:schemeClr val="accent1"/>
+                </a:lnRef>
+                <a:fillRef idx="3">
+                  <a:schemeClr val="accent1"/>
+                </a:fillRef>
+                <a:effectRef idx="2">
+                  <a:schemeClr val="accent1"/>
+                </a:effectRef>
+                <a:fontRef idx="minor">
+                  <a:schemeClr val="lt1"/>
+                </a:fontRef>
+              </p:style>
+              <p:txBody>
+                <a:bodyPr rtlCol="0" anchor="ctr"/>
+                <a:lstStyle/>
+                <a:p>
+                  <a:pPr algn="ctr"/>
+                  <a:endParaRPr lang="en-US">
+                    <a:latin typeface="Times New Roman" panose="02020603050405020304" pitchFamily="18" charset="0"/>
+                    <a:cs typeface="Times New Roman" panose="02020603050405020304" pitchFamily="18" charset="0"/>
+                  </a:endParaRPr>
+                </a:p>
+              </p:txBody>
+            </p:sp>
+            <p:sp>
+              <p:nvSpPr>
+                <p:cNvPr id="288" name="Parallelogram 287"/>
+                <p:cNvSpPr/>
+                <p:nvPr/>
+              </p:nvSpPr>
+              <p:spPr>
+                <a:xfrm>
+                  <a:off x="3048000" y="3810000"/>
+                  <a:ext cx="762000" cy="609600"/>
+                </a:xfrm>
+                <a:prstGeom prst="parallelogram">
+                  <a:avLst>
+                    <a:gd name="adj" fmla="val 100000"/>
+                  </a:avLst>
+                </a:prstGeom>
+                <a:solidFill>
+                  <a:srgbClr val="FF6666"/>
+                </a:solidFill>
+                <a:ln w="3175" cap="flat" cmpd="sng" algn="ctr">
+                  <a:solidFill>
+                    <a:srgbClr val="FF0000"/>
+                  </a:solidFill>
+                  <a:prstDash val="solid"/>
+                  <a:round/>
+                  <a:headEnd type="none" w="med" len="med"/>
+                  <a:tailEnd type="none" w="med" len="med"/>
+                </a:ln>
+                <a:effectLst/>
+              </p:spPr>
+              <p:style>
+                <a:lnRef idx="1">
+                  <a:schemeClr val="accent1"/>
+                </a:lnRef>
+                <a:fillRef idx="3">
+                  <a:schemeClr val="accent1"/>
+                </a:fillRef>
+                <a:effectRef idx="2">
+                  <a:schemeClr val="accent1"/>
+                </a:effectRef>
+                <a:fontRef idx="minor">
+                  <a:schemeClr val="lt1"/>
+                </a:fontRef>
+              </p:style>
+              <p:txBody>
+                <a:bodyPr rtlCol="0" anchor="ctr"/>
+                <a:lstStyle/>
+                <a:p>
+                  <a:pPr algn="ctr"/>
+                  <a:endParaRPr lang="en-US">
+                    <a:latin typeface="Times New Roman" panose="02020603050405020304" pitchFamily="18" charset="0"/>
+                    <a:cs typeface="Times New Roman" panose="02020603050405020304" pitchFamily="18" charset="0"/>
+                  </a:endParaRPr>
+                </a:p>
+              </p:txBody>
+            </p:sp>
+            <p:grpSp>
+              <p:nvGrpSpPr>
+                <p:cNvPr id="12" name="Group 303"/>
+                <p:cNvGrpSpPr/>
+                <p:nvPr/>
+              </p:nvGrpSpPr>
+              <p:grpSpPr>
+                <a:xfrm>
+                  <a:off x="3200400" y="3810003"/>
+                  <a:ext cx="762000" cy="762000"/>
+                  <a:chOff x="2590800" y="3428999"/>
+                  <a:chExt cx="762000" cy="762000"/>
+                </a:xfrm>
+              </p:grpSpPr>
+              <p:sp>
+                <p:nvSpPr>
+                  <p:cNvPr id="305" name="Parallelogram 304"/>
+                  <p:cNvSpPr/>
+                  <p:nvPr/>
+                </p:nvSpPr>
+                <p:spPr>
+                  <a:xfrm>
+                    <a:off x="2590800" y="3429000"/>
+                    <a:ext cx="762000" cy="609600"/>
+                  </a:xfrm>
+                  <a:prstGeom prst="parallelogram">
+                    <a:avLst>
+                      <a:gd name="adj" fmla="val 100000"/>
+                    </a:avLst>
+                  </a:prstGeom>
+                  <a:solidFill>
+                    <a:srgbClr val="FFCC66"/>
+                  </a:solidFill>
+                  <a:ln w="6350" cap="flat" cmpd="sng" algn="ctr">
+                    <a:solidFill>
+                      <a:srgbClr val="FF8000"/>
+                    </a:solidFill>
+                    <a:prstDash val="solid"/>
+                    <a:round/>
+                    <a:headEnd type="none" w="med" len="med"/>
+                    <a:tailEnd type="none" w="med" len="med"/>
+                  </a:ln>
+                  <a:effectLst/>
+                </p:spPr>
+                <p:style>
+                  <a:lnRef idx="1">
+                    <a:schemeClr val="accent1"/>
+                  </a:lnRef>
+                  <a:fillRef idx="3">
+                    <a:schemeClr val="accent1"/>
+                  </a:fillRef>
+                  <a:effectRef idx="2">
+                    <a:schemeClr val="accent1"/>
+                  </a:effectRef>
+                  <a:fontRef idx="minor">
+                    <a:schemeClr val="lt1"/>
+                  </a:fontRef>
+                </p:style>
+                <p:txBody>
+                  <a:bodyPr rtlCol="0" anchor="ctr"/>
+                  <a:lstStyle/>
+                  <a:p>
+                    <a:pPr algn="ctr"/>
+                    <a:endParaRPr lang="en-US">
+                      <a:latin typeface="Times New Roman" panose="02020603050405020304" pitchFamily="18" charset="0"/>
+                      <a:cs typeface="Times New Roman" panose="02020603050405020304" pitchFamily="18" charset="0"/>
+                    </a:endParaRPr>
+                  </a:p>
+                </p:txBody>
+              </p:sp>
+              <p:sp>
+                <p:nvSpPr>
+                  <p:cNvPr id="306" name="Parallelogram 305"/>
+                  <p:cNvSpPr/>
+                  <p:nvPr/>
+                </p:nvSpPr>
+                <p:spPr>
+                  <a:xfrm rot="5400000" flipV="1">
+                    <a:off x="2667000" y="3505199"/>
+                    <a:ext cx="762000" cy="609600"/>
+                  </a:xfrm>
+                  <a:prstGeom prst="parallelogram">
+                    <a:avLst>
+                      <a:gd name="adj" fmla="val 99479"/>
+                    </a:avLst>
+                  </a:prstGeom>
+                  <a:solidFill>
+                    <a:srgbClr val="FFCC66"/>
+                  </a:solidFill>
+                  <a:ln w="6350" cap="flat" cmpd="sng" algn="ctr">
+                    <a:solidFill>
+                      <a:srgbClr val="FF8000"/>
+                    </a:solidFill>
+                    <a:prstDash val="solid"/>
+                    <a:round/>
+                    <a:headEnd type="none" w="med" len="med"/>
+                    <a:tailEnd type="none" w="med" len="med"/>
+                  </a:ln>
+                  <a:effectLst/>
+                </p:spPr>
+                <p:style>
+                  <a:lnRef idx="1">
+                    <a:schemeClr val="accent1"/>
+                  </a:lnRef>
+                  <a:fillRef idx="3">
+                    <a:schemeClr val="accent1"/>
+                  </a:fillRef>
+                  <a:effectRef idx="2">
+                    <a:schemeClr val="accent1"/>
+                  </a:effectRef>
+                  <a:fontRef idx="minor">
+                    <a:schemeClr val="lt1"/>
+                  </a:fontRef>
+                </p:style>
+                <p:txBody>
+                  <a:bodyPr rtlCol="0" anchor="ctr"/>
+                  <a:lstStyle/>
+                  <a:p>
+                    <a:pPr algn="ctr"/>
+                    <a:endParaRPr lang="en-US">
+                      <a:latin typeface="Times New Roman" panose="02020603050405020304" pitchFamily="18" charset="0"/>
+                      <a:cs typeface="Times New Roman" panose="02020603050405020304" pitchFamily="18" charset="0"/>
+                    </a:endParaRPr>
+                  </a:p>
+                </p:txBody>
+              </p:sp>
+            </p:grpSp>
+            <p:grpSp>
+              <p:nvGrpSpPr>
+                <p:cNvPr id="13" name="Group 306"/>
+                <p:cNvGrpSpPr/>
+                <p:nvPr/>
+              </p:nvGrpSpPr>
+              <p:grpSpPr>
+                <a:xfrm>
+                  <a:off x="3352800" y="3962404"/>
+                  <a:ext cx="762000" cy="762000"/>
+                  <a:chOff x="2590800" y="3428999"/>
+                  <a:chExt cx="762000" cy="762000"/>
+                </a:xfrm>
+              </p:grpSpPr>
+              <p:sp>
+                <p:nvSpPr>
+                  <p:cNvPr id="308" name="Parallelogram 307"/>
+                  <p:cNvSpPr/>
+                  <p:nvPr/>
+                </p:nvSpPr>
+                <p:spPr>
+                  <a:xfrm>
+                    <a:off x="2590800" y="3429000"/>
+                    <a:ext cx="762000" cy="609600"/>
+                  </a:xfrm>
+                  <a:prstGeom prst="parallelogram">
+                    <a:avLst>
+                      <a:gd name="adj" fmla="val 100000"/>
+                    </a:avLst>
+                  </a:prstGeom>
+                  <a:solidFill>
+                    <a:srgbClr val="FFCC66"/>
+                  </a:solidFill>
+                  <a:ln w="6350" cap="flat" cmpd="sng" algn="ctr">
+                    <a:solidFill>
+                      <a:srgbClr val="FF8000"/>
+                    </a:solidFill>
+                    <a:prstDash val="solid"/>
+                    <a:round/>
+                    <a:headEnd type="none" w="med" len="med"/>
+                    <a:tailEnd type="none" w="med" len="med"/>
+                  </a:ln>
+                  <a:effectLst/>
+                </p:spPr>
+                <p:style>
+                  <a:lnRef idx="1">
+                    <a:schemeClr val="accent1"/>
+                  </a:lnRef>
+                  <a:fillRef idx="3">
+                    <a:schemeClr val="accent1"/>
+                  </a:fillRef>
+                  <a:effectRef idx="2">
+                    <a:schemeClr val="accent1"/>
+                  </a:effectRef>
+                  <a:fontRef idx="minor">
+                    <a:schemeClr val="lt1"/>
+                  </a:fontRef>
+                </p:style>
+                <p:txBody>
+                  <a:bodyPr rtlCol="0" anchor="ctr"/>
+                  <a:lstStyle/>
+                  <a:p>
+                    <a:pPr algn="ctr"/>
+                    <a:endParaRPr lang="en-US">
+                      <a:latin typeface="Times New Roman" panose="02020603050405020304" pitchFamily="18" charset="0"/>
+                      <a:cs typeface="Times New Roman" panose="02020603050405020304" pitchFamily="18" charset="0"/>
+                    </a:endParaRPr>
+                  </a:p>
+                </p:txBody>
+              </p:sp>
+              <p:sp>
+                <p:nvSpPr>
+                  <p:cNvPr id="309" name="Parallelogram 308"/>
+                  <p:cNvSpPr/>
+                  <p:nvPr/>
+                </p:nvSpPr>
+                <p:spPr>
+                  <a:xfrm rot="5400000" flipV="1">
+                    <a:off x="2667000" y="3505199"/>
+                    <a:ext cx="762000" cy="609600"/>
+                  </a:xfrm>
+                  <a:prstGeom prst="parallelogram">
+                    <a:avLst>
+                      <a:gd name="adj" fmla="val 99479"/>
+                    </a:avLst>
+                  </a:prstGeom>
+                  <a:solidFill>
+                    <a:srgbClr val="FFCC66"/>
+                  </a:solidFill>
+                  <a:ln w="6350" cap="flat" cmpd="sng" algn="ctr">
+                    <a:solidFill>
+                      <a:srgbClr val="FF8000"/>
+                    </a:solidFill>
+                    <a:prstDash val="solid"/>
+                    <a:round/>
+                    <a:headEnd type="none" w="med" len="med"/>
+                    <a:tailEnd type="none" w="med" len="med"/>
+                  </a:ln>
+                  <a:effectLst/>
+                </p:spPr>
+                <p:style>
+                  <a:lnRef idx="1">
+                    <a:schemeClr val="accent1"/>
+                  </a:lnRef>
+                  <a:fillRef idx="3">
+                    <a:schemeClr val="accent1"/>
+                  </a:fillRef>
+                  <a:effectRef idx="2">
+                    <a:schemeClr val="accent1"/>
+                  </a:effectRef>
+                  <a:fontRef idx="minor">
+                    <a:schemeClr val="lt1"/>
+                  </a:fontRef>
+                </p:style>
+                <p:txBody>
+                  <a:bodyPr rtlCol="0" anchor="ctr"/>
+                  <a:lstStyle/>
+                  <a:p>
+                    <a:pPr algn="ctr"/>
+                    <a:endParaRPr lang="en-US">
+                      <a:latin typeface="Times New Roman" panose="02020603050405020304" pitchFamily="18" charset="0"/>
+                      <a:cs typeface="Times New Roman" panose="02020603050405020304" pitchFamily="18" charset="0"/>
+                    </a:endParaRPr>
+                  </a:p>
+                </p:txBody>
+              </p:sp>
+            </p:grpSp>
+            <p:grpSp>
+              <p:nvGrpSpPr>
+                <p:cNvPr id="14" name="Group 309"/>
+                <p:cNvGrpSpPr/>
+                <p:nvPr/>
+              </p:nvGrpSpPr>
+              <p:grpSpPr>
+                <a:xfrm>
+                  <a:off x="3505200" y="4114805"/>
+                  <a:ext cx="762000" cy="762000"/>
+                  <a:chOff x="2590800" y="3428999"/>
+                  <a:chExt cx="762000" cy="762000"/>
+                </a:xfrm>
+              </p:grpSpPr>
+              <p:sp>
+                <p:nvSpPr>
+                  <p:cNvPr id="311" name="Parallelogram 310"/>
+                  <p:cNvSpPr/>
+                  <p:nvPr/>
+                </p:nvSpPr>
+                <p:spPr>
+                  <a:xfrm>
+                    <a:off x="2590800" y="3429000"/>
+                    <a:ext cx="762000" cy="609600"/>
+                  </a:xfrm>
+                  <a:prstGeom prst="parallelogram">
+                    <a:avLst>
+                      <a:gd name="adj" fmla="val 100000"/>
+                    </a:avLst>
+                  </a:prstGeom>
+                  <a:solidFill>
+                    <a:srgbClr val="FFCC66"/>
+                  </a:solidFill>
+                  <a:ln w="6350" cap="flat" cmpd="sng" algn="ctr">
+                    <a:solidFill>
+                      <a:srgbClr val="FF8000"/>
+                    </a:solidFill>
+                    <a:prstDash val="solid"/>
+                    <a:round/>
+                    <a:headEnd type="none" w="med" len="med"/>
+                    <a:tailEnd type="none" w="med" len="med"/>
+                  </a:ln>
+                  <a:effectLst/>
+                </p:spPr>
+                <p:style>
+                  <a:lnRef idx="1">
+                    <a:schemeClr val="accent1"/>
+                  </a:lnRef>
+                  <a:fillRef idx="3">
+                    <a:schemeClr val="accent1"/>
+                  </a:fillRef>
+                  <a:effectRef idx="2">
+                    <a:schemeClr val="accent1"/>
+                  </a:effectRef>
+                  <a:fontRef idx="minor">
+                    <a:schemeClr val="lt1"/>
+                  </a:fontRef>
+                </p:style>
+                <p:txBody>
+                  <a:bodyPr rtlCol="0" anchor="ctr"/>
+                  <a:lstStyle/>
+                  <a:p>
+                    <a:pPr algn="ctr"/>
+                    <a:endParaRPr lang="en-US">
+                      <a:latin typeface="Times New Roman" panose="02020603050405020304" pitchFamily="18" charset="0"/>
+                      <a:cs typeface="Times New Roman" panose="02020603050405020304" pitchFamily="18" charset="0"/>
+                    </a:endParaRPr>
+                  </a:p>
+                </p:txBody>
+              </p:sp>
+              <p:sp>
+                <p:nvSpPr>
+                  <p:cNvPr id="312" name="Parallelogram 311"/>
+                  <p:cNvSpPr/>
+                  <p:nvPr/>
+                </p:nvSpPr>
+                <p:spPr>
+                  <a:xfrm rot="5400000" flipV="1">
+                    <a:off x="2667000" y="3505199"/>
+                    <a:ext cx="762000" cy="609600"/>
+                  </a:xfrm>
+                  <a:prstGeom prst="parallelogram">
+                    <a:avLst>
+                      <a:gd name="adj" fmla="val 99479"/>
+                    </a:avLst>
+                  </a:prstGeom>
+                  <a:solidFill>
+                    <a:srgbClr val="FFCC66"/>
+                  </a:solidFill>
+                  <a:ln w="6350" cap="flat" cmpd="sng" algn="ctr">
+                    <a:solidFill>
+                      <a:srgbClr val="FF8000"/>
+                    </a:solidFill>
+                    <a:prstDash val="solid"/>
+                    <a:round/>
+                    <a:headEnd type="none" w="med" len="med"/>
+                    <a:tailEnd type="none" w="med" len="med"/>
+                  </a:ln>
+                  <a:effectLst/>
+                </p:spPr>
+                <p:style>
+                  <a:lnRef idx="1">
+                    <a:schemeClr val="accent1"/>
+                  </a:lnRef>
+                  <a:fillRef idx="3">
+                    <a:schemeClr val="accent1"/>
+                  </a:fillRef>
+                  <a:effectRef idx="2">
+                    <a:schemeClr val="accent1"/>
+                  </a:effectRef>
+                  <a:fontRef idx="minor">
+                    <a:schemeClr val="lt1"/>
+                  </a:fontRef>
+                </p:style>
+                <p:txBody>
+                  <a:bodyPr rtlCol="0" anchor="ctr"/>
+                  <a:lstStyle/>
+                  <a:p>
+                    <a:pPr algn="ctr"/>
+                    <a:endParaRPr lang="en-US">
+                      <a:latin typeface="Times New Roman" panose="02020603050405020304" pitchFamily="18" charset="0"/>
+                      <a:cs typeface="Times New Roman" panose="02020603050405020304" pitchFamily="18" charset="0"/>
+                    </a:endParaRPr>
+                  </a:p>
+                </p:txBody>
+              </p:sp>
+            </p:grpSp>
+            <p:sp>
+              <p:nvSpPr>
+                <p:cNvPr id="315" name="Parallelogram 314"/>
+                <p:cNvSpPr/>
+                <p:nvPr/>
+              </p:nvSpPr>
+              <p:spPr>
+                <a:xfrm rot="5400000" flipV="1">
+                  <a:off x="3581400" y="4343400"/>
+                  <a:ext cx="762000" cy="609600"/>
+                </a:xfrm>
+                <a:prstGeom prst="parallelogram">
+                  <a:avLst>
+                    <a:gd name="adj" fmla="val 99479"/>
+                  </a:avLst>
+                </a:prstGeom>
+                <a:solidFill>
+                  <a:srgbClr val="FF6666"/>
+                </a:solidFill>
+                <a:ln w="3175" cap="flat" cmpd="sng" algn="ctr">
+                  <a:solidFill>
+                    <a:srgbClr val="FF0000"/>
+                  </a:solidFill>
+                  <a:prstDash val="solid"/>
+                  <a:round/>
+                  <a:headEnd type="none" w="med" len="med"/>
+                  <a:tailEnd type="none" w="med" len="med"/>
+                </a:ln>
+                <a:effectLst/>
+              </p:spPr>
+              <p:style>
+                <a:lnRef idx="1">
+                  <a:schemeClr val="accent1"/>
+                </a:lnRef>
+                <a:fillRef idx="3">
+                  <a:schemeClr val="accent1"/>
+                </a:fillRef>
+                <a:effectRef idx="2">
+                  <a:schemeClr val="accent1"/>
+                </a:effectRef>
+                <a:fontRef idx="minor">
+                  <a:schemeClr val="lt1"/>
+                </a:fontRef>
+              </p:style>
+              <p:txBody>
+                <a:bodyPr rtlCol="0" anchor="ctr"/>
+                <a:lstStyle/>
+                <a:p>
+                  <a:pPr algn="ctr"/>
+                  <a:endParaRPr lang="en-US">
+                    <a:latin typeface="Times New Roman" panose="02020603050405020304" pitchFamily="18" charset="0"/>
+                    <a:cs typeface="Times New Roman" panose="02020603050405020304" pitchFamily="18" charset="0"/>
+                  </a:endParaRPr>
+                </a:p>
+              </p:txBody>
+            </p:sp>
+            <p:cxnSp>
+              <p:nvCxnSpPr>
+                <p:cNvPr id="287" name="Straight Connector 286"/>
+                <p:cNvCxnSpPr/>
+                <p:nvPr/>
+              </p:nvCxnSpPr>
+              <p:spPr>
+                <a:xfrm rot="5400000" flipH="1" flipV="1">
+                  <a:off x="3657600" y="4419600"/>
+                  <a:ext cx="609600" cy="609600"/>
+                </a:xfrm>
+                <a:prstGeom prst="line">
+                  <a:avLst/>
+                </a:prstGeom>
+                <a:ln w="3175" cap="flat" cmpd="sng" algn="ctr">
+                  <a:solidFill>
+                    <a:srgbClr val="000000"/>
+                  </a:solidFill>
+                  <a:prstDash val="solid"/>
+                  <a:round/>
+                  <a:headEnd type="none" w="med" len="med"/>
+                  <a:tailEnd type="none" w="med" len="med"/>
+                </a:ln>
+                <a:effectLst/>
+              </p:spPr>
+              <p:style>
+                <a:lnRef idx="2">
+                  <a:schemeClr val="accent1"/>
+                </a:lnRef>
+                <a:fillRef idx="0">
+                  <a:schemeClr val="accent1"/>
+                </a:fillRef>
+                <a:effectRef idx="1">
+                  <a:schemeClr val="accent1"/>
+                </a:effectRef>
+                <a:fontRef idx="minor">
+                  <a:schemeClr val="tx1"/>
+                </a:fontRef>
+              </p:style>
+            </p:cxnSp>
+            <p:sp>
+              <p:nvSpPr>
+                <p:cNvPr id="237" name="Rectangle 236"/>
+                <p:cNvSpPr/>
+                <p:nvPr/>
+              </p:nvSpPr>
+              <p:spPr>
+                <a:xfrm>
+                  <a:off x="3050381" y="4416552"/>
+                  <a:ext cx="604171" cy="612648"/>
+                </a:xfrm>
+                <a:prstGeom prst="rect">
+                  <a:avLst/>
+                </a:prstGeom>
+                <a:noFill/>
+                <a:ln w="12700" cap="flat" cmpd="sng" algn="ctr">
+                  <a:solidFill>
+                    <a:schemeClr val="tx1"/>
+                  </a:solidFill>
+                  <a:prstDash val="solid"/>
+                  <a:round/>
+                  <a:headEnd type="none" w="med" len="med"/>
+                  <a:tailEnd type="none" w="med" len="med"/>
+                </a:ln>
+                <a:effectLst/>
+              </p:spPr>
+              <p:style>
+                <a:lnRef idx="1">
+                  <a:schemeClr val="accent1"/>
+                </a:lnRef>
+                <a:fillRef idx="3">
+                  <a:schemeClr val="accent1"/>
+                </a:fillRef>
+                <a:effectRef idx="2">
+                  <a:schemeClr val="accent1"/>
+                </a:effectRef>
+                <a:fontRef idx="minor">
+                  <a:schemeClr val="lt1"/>
+                </a:fontRef>
+              </p:style>
+              <p:txBody>
+                <a:bodyPr rtlCol="0" anchor="ctr"/>
+                <a:lstStyle/>
+                <a:p>
+                  <a:pPr algn="ctr"/>
+                  <a:endParaRPr lang="en-US">
+                    <a:latin typeface="Times New Roman" panose="02020603050405020304" pitchFamily="18" charset="0"/>
+                    <a:cs typeface="Times New Roman" panose="02020603050405020304" pitchFamily="18" charset="0"/>
+                  </a:endParaRPr>
+                </a:p>
+              </p:txBody>
+            </p:sp>
+            <p:cxnSp>
+              <p:nvCxnSpPr>
+                <p:cNvPr id="282" name="Straight Connector 281"/>
+                <p:cNvCxnSpPr/>
+                <p:nvPr/>
+              </p:nvCxnSpPr>
+              <p:spPr>
+                <a:xfrm rot="5400000" flipH="1" flipV="1">
+                  <a:off x="3048000" y="3810000"/>
+                  <a:ext cx="609600" cy="609600"/>
+                </a:xfrm>
+                <a:prstGeom prst="line">
+                  <a:avLst/>
+                </a:prstGeom>
+                <a:ln w="12700" cap="flat" cmpd="sng" algn="ctr">
+                  <a:solidFill>
+                    <a:srgbClr val="000000"/>
+                  </a:solidFill>
+                  <a:prstDash val="solid"/>
+                  <a:round/>
+                  <a:headEnd type="none" w="med" len="med"/>
+                  <a:tailEnd type="none" w="med" len="med"/>
+                </a:ln>
+                <a:effectLst/>
+              </p:spPr>
+              <p:style>
+                <a:lnRef idx="2">
+                  <a:schemeClr val="accent1"/>
+                </a:lnRef>
+                <a:fillRef idx="0">
+                  <a:schemeClr val="accent1"/>
+                </a:fillRef>
+                <a:effectRef idx="1">
+                  <a:schemeClr val="accent1"/>
+                </a:effectRef>
+                <a:fontRef idx="minor">
+                  <a:schemeClr val="tx1"/>
+                </a:fontRef>
+              </p:style>
+            </p:cxnSp>
+            <p:cxnSp>
+              <p:nvCxnSpPr>
+                <p:cNvPr id="283" name="Straight Connector 282"/>
+                <p:cNvCxnSpPr/>
+                <p:nvPr/>
+              </p:nvCxnSpPr>
+              <p:spPr>
+                <a:xfrm rot="5400000" flipH="1" flipV="1">
+                  <a:off x="3657599" y="3810000"/>
+                  <a:ext cx="609600" cy="609600"/>
+                </a:xfrm>
+                <a:prstGeom prst="line">
+                  <a:avLst/>
+                </a:prstGeom>
+                <a:ln w="12700" cap="flat" cmpd="sng" algn="ctr">
+                  <a:solidFill>
+                    <a:srgbClr val="000000"/>
+                  </a:solidFill>
+                  <a:prstDash val="solid"/>
+                  <a:round/>
+                  <a:headEnd type="none" w="med" len="med"/>
+                  <a:tailEnd type="none" w="med" len="med"/>
+                </a:ln>
+                <a:effectLst/>
+              </p:spPr>
+              <p:style>
+                <a:lnRef idx="2">
+                  <a:schemeClr val="accent1"/>
+                </a:lnRef>
+                <a:fillRef idx="0">
+                  <a:schemeClr val="accent1"/>
+                </a:fillRef>
+                <a:effectRef idx="1">
+                  <a:schemeClr val="accent1"/>
+                </a:effectRef>
+                <a:fontRef idx="minor">
+                  <a:schemeClr val="tx1"/>
+                </a:fontRef>
+              </p:style>
+            </p:cxnSp>
+            <p:cxnSp>
+              <p:nvCxnSpPr>
+                <p:cNvPr id="317" name="Straight Connector 316"/>
+                <p:cNvCxnSpPr/>
+                <p:nvPr/>
+              </p:nvCxnSpPr>
+              <p:spPr>
+                <a:xfrm flipH="1">
+                  <a:off x="3654552" y="3810002"/>
+                  <a:ext cx="612649" cy="0"/>
+                </a:xfrm>
+                <a:prstGeom prst="line">
+                  <a:avLst/>
+                </a:prstGeom>
+                <a:ln w="12700" cap="flat" cmpd="sng" algn="ctr">
+                  <a:solidFill>
+                    <a:srgbClr val="000000"/>
+                  </a:solidFill>
+                  <a:prstDash val="solid"/>
+                  <a:round/>
+                  <a:headEnd type="none" w="med" len="med"/>
+                  <a:tailEnd type="none" w="med" len="med"/>
+                </a:ln>
+                <a:effectLst/>
+              </p:spPr>
+              <p:style>
+                <a:lnRef idx="2">
+                  <a:schemeClr val="accent1"/>
+                </a:lnRef>
+                <a:fillRef idx="0">
+                  <a:schemeClr val="accent1"/>
+                </a:fillRef>
+                <a:effectRef idx="1">
+                  <a:schemeClr val="accent1"/>
+                </a:effectRef>
+                <a:fontRef idx="minor">
+                  <a:schemeClr val="tx1"/>
+                </a:fontRef>
+              </p:style>
+            </p:cxnSp>
+            <p:cxnSp>
+              <p:nvCxnSpPr>
+                <p:cNvPr id="321" name="Straight Connector 320"/>
+                <p:cNvCxnSpPr/>
+                <p:nvPr/>
+              </p:nvCxnSpPr>
+              <p:spPr>
+                <a:xfrm flipV="1">
+                  <a:off x="4267201" y="3810000"/>
+                  <a:ext cx="0" cy="610396"/>
+                </a:xfrm>
+                <a:prstGeom prst="line">
+                  <a:avLst/>
+                </a:prstGeom>
+                <a:ln w="12700" cap="flat" cmpd="sng" algn="ctr">
+                  <a:solidFill>
+                    <a:srgbClr val="000000"/>
+                  </a:solidFill>
+                  <a:prstDash val="solid"/>
+                  <a:round/>
+                  <a:headEnd type="none" w="med" len="med"/>
+                  <a:tailEnd type="none" w="med" len="med"/>
+                </a:ln>
+                <a:effectLst/>
+              </p:spPr>
+              <p:style>
+                <a:lnRef idx="2">
+                  <a:schemeClr val="accent1"/>
+                </a:lnRef>
+                <a:fillRef idx="0">
+                  <a:schemeClr val="accent1"/>
+                </a:fillRef>
+                <a:effectRef idx="1">
+                  <a:schemeClr val="accent1"/>
+                </a:effectRef>
+                <a:fontRef idx="minor">
+                  <a:schemeClr val="tx1"/>
+                </a:fontRef>
+              </p:style>
+            </p:cxnSp>
+            <p:grpSp>
+              <p:nvGrpSpPr>
+                <p:cNvPr id="15" name="Group 436"/>
+                <p:cNvGrpSpPr/>
+                <p:nvPr/>
+              </p:nvGrpSpPr>
+              <p:grpSpPr>
+                <a:xfrm>
+                  <a:off x="3962400" y="3806952"/>
+                  <a:ext cx="765175" cy="1222248"/>
+                  <a:chOff x="4343400" y="5635752"/>
+                  <a:chExt cx="765175" cy="1222248"/>
+                </a:xfrm>
+                <a:solidFill>
+                  <a:srgbClr val="CC66FF"/>
+                </a:solidFill>
+              </p:grpSpPr>
+              <p:sp>
+                <p:nvSpPr>
+                  <p:cNvPr id="378" name="Parallelogram 377"/>
+                  <p:cNvSpPr/>
+                  <p:nvPr/>
+                </p:nvSpPr>
+                <p:spPr>
+                  <a:xfrm rot="5400000" flipH="1">
+                    <a:off x="4189476" y="5942076"/>
+                    <a:ext cx="1222248" cy="609600"/>
+                  </a:xfrm>
+                  <a:prstGeom prst="parallelogram">
+                    <a:avLst>
+                      <a:gd name="adj" fmla="val 100521"/>
+                    </a:avLst>
+                  </a:prstGeom>
+                  <a:grpFill/>
+                  <a:ln w="12700" cap="flat" cmpd="sng" algn="ctr">
+                    <a:solidFill>
+                      <a:srgbClr val="400080"/>
+                    </a:solidFill>
+                    <a:prstDash val="solid"/>
+                    <a:round/>
+                    <a:headEnd type="none" w="med" len="med"/>
+                    <a:tailEnd type="none" w="med" len="med"/>
+                  </a:ln>
+                  <a:effectLst/>
+                </p:spPr>
+                <p:style>
+                  <a:lnRef idx="1">
+                    <a:schemeClr val="accent1"/>
+                  </a:lnRef>
+                  <a:fillRef idx="3">
+                    <a:schemeClr val="accent1"/>
+                  </a:fillRef>
+                  <a:effectRef idx="2">
+                    <a:schemeClr val="accent1"/>
+                  </a:effectRef>
+                  <a:fontRef idx="minor">
+                    <a:schemeClr val="lt1"/>
+                  </a:fontRef>
+                </p:style>
+                <p:txBody>
+                  <a:bodyPr rtlCol="0" anchor="ctr"/>
+                  <a:lstStyle/>
+                  <a:p>
+                    <a:pPr algn="ctr"/>
+                    <a:endParaRPr lang="en-US">
+                      <a:latin typeface="Times New Roman" panose="02020603050405020304" pitchFamily="18" charset="0"/>
+                      <a:cs typeface="Times New Roman" panose="02020603050405020304" pitchFamily="18" charset="0"/>
+                    </a:endParaRPr>
+                  </a:p>
+                </p:txBody>
+              </p:sp>
+              <p:sp>
+                <p:nvSpPr>
+                  <p:cNvPr id="379" name="Parallelogram 378"/>
+                  <p:cNvSpPr/>
+                  <p:nvPr/>
+                </p:nvSpPr>
+                <p:spPr>
+                  <a:xfrm>
+                    <a:off x="4346580" y="5638800"/>
+                    <a:ext cx="761995" cy="609600"/>
+                  </a:xfrm>
+                  <a:prstGeom prst="parallelogram">
+                    <a:avLst>
+                      <a:gd name="adj" fmla="val 100521"/>
+                    </a:avLst>
+                  </a:prstGeom>
+                  <a:grpFill/>
+                  <a:ln w="12700" cap="flat" cmpd="sng" algn="ctr">
+                    <a:solidFill>
+                      <a:srgbClr val="400080"/>
+                    </a:solidFill>
+                    <a:prstDash val="solid"/>
+                    <a:round/>
+                    <a:headEnd type="none" w="med" len="med"/>
+                    <a:tailEnd type="none" w="med" len="med"/>
+                  </a:ln>
+                  <a:effectLst/>
+                </p:spPr>
+                <p:style>
+                  <a:lnRef idx="1">
+                    <a:schemeClr val="accent1"/>
+                  </a:lnRef>
+                  <a:fillRef idx="3">
+                    <a:schemeClr val="accent1"/>
+                  </a:fillRef>
+                  <a:effectRef idx="2">
+                    <a:schemeClr val="accent1"/>
+                  </a:effectRef>
+                  <a:fontRef idx="minor">
+                    <a:schemeClr val="lt1"/>
+                  </a:fontRef>
+                </p:style>
+                <p:txBody>
+                  <a:bodyPr rtlCol="0" anchor="ctr"/>
+                  <a:lstStyle/>
+                  <a:p>
+                    <a:pPr algn="ctr"/>
+                    <a:endParaRPr lang="en-US">
+                      <a:latin typeface="Times New Roman" panose="02020603050405020304" pitchFamily="18" charset="0"/>
+                      <a:cs typeface="Times New Roman" panose="02020603050405020304" pitchFamily="18" charset="0"/>
+                    </a:endParaRPr>
+                  </a:p>
+                </p:txBody>
+              </p:sp>
+              <p:cxnSp>
+                <p:nvCxnSpPr>
+                  <p:cNvPr id="432" name="Straight Connector 431"/>
+                  <p:cNvCxnSpPr/>
+                  <p:nvPr/>
+                </p:nvCxnSpPr>
+                <p:spPr>
+                  <a:xfrm rot="5400000">
+                    <a:off x="4495802" y="5638802"/>
+                    <a:ext cx="609598" cy="609598"/>
+                  </a:xfrm>
+                  <a:prstGeom prst="line">
+                    <a:avLst/>
+                  </a:prstGeom>
+                  <a:grpFill/>
+                  <a:ln w="3175" cap="flat" cmpd="sng" algn="ctr">
+                    <a:solidFill>
+                      <a:srgbClr val="400080"/>
+                    </a:solidFill>
+                    <a:prstDash val="solid"/>
+                    <a:round/>
+                    <a:headEnd type="none" w="med" len="med"/>
+                    <a:tailEnd type="none" w="med" len="med"/>
+                  </a:ln>
+                  <a:effectLst/>
+                </p:spPr>
+                <p:style>
+                  <a:lnRef idx="2">
+                    <a:schemeClr val="accent1"/>
+                  </a:lnRef>
+                  <a:fillRef idx="0">
+                    <a:schemeClr val="accent1"/>
+                  </a:fillRef>
+                  <a:effectRef idx="1">
+                    <a:schemeClr val="accent1"/>
+                  </a:effectRef>
+                  <a:fontRef idx="minor">
+                    <a:schemeClr val="tx1"/>
+                  </a:fontRef>
+                </p:style>
+              </p:cxnSp>
+              <p:cxnSp>
+                <p:nvCxnSpPr>
+                  <p:cNvPr id="433" name="Straight Connector 432"/>
+                  <p:cNvCxnSpPr/>
+                  <p:nvPr/>
+                </p:nvCxnSpPr>
+                <p:spPr>
+                  <a:xfrm rot="5400000">
+                    <a:off x="4495802" y="5791202"/>
+                    <a:ext cx="609598" cy="609598"/>
+                  </a:xfrm>
+                  <a:prstGeom prst="line">
+                    <a:avLst/>
+                  </a:prstGeom>
+                  <a:grpFill/>
+                  <a:ln w="12700" cap="flat" cmpd="sng" algn="ctr">
+                    <a:solidFill>
+                      <a:srgbClr val="400080"/>
+                    </a:solidFill>
+                    <a:prstDash val="solid"/>
+                    <a:round/>
+                    <a:headEnd type="none" w="med" len="med"/>
+                    <a:tailEnd type="none" w="med" len="med"/>
+                  </a:ln>
+                  <a:effectLst/>
+                </p:spPr>
+                <p:style>
+                  <a:lnRef idx="2">
+                    <a:schemeClr val="accent1"/>
+                  </a:lnRef>
+                  <a:fillRef idx="0">
+                    <a:schemeClr val="accent1"/>
+                  </a:fillRef>
+                  <a:effectRef idx="1">
+                    <a:schemeClr val="accent1"/>
+                  </a:effectRef>
+                  <a:fontRef idx="minor">
+                    <a:schemeClr val="tx1"/>
+                  </a:fontRef>
+                </p:style>
+              </p:cxnSp>
+              <p:cxnSp>
+                <p:nvCxnSpPr>
+                  <p:cNvPr id="434" name="Straight Connector 433"/>
+                  <p:cNvCxnSpPr/>
+                  <p:nvPr/>
+                </p:nvCxnSpPr>
+                <p:spPr>
+                  <a:xfrm rot="5400000">
+                    <a:off x="4495802" y="5943602"/>
+                    <a:ext cx="609598" cy="609598"/>
+                  </a:xfrm>
+                  <a:prstGeom prst="line">
+                    <a:avLst/>
+                  </a:prstGeom>
+                  <a:grpFill/>
+                  <a:ln w="12700" cap="flat" cmpd="sng" algn="ctr">
+                    <a:solidFill>
+                      <a:srgbClr val="400080"/>
+                    </a:solidFill>
+                    <a:prstDash val="solid"/>
+                    <a:round/>
+                    <a:headEnd type="none" w="med" len="med"/>
+                    <a:tailEnd type="none" w="med" len="med"/>
+                  </a:ln>
+                  <a:effectLst/>
+                </p:spPr>
+                <p:style>
+                  <a:lnRef idx="2">
+                    <a:schemeClr val="accent1"/>
+                  </a:lnRef>
+                  <a:fillRef idx="0">
+                    <a:schemeClr val="accent1"/>
+                  </a:fillRef>
+                  <a:effectRef idx="1">
+                    <a:schemeClr val="accent1"/>
+                  </a:effectRef>
+                  <a:fontRef idx="minor">
+                    <a:schemeClr val="tx1"/>
+                  </a:fontRef>
+                </p:style>
+              </p:cxnSp>
+              <p:cxnSp>
+                <p:nvCxnSpPr>
+                  <p:cNvPr id="435" name="Straight Connector 434"/>
+                  <p:cNvCxnSpPr/>
+                  <p:nvPr/>
+                </p:nvCxnSpPr>
+                <p:spPr>
+                  <a:xfrm rot="5400000">
+                    <a:off x="4495802" y="6096002"/>
+                    <a:ext cx="609598" cy="609598"/>
+                  </a:xfrm>
+                  <a:prstGeom prst="line">
+                    <a:avLst/>
+                  </a:prstGeom>
+                  <a:grpFill/>
+                  <a:ln w="12700" cap="flat" cmpd="sng" algn="ctr">
+                    <a:solidFill>
+                      <a:srgbClr val="400080"/>
+                    </a:solidFill>
+                    <a:prstDash val="solid"/>
+                    <a:round/>
+                    <a:headEnd type="none" w="med" len="med"/>
+                    <a:tailEnd type="none" w="med" len="med"/>
+                  </a:ln>
+                  <a:effectLst/>
+                </p:spPr>
+                <p:style>
+                  <a:lnRef idx="2">
+                    <a:schemeClr val="accent1"/>
+                  </a:lnRef>
+                  <a:fillRef idx="0">
+                    <a:schemeClr val="accent1"/>
+                  </a:fillRef>
+                  <a:effectRef idx="1">
+                    <a:schemeClr val="accent1"/>
+                  </a:effectRef>
+                  <a:fontRef idx="minor">
+                    <a:schemeClr val="tx1"/>
+                  </a:fontRef>
+                </p:style>
+              </p:cxnSp>
+              <p:sp>
+                <p:nvSpPr>
+                  <p:cNvPr id="205" name="Rectangle 204"/>
+                  <p:cNvSpPr/>
+                  <p:nvPr/>
+                </p:nvSpPr>
+                <p:spPr>
+                  <a:xfrm>
+                    <a:off x="4343400" y="6248400"/>
+                    <a:ext cx="152400" cy="152400"/>
+                  </a:xfrm>
+                  <a:prstGeom prst="rect">
+                    <a:avLst/>
+                  </a:prstGeom>
+                  <a:grpFill/>
+                  <a:ln w="12700" cap="flat" cmpd="sng" algn="ctr">
+                    <a:solidFill>
+                      <a:srgbClr val="400080"/>
+                    </a:solidFill>
+                    <a:prstDash val="solid"/>
+                    <a:round/>
+                    <a:headEnd type="none" w="med" len="med"/>
+                    <a:tailEnd type="none" w="med" len="med"/>
+                  </a:ln>
+                  <a:effectLst/>
+                </p:spPr>
+                <p:style>
+                  <a:lnRef idx="1">
+                    <a:schemeClr val="accent1"/>
+                  </a:lnRef>
+                  <a:fillRef idx="3">
+                    <a:schemeClr val="accent1"/>
+                  </a:fillRef>
+                  <a:effectRef idx="2">
+                    <a:schemeClr val="accent1"/>
+                  </a:effectRef>
+                  <a:fontRef idx="minor">
+                    <a:schemeClr val="lt1"/>
+                  </a:fontRef>
+                </p:style>
+                <p:txBody>
+                  <a:bodyPr rtlCol="0" anchor="ctr"/>
+                  <a:lstStyle/>
+                  <a:p>
+                    <a:pPr algn="ctr"/>
+                    <a:endParaRPr lang="en-US">
+                      <a:latin typeface="Times New Roman" panose="02020603050405020304" pitchFamily="18" charset="0"/>
+                      <a:cs typeface="Times New Roman" panose="02020603050405020304" pitchFamily="18" charset="0"/>
+                    </a:endParaRPr>
+                  </a:p>
+                </p:txBody>
+              </p:sp>
+              <p:sp>
+                <p:nvSpPr>
+                  <p:cNvPr id="206" name="Rectangle 205"/>
+                  <p:cNvSpPr/>
+                  <p:nvPr/>
+                </p:nvSpPr>
+                <p:spPr>
+                  <a:xfrm>
+                    <a:off x="4343400" y="6400800"/>
+                    <a:ext cx="152400" cy="152400"/>
+                  </a:xfrm>
+                  <a:prstGeom prst="rect">
+                    <a:avLst/>
+                  </a:prstGeom>
+                  <a:grpFill/>
+                  <a:ln w="12700" cap="flat" cmpd="sng" algn="ctr">
+                    <a:solidFill>
+                      <a:srgbClr val="400080"/>
+                    </a:solidFill>
+                    <a:prstDash val="solid"/>
+                    <a:round/>
+                    <a:headEnd type="none" w="med" len="med"/>
+                    <a:tailEnd type="none" w="med" len="med"/>
+                  </a:ln>
+                  <a:effectLst/>
+                </p:spPr>
+                <p:style>
+                  <a:lnRef idx="1">
+                    <a:schemeClr val="accent1"/>
+                  </a:lnRef>
+                  <a:fillRef idx="3">
+                    <a:schemeClr val="accent1"/>
+                  </a:fillRef>
+                  <a:effectRef idx="2">
+                    <a:schemeClr val="accent1"/>
+                  </a:effectRef>
+                  <a:fontRef idx="minor">
+                    <a:schemeClr val="lt1"/>
+                  </a:fontRef>
+                </p:style>
+                <p:txBody>
+                  <a:bodyPr rtlCol="0" anchor="ctr"/>
+                  <a:lstStyle/>
+                  <a:p>
+                    <a:pPr algn="ctr"/>
+                    <a:endParaRPr lang="en-US">
+                      <a:latin typeface="Times New Roman" panose="02020603050405020304" pitchFamily="18" charset="0"/>
+                      <a:cs typeface="Times New Roman" panose="02020603050405020304" pitchFamily="18" charset="0"/>
+                    </a:endParaRPr>
+                  </a:p>
+                </p:txBody>
+              </p:sp>
+              <p:sp>
+                <p:nvSpPr>
+                  <p:cNvPr id="207" name="Rectangle 206"/>
+                  <p:cNvSpPr/>
+                  <p:nvPr/>
+                </p:nvSpPr>
+                <p:spPr>
+                  <a:xfrm>
+                    <a:off x="4343400" y="6553200"/>
+                    <a:ext cx="152400" cy="152400"/>
+                  </a:xfrm>
+                  <a:prstGeom prst="rect">
+                    <a:avLst/>
+                  </a:prstGeom>
+                  <a:grpFill/>
+                  <a:ln w="12700" cap="flat" cmpd="sng" algn="ctr">
+                    <a:solidFill>
+                      <a:srgbClr val="400080"/>
+                    </a:solidFill>
+                    <a:prstDash val="solid"/>
+                    <a:round/>
+                    <a:headEnd type="none" w="med" len="med"/>
+                    <a:tailEnd type="none" w="med" len="med"/>
+                  </a:ln>
+                  <a:effectLst/>
+                </p:spPr>
+                <p:style>
+                  <a:lnRef idx="1">
+                    <a:schemeClr val="accent1"/>
+                  </a:lnRef>
+                  <a:fillRef idx="3">
+                    <a:schemeClr val="accent1"/>
+                  </a:fillRef>
+                  <a:effectRef idx="2">
+                    <a:schemeClr val="accent1"/>
+                  </a:effectRef>
+                  <a:fontRef idx="minor">
+                    <a:schemeClr val="lt1"/>
+                  </a:fontRef>
+                </p:style>
+                <p:txBody>
+                  <a:bodyPr rtlCol="0" anchor="ctr"/>
+                  <a:lstStyle/>
+                  <a:p>
+                    <a:pPr algn="ctr"/>
+                    <a:endParaRPr lang="en-US">
+                      <a:latin typeface="Times New Roman" panose="02020603050405020304" pitchFamily="18" charset="0"/>
+                      <a:cs typeface="Times New Roman" panose="02020603050405020304" pitchFamily="18" charset="0"/>
+                    </a:endParaRPr>
+                  </a:p>
+                </p:txBody>
+              </p:sp>
+              <p:sp>
+                <p:nvSpPr>
+                  <p:cNvPr id="208" name="Rectangle 207"/>
+                  <p:cNvSpPr/>
+                  <p:nvPr/>
+                </p:nvSpPr>
+                <p:spPr>
+                  <a:xfrm>
+                    <a:off x="4343400" y="6705600"/>
+                    <a:ext cx="152400" cy="152400"/>
+                  </a:xfrm>
+                  <a:prstGeom prst="rect">
+                    <a:avLst/>
+                  </a:prstGeom>
+                  <a:grpFill/>
+                  <a:ln w="12700" cap="flat" cmpd="sng" algn="ctr">
+                    <a:solidFill>
+                      <a:srgbClr val="400080"/>
+                    </a:solidFill>
+                    <a:prstDash val="solid"/>
+                    <a:round/>
+                    <a:headEnd type="none" w="med" len="med"/>
+                    <a:tailEnd type="none" w="med" len="med"/>
+                  </a:ln>
+                  <a:effectLst/>
+                </p:spPr>
+                <p:style>
+                  <a:lnRef idx="1">
+                    <a:schemeClr val="accent1"/>
+                  </a:lnRef>
+                  <a:fillRef idx="3">
+                    <a:schemeClr val="accent1"/>
+                  </a:fillRef>
+                  <a:effectRef idx="2">
+                    <a:schemeClr val="accent1"/>
+                  </a:effectRef>
+                  <a:fontRef idx="minor">
+                    <a:schemeClr val="lt1"/>
+                  </a:fontRef>
+                </p:style>
+                <p:txBody>
+                  <a:bodyPr rtlCol="0" anchor="ctr"/>
+                  <a:lstStyle/>
+                  <a:p>
+                    <a:pPr algn="ctr"/>
+                    <a:endParaRPr lang="en-US">
+                      <a:latin typeface="Times New Roman" panose="02020603050405020304" pitchFamily="18" charset="0"/>
+                      <a:cs typeface="Times New Roman" panose="02020603050405020304" pitchFamily="18" charset="0"/>
+                    </a:endParaRPr>
+                  </a:p>
+                </p:txBody>
+              </p:sp>
+            </p:grpSp>
+            <p:grpSp>
+              <p:nvGrpSpPr>
+                <p:cNvPr id="16" name="Group 435"/>
+                <p:cNvGrpSpPr/>
+                <p:nvPr/>
+              </p:nvGrpSpPr>
+              <p:grpSpPr>
+                <a:xfrm>
+                  <a:off x="3733800" y="4648200"/>
+                  <a:ext cx="609600" cy="152400"/>
+                  <a:chOff x="4114800" y="6172200"/>
+                  <a:chExt cx="609600" cy="152400"/>
+                </a:xfrm>
+              </p:grpSpPr>
+              <p:cxnSp>
+                <p:nvCxnSpPr>
+                  <p:cNvPr id="199" name="Straight Connector 198"/>
+                  <p:cNvCxnSpPr/>
+                  <p:nvPr/>
+                </p:nvCxnSpPr>
+                <p:spPr>
+                  <a:xfrm rot="16200000" flipH="1">
+                    <a:off x="4114800" y="6172200"/>
+                    <a:ext cx="152400" cy="152400"/>
+                  </a:xfrm>
+                  <a:prstGeom prst="line">
+                    <a:avLst/>
+                  </a:prstGeom>
+                  <a:ln w="38100" cap="flat" cmpd="sng" algn="ctr">
+                    <a:solidFill>
+                      <a:schemeClr val="tx1"/>
+                    </a:solidFill>
+                    <a:prstDash val="solid"/>
+                    <a:round/>
+                    <a:headEnd type="none" w="med" len="med"/>
+                    <a:tailEnd type="none" w="med" len="med"/>
+                  </a:ln>
+                  <a:effectLst/>
+                </p:spPr>
+                <p:style>
+                  <a:lnRef idx="2">
+                    <a:schemeClr val="accent1"/>
+                  </a:lnRef>
+                  <a:fillRef idx="0">
+                    <a:schemeClr val="accent1"/>
+                  </a:fillRef>
+                  <a:effectRef idx="1">
+                    <a:schemeClr val="accent1"/>
+                  </a:effectRef>
+                  <a:fontRef idx="minor">
+                    <a:schemeClr val="tx1"/>
+                  </a:fontRef>
+                </p:style>
+              </p:cxnSp>
+              <p:cxnSp>
+                <p:nvCxnSpPr>
+                  <p:cNvPr id="200" name="Straight Connector 199"/>
+                  <p:cNvCxnSpPr/>
+                  <p:nvPr/>
+                </p:nvCxnSpPr>
+                <p:spPr>
+                  <a:xfrm rot="10800000" flipH="1">
+                    <a:off x="4114801" y="6172200"/>
+                    <a:ext cx="152400" cy="152400"/>
+                  </a:xfrm>
+                  <a:prstGeom prst="line">
+                    <a:avLst/>
+                  </a:prstGeom>
+                  <a:ln w="38100" cap="flat" cmpd="sng" algn="ctr">
+                    <a:solidFill>
+                      <a:schemeClr val="tx1"/>
+                    </a:solidFill>
+                    <a:prstDash val="solid"/>
+                    <a:round/>
+                    <a:headEnd type="none" w="med" len="med"/>
+                    <a:tailEnd type="none" w="med" len="med"/>
+                  </a:ln>
+                  <a:effectLst/>
+                </p:spPr>
+                <p:style>
+                  <a:lnRef idx="2">
+                    <a:schemeClr val="accent1"/>
+                  </a:lnRef>
+                  <a:fillRef idx="0">
+                    <a:schemeClr val="accent1"/>
+                  </a:fillRef>
+                  <a:effectRef idx="1">
+                    <a:schemeClr val="accent1"/>
+                  </a:effectRef>
+                  <a:fontRef idx="minor">
+                    <a:schemeClr val="tx1"/>
+                  </a:fontRef>
+                </p:style>
+              </p:cxnSp>
+              <p:grpSp>
+                <p:nvGrpSpPr>
+                  <p:cNvPr id="17" name="Group 200"/>
+                  <p:cNvGrpSpPr/>
+                  <p:nvPr/>
+                </p:nvGrpSpPr>
+                <p:grpSpPr>
+                  <a:xfrm>
+                    <a:off x="4572000" y="6196584"/>
+                    <a:ext cx="152400" cy="76200"/>
+                    <a:chOff x="1828800" y="1295400"/>
+                    <a:chExt cx="152400" cy="76200"/>
+                  </a:xfrm>
+                </p:grpSpPr>
+                <p:cxnSp>
+                  <p:nvCxnSpPr>
+                    <p:cNvPr id="241" name="Straight Connector 240"/>
+                    <p:cNvCxnSpPr/>
+                    <p:nvPr/>
+                  </p:nvCxnSpPr>
+                  <p:spPr>
+                    <a:xfrm>
+                      <a:off x="1828801" y="1370012"/>
+                      <a:ext cx="152399" cy="1588"/>
+                    </a:xfrm>
+                    <a:prstGeom prst="line">
+                      <a:avLst/>
+                    </a:prstGeom>
+                    <a:ln w="38100" cap="flat" cmpd="sng" algn="ctr">
+                      <a:solidFill>
+                        <a:schemeClr val="tx1"/>
+                      </a:solidFill>
+                      <a:prstDash val="solid"/>
+                      <a:round/>
+                      <a:headEnd type="none" w="med" len="med"/>
+                      <a:tailEnd type="none" w="med" len="med"/>
+                    </a:ln>
+                    <a:effectLst/>
+                  </p:spPr>
+                  <p:style>
+                    <a:lnRef idx="2">
+                      <a:schemeClr val="accent1"/>
+                    </a:lnRef>
+                    <a:fillRef idx="0">
+                      <a:schemeClr val="accent1"/>
+                    </a:fillRef>
+                    <a:effectRef idx="1">
+                      <a:schemeClr val="accent1"/>
+                    </a:effectRef>
+                    <a:fontRef idx="minor">
+                      <a:schemeClr val="tx1"/>
+                    </a:fontRef>
+                  </p:style>
+                </p:cxnSp>
+                <p:cxnSp>
+                  <p:nvCxnSpPr>
+                    <p:cNvPr id="242" name="Straight Connector 241"/>
+                    <p:cNvCxnSpPr/>
+                    <p:nvPr/>
+                  </p:nvCxnSpPr>
+                  <p:spPr>
+                    <a:xfrm>
+                      <a:off x="1828800" y="1295400"/>
+                      <a:ext cx="152399" cy="1588"/>
+                    </a:xfrm>
+                    <a:prstGeom prst="line">
+                      <a:avLst/>
+                    </a:prstGeom>
+                    <a:ln w="38100" cap="flat" cmpd="sng" algn="ctr">
+                      <a:solidFill>
+                        <a:schemeClr val="tx1"/>
+                      </a:solidFill>
+                      <a:prstDash val="solid"/>
+                      <a:round/>
+                      <a:headEnd type="none" w="med" len="med"/>
+                      <a:tailEnd type="none" w="med" len="med"/>
+                    </a:ln>
+                    <a:effectLst/>
+                  </p:spPr>
+                  <p:style>
+                    <a:lnRef idx="2">
+                      <a:schemeClr val="accent1"/>
+                    </a:lnRef>
+                    <a:fillRef idx="0">
+                      <a:schemeClr val="accent1"/>
+                    </a:fillRef>
+                    <a:effectRef idx="1">
+                      <a:schemeClr val="accent1"/>
+                    </a:effectRef>
+                    <a:fontRef idx="minor">
+                      <a:schemeClr val="tx1"/>
+                    </a:fontRef>
+                  </p:style>
+                </p:cxnSp>
+              </p:grpSp>
+            </p:grpSp>
+            <p:grpSp>
+              <p:nvGrpSpPr>
+                <p:cNvPr id="18" name="Group 437"/>
+                <p:cNvGrpSpPr/>
+                <p:nvPr/>
+              </p:nvGrpSpPr>
+              <p:grpSpPr>
+                <a:xfrm>
+                  <a:off x="4419600" y="3806952"/>
+                  <a:ext cx="762000" cy="1222248"/>
+                  <a:chOff x="4343400" y="5635752"/>
+                  <a:chExt cx="762000" cy="1222248"/>
+                </a:xfrm>
+                <a:solidFill>
+                  <a:srgbClr val="3366FF"/>
+                </a:solidFill>
+              </p:grpSpPr>
+              <p:sp>
+                <p:nvSpPr>
+                  <p:cNvPr id="439" name="Parallelogram 438"/>
+                  <p:cNvSpPr/>
+                  <p:nvPr/>
+                </p:nvSpPr>
+                <p:spPr>
+                  <a:xfrm rot="5400000" flipH="1">
+                    <a:off x="4189476" y="5942076"/>
+                    <a:ext cx="1222248" cy="609600"/>
+                  </a:xfrm>
+                  <a:prstGeom prst="parallelogram">
+                    <a:avLst>
+                      <a:gd name="adj" fmla="val 100521"/>
+                    </a:avLst>
+                  </a:prstGeom>
+                  <a:grpFill/>
+                  <a:ln w="12700" cap="flat" cmpd="sng" algn="ctr">
+                    <a:solidFill>
+                      <a:srgbClr val="000090"/>
+                    </a:solidFill>
+                    <a:prstDash val="solid"/>
+                    <a:round/>
+                    <a:headEnd type="none" w="med" len="med"/>
+                    <a:tailEnd type="none" w="med" len="med"/>
+                  </a:ln>
+                  <a:effectLst/>
+                </p:spPr>
+                <p:style>
+                  <a:lnRef idx="1">
+                    <a:schemeClr val="accent1"/>
+                  </a:lnRef>
+                  <a:fillRef idx="3">
+                    <a:schemeClr val="accent1"/>
+                  </a:fillRef>
+                  <a:effectRef idx="2">
+                    <a:schemeClr val="accent1"/>
+                  </a:effectRef>
+                  <a:fontRef idx="minor">
+                    <a:schemeClr val="lt1"/>
+                  </a:fontRef>
+                </p:style>
+                <p:txBody>
+                  <a:bodyPr rtlCol="0" anchor="ctr"/>
+                  <a:lstStyle/>
+                  <a:p>
+                    <a:pPr algn="ctr"/>
+                    <a:endParaRPr lang="en-US">
+                      <a:latin typeface="Times New Roman" panose="02020603050405020304" pitchFamily="18" charset="0"/>
+                      <a:cs typeface="Times New Roman" panose="02020603050405020304" pitchFamily="18" charset="0"/>
+                    </a:endParaRPr>
+                  </a:p>
+                </p:txBody>
+              </p:sp>
+              <p:sp>
+                <p:nvSpPr>
+                  <p:cNvPr id="440" name="Parallelogram 439"/>
+                  <p:cNvSpPr/>
+                  <p:nvPr/>
+                </p:nvSpPr>
+                <p:spPr>
+                  <a:xfrm>
+                    <a:off x="4343405" y="5638800"/>
+                    <a:ext cx="761995" cy="609600"/>
+                  </a:xfrm>
+                  <a:prstGeom prst="parallelogram">
+                    <a:avLst>
+                      <a:gd name="adj" fmla="val 100521"/>
+                    </a:avLst>
+                  </a:prstGeom>
+                  <a:grpFill/>
+                  <a:ln w="12700" cap="flat" cmpd="sng" algn="ctr">
+                    <a:solidFill>
+                      <a:srgbClr val="000090"/>
+                    </a:solidFill>
+                    <a:prstDash val="solid"/>
+                    <a:round/>
+                    <a:headEnd type="none" w="med" len="med"/>
+                    <a:tailEnd type="none" w="med" len="med"/>
+                  </a:ln>
+                  <a:effectLst/>
+                </p:spPr>
+                <p:style>
+                  <a:lnRef idx="1">
+                    <a:schemeClr val="accent1"/>
+                  </a:lnRef>
+                  <a:fillRef idx="3">
+                    <a:schemeClr val="accent1"/>
+                  </a:fillRef>
+                  <a:effectRef idx="2">
+                    <a:schemeClr val="accent1"/>
+                  </a:effectRef>
+                  <a:fontRef idx="minor">
+                    <a:schemeClr val="lt1"/>
+                  </a:fontRef>
+                </p:style>
+                <p:txBody>
+                  <a:bodyPr rtlCol="0" anchor="ctr"/>
+                  <a:lstStyle/>
+                  <a:p>
+                    <a:pPr algn="ctr"/>
+                    <a:endParaRPr lang="en-US">
+                      <a:latin typeface="Times New Roman" panose="02020603050405020304" pitchFamily="18" charset="0"/>
+                      <a:cs typeface="Times New Roman" panose="02020603050405020304" pitchFamily="18" charset="0"/>
+                    </a:endParaRPr>
+                  </a:p>
+                </p:txBody>
+              </p:sp>
+              <p:cxnSp>
+                <p:nvCxnSpPr>
+                  <p:cNvPr id="444" name="Straight Connector 443"/>
+                  <p:cNvCxnSpPr/>
+                  <p:nvPr/>
+                </p:nvCxnSpPr>
+                <p:spPr>
+                  <a:xfrm rot="5400000">
+                    <a:off x="4495802" y="5638802"/>
+                    <a:ext cx="609598" cy="609598"/>
+                  </a:xfrm>
+                  <a:prstGeom prst="line">
+                    <a:avLst/>
+                  </a:prstGeom>
+                  <a:grpFill/>
+                  <a:ln w="3175" cap="flat" cmpd="sng" algn="ctr">
+                    <a:solidFill>
+                      <a:srgbClr val="000090"/>
+                    </a:solidFill>
+                    <a:prstDash val="solid"/>
+                    <a:round/>
+                    <a:headEnd type="none" w="med" len="med"/>
+                    <a:tailEnd type="none" w="med" len="med"/>
+                  </a:ln>
+                  <a:effectLst/>
+                </p:spPr>
+                <p:style>
+                  <a:lnRef idx="2">
+                    <a:schemeClr val="accent1"/>
+                  </a:lnRef>
+                  <a:fillRef idx="0">
+                    <a:schemeClr val="accent1"/>
+                  </a:fillRef>
+                  <a:effectRef idx="1">
+                    <a:schemeClr val="accent1"/>
+                  </a:effectRef>
+                  <a:fontRef idx="minor">
+                    <a:schemeClr val="tx1"/>
+                  </a:fontRef>
+                </p:style>
+              </p:cxnSp>
+              <p:cxnSp>
+                <p:nvCxnSpPr>
+                  <p:cNvPr id="445" name="Straight Connector 444"/>
+                  <p:cNvCxnSpPr/>
+                  <p:nvPr/>
+                </p:nvCxnSpPr>
+                <p:spPr>
+                  <a:xfrm rot="5400000">
+                    <a:off x="4495802" y="5791202"/>
+                    <a:ext cx="609598" cy="609598"/>
+                  </a:xfrm>
+                  <a:prstGeom prst="line">
+                    <a:avLst/>
+                  </a:prstGeom>
+                  <a:grpFill/>
+                  <a:ln w="12700" cap="flat" cmpd="sng" algn="ctr">
+                    <a:solidFill>
+                      <a:srgbClr val="000090"/>
+                    </a:solidFill>
+                    <a:prstDash val="solid"/>
+                    <a:round/>
+                    <a:headEnd type="none" w="med" len="med"/>
+                    <a:tailEnd type="none" w="med" len="med"/>
+                  </a:ln>
+                  <a:effectLst/>
+                </p:spPr>
+                <p:style>
+                  <a:lnRef idx="2">
+                    <a:schemeClr val="accent1"/>
+                  </a:lnRef>
+                  <a:fillRef idx="0">
+                    <a:schemeClr val="accent1"/>
+                  </a:fillRef>
+                  <a:effectRef idx="1">
+                    <a:schemeClr val="accent1"/>
+                  </a:effectRef>
+                  <a:fontRef idx="minor">
+                    <a:schemeClr val="tx1"/>
+                  </a:fontRef>
+                </p:style>
+              </p:cxnSp>
+              <p:cxnSp>
+                <p:nvCxnSpPr>
+                  <p:cNvPr id="446" name="Straight Connector 445"/>
+                  <p:cNvCxnSpPr/>
+                  <p:nvPr/>
+                </p:nvCxnSpPr>
+                <p:spPr>
+                  <a:xfrm rot="5400000">
+                    <a:off x="4495802" y="5943602"/>
+                    <a:ext cx="609598" cy="609598"/>
+                  </a:xfrm>
+                  <a:prstGeom prst="line">
+                    <a:avLst/>
+                  </a:prstGeom>
+                  <a:grpFill/>
+                  <a:ln w="12700" cap="flat" cmpd="sng" algn="ctr">
+                    <a:solidFill>
+                      <a:srgbClr val="000090"/>
+                    </a:solidFill>
+                    <a:prstDash val="solid"/>
+                    <a:round/>
+                    <a:headEnd type="none" w="med" len="med"/>
+                    <a:tailEnd type="none" w="med" len="med"/>
+                  </a:ln>
+                  <a:effectLst/>
+                </p:spPr>
+                <p:style>
+                  <a:lnRef idx="2">
+                    <a:schemeClr val="accent1"/>
+                  </a:lnRef>
+                  <a:fillRef idx="0">
+                    <a:schemeClr val="accent1"/>
+                  </a:fillRef>
+                  <a:effectRef idx="1">
+                    <a:schemeClr val="accent1"/>
+                  </a:effectRef>
+                  <a:fontRef idx="minor">
+                    <a:schemeClr val="tx1"/>
+                  </a:fontRef>
+                </p:style>
+              </p:cxnSp>
+              <p:cxnSp>
+                <p:nvCxnSpPr>
+                  <p:cNvPr id="447" name="Straight Connector 446"/>
+                  <p:cNvCxnSpPr/>
+                  <p:nvPr/>
+                </p:nvCxnSpPr>
+                <p:spPr>
+                  <a:xfrm rot="5400000">
+                    <a:off x="4495802" y="6096002"/>
+                    <a:ext cx="609598" cy="609598"/>
+                  </a:xfrm>
+                  <a:prstGeom prst="line">
+                    <a:avLst/>
+                  </a:prstGeom>
+                  <a:grpFill/>
+                  <a:ln w="12700" cap="flat" cmpd="sng" algn="ctr">
+                    <a:solidFill>
+                      <a:srgbClr val="000090"/>
+                    </a:solidFill>
+                    <a:prstDash val="solid"/>
+                    <a:round/>
+                    <a:headEnd type="none" w="med" len="med"/>
+                    <a:tailEnd type="none" w="med" len="med"/>
+                  </a:ln>
+                  <a:effectLst/>
+                </p:spPr>
+                <p:style>
+                  <a:lnRef idx="2">
+                    <a:schemeClr val="accent1"/>
+                  </a:lnRef>
+                  <a:fillRef idx="0">
+                    <a:schemeClr val="accent1"/>
+                  </a:fillRef>
+                  <a:effectRef idx="1">
+                    <a:schemeClr val="accent1"/>
+                  </a:effectRef>
+                  <a:fontRef idx="minor">
+                    <a:schemeClr val="tx1"/>
+                  </a:fontRef>
+                </p:style>
+              </p:cxnSp>
+              <p:sp>
+                <p:nvSpPr>
+                  <p:cNvPr id="452" name="Rectangle 451"/>
+                  <p:cNvSpPr/>
+                  <p:nvPr/>
+                </p:nvSpPr>
+                <p:spPr>
+                  <a:xfrm>
+                    <a:off x="4343400" y="6248400"/>
+                    <a:ext cx="152400" cy="152400"/>
+                  </a:xfrm>
+                  <a:prstGeom prst="rect">
+                    <a:avLst/>
+                  </a:prstGeom>
+                  <a:grpFill/>
+                  <a:ln w="12700" cap="flat" cmpd="sng" algn="ctr">
+                    <a:solidFill>
+                      <a:srgbClr val="000090"/>
+                    </a:solidFill>
+                    <a:prstDash val="solid"/>
+                    <a:round/>
+                    <a:headEnd type="none" w="med" len="med"/>
+                    <a:tailEnd type="none" w="med" len="med"/>
+                  </a:ln>
+                  <a:effectLst/>
+                </p:spPr>
+                <p:style>
+                  <a:lnRef idx="1">
+                    <a:schemeClr val="accent1"/>
+                  </a:lnRef>
+                  <a:fillRef idx="3">
+                    <a:schemeClr val="accent1"/>
+                  </a:fillRef>
+                  <a:effectRef idx="2">
+                    <a:schemeClr val="accent1"/>
+                  </a:effectRef>
+                  <a:fontRef idx="minor">
+                    <a:schemeClr val="lt1"/>
+                  </a:fontRef>
+                </p:style>
+                <p:txBody>
+                  <a:bodyPr rtlCol="0" anchor="ctr"/>
+                  <a:lstStyle/>
+                  <a:p>
+                    <a:pPr algn="ctr"/>
+                    <a:endParaRPr lang="en-US">
+                      <a:latin typeface="Times New Roman" panose="02020603050405020304" pitchFamily="18" charset="0"/>
+                      <a:cs typeface="Times New Roman" panose="02020603050405020304" pitchFamily="18" charset="0"/>
+                    </a:endParaRPr>
+                  </a:p>
+                </p:txBody>
+              </p:sp>
+              <p:sp>
+                <p:nvSpPr>
+                  <p:cNvPr id="453" name="Rectangle 452"/>
+                  <p:cNvSpPr/>
+                  <p:nvPr/>
+                </p:nvSpPr>
+                <p:spPr>
+                  <a:xfrm>
+                    <a:off x="4343400" y="6400800"/>
+                    <a:ext cx="152400" cy="152400"/>
+                  </a:xfrm>
+                  <a:prstGeom prst="rect">
+                    <a:avLst/>
+                  </a:prstGeom>
+                  <a:grpFill/>
+                  <a:ln w="12700" cap="flat" cmpd="sng" algn="ctr">
+                    <a:solidFill>
+                      <a:srgbClr val="000090"/>
+                    </a:solidFill>
+                    <a:prstDash val="solid"/>
+                    <a:round/>
+                    <a:headEnd type="none" w="med" len="med"/>
+                    <a:tailEnd type="none" w="med" len="med"/>
+                  </a:ln>
+                  <a:effectLst/>
+                </p:spPr>
+                <p:style>
+                  <a:lnRef idx="1">
+                    <a:schemeClr val="accent1"/>
+                  </a:lnRef>
+                  <a:fillRef idx="3">
+                    <a:schemeClr val="accent1"/>
+                  </a:fillRef>
+                  <a:effectRef idx="2">
+                    <a:schemeClr val="accent1"/>
+                  </a:effectRef>
+                  <a:fontRef idx="minor">
+                    <a:schemeClr val="lt1"/>
+                  </a:fontRef>
+                </p:style>
+                <p:txBody>
+                  <a:bodyPr rtlCol="0" anchor="ctr"/>
+                  <a:lstStyle/>
+                  <a:p>
+                    <a:pPr algn="ctr"/>
+                    <a:endParaRPr lang="en-US">
+                      <a:latin typeface="Times New Roman" panose="02020603050405020304" pitchFamily="18" charset="0"/>
+                      <a:cs typeface="Times New Roman" panose="02020603050405020304" pitchFamily="18" charset="0"/>
+                    </a:endParaRPr>
+                  </a:p>
+                </p:txBody>
+              </p:sp>
+              <p:sp>
+                <p:nvSpPr>
+                  <p:cNvPr id="454" name="Rectangle 453"/>
+                  <p:cNvSpPr/>
+                  <p:nvPr/>
+                </p:nvSpPr>
+                <p:spPr>
+                  <a:xfrm>
+                    <a:off x="4343400" y="6553200"/>
+                    <a:ext cx="152400" cy="152400"/>
+                  </a:xfrm>
+                  <a:prstGeom prst="rect">
+                    <a:avLst/>
+                  </a:prstGeom>
+                  <a:grpFill/>
+                  <a:ln w="12700" cap="flat" cmpd="sng" algn="ctr">
+                    <a:solidFill>
+                      <a:srgbClr val="000090"/>
+                    </a:solidFill>
+                    <a:prstDash val="solid"/>
+                    <a:round/>
+                    <a:headEnd type="none" w="med" len="med"/>
+                    <a:tailEnd type="none" w="med" len="med"/>
+                  </a:ln>
+                  <a:effectLst/>
+                </p:spPr>
+                <p:style>
+                  <a:lnRef idx="1">
+                    <a:schemeClr val="accent1"/>
+                  </a:lnRef>
+                  <a:fillRef idx="3">
+                    <a:schemeClr val="accent1"/>
+                  </a:fillRef>
+                  <a:effectRef idx="2">
+                    <a:schemeClr val="accent1"/>
+                  </a:effectRef>
+                  <a:fontRef idx="minor">
+                    <a:schemeClr val="lt1"/>
+                  </a:fontRef>
+                </p:style>
+                <p:txBody>
+                  <a:bodyPr rtlCol="0" anchor="ctr"/>
+                  <a:lstStyle/>
+                  <a:p>
+                    <a:pPr algn="ctr"/>
+                    <a:endParaRPr lang="en-US">
+                      <a:latin typeface="Times New Roman" panose="02020603050405020304" pitchFamily="18" charset="0"/>
+                      <a:cs typeface="Times New Roman" panose="02020603050405020304" pitchFamily="18" charset="0"/>
+                    </a:endParaRPr>
+                  </a:p>
+                </p:txBody>
+              </p:sp>
+              <p:sp>
+                <p:nvSpPr>
+                  <p:cNvPr id="455" name="Rectangle 454"/>
+                  <p:cNvSpPr/>
+                  <p:nvPr/>
+                </p:nvSpPr>
+                <p:spPr>
+                  <a:xfrm>
+                    <a:off x="4343400" y="6705600"/>
+                    <a:ext cx="152400" cy="152400"/>
+                  </a:xfrm>
+                  <a:prstGeom prst="rect">
+                    <a:avLst/>
+                  </a:prstGeom>
+                  <a:grpFill/>
+                  <a:ln w="12700" cap="flat" cmpd="sng" algn="ctr">
+                    <a:solidFill>
+                      <a:srgbClr val="000090"/>
+                    </a:solidFill>
+                    <a:prstDash val="solid"/>
+                    <a:round/>
+                    <a:headEnd type="none" w="med" len="med"/>
+                    <a:tailEnd type="none" w="med" len="med"/>
+                  </a:ln>
+                  <a:effectLst/>
+                </p:spPr>
+                <p:style>
+                  <a:lnRef idx="1">
+                    <a:schemeClr val="accent1"/>
+                  </a:lnRef>
+                  <a:fillRef idx="3">
+                    <a:schemeClr val="accent1"/>
+                  </a:fillRef>
+                  <a:effectRef idx="2">
+                    <a:schemeClr val="accent1"/>
+                  </a:effectRef>
+                  <a:fontRef idx="minor">
+                    <a:schemeClr val="lt1"/>
+                  </a:fontRef>
+                </p:style>
+                <p:txBody>
+                  <a:bodyPr rtlCol="0" anchor="ctr"/>
+                  <a:lstStyle/>
+                  <a:p>
+                    <a:pPr algn="ctr"/>
+                    <a:endParaRPr lang="en-US">
+                      <a:latin typeface="Times New Roman" panose="02020603050405020304" pitchFamily="18" charset="0"/>
+                      <a:cs typeface="Times New Roman" panose="02020603050405020304" pitchFamily="18" charset="0"/>
+                    </a:endParaRPr>
+                  </a:p>
+                </p:txBody>
+              </p:sp>
+            </p:grpSp>
+            <p:cxnSp>
+              <p:nvCxnSpPr>
+                <p:cNvPr id="484" name="Straight Arrow Connector 483"/>
+                <p:cNvCxnSpPr/>
+                <p:nvPr/>
+              </p:nvCxnSpPr>
+              <p:spPr>
+                <a:xfrm rot="5400000" flipH="1" flipV="1">
+                  <a:off x="4724400" y="4495800"/>
+                  <a:ext cx="533400" cy="533400"/>
+                </a:xfrm>
+                <a:prstGeom prst="straightConnector1">
+                  <a:avLst/>
+                </a:prstGeom>
+                <a:ln w="15875" cap="flat" cmpd="sng" algn="ctr">
+                  <a:solidFill>
+                    <a:schemeClr val="tx1"/>
+                  </a:solidFill>
+                  <a:prstDash val="solid"/>
+                  <a:round/>
+                  <a:headEnd type="none" w="med" len="med"/>
+                  <a:tailEnd type="stealth" w="sm" len="sm"/>
+                </a:ln>
+                <a:effectLst/>
+              </p:spPr>
+              <p:style>
+                <a:lnRef idx="2">
+                  <a:schemeClr val="accent1"/>
+                </a:lnRef>
+                <a:fillRef idx="0">
+                  <a:schemeClr val="accent1"/>
+                </a:fillRef>
+                <a:effectRef idx="1">
+                  <a:schemeClr val="accent1"/>
+                </a:effectRef>
+                <a:fontRef idx="minor">
+                  <a:schemeClr val="tx1"/>
+                </a:fontRef>
+              </p:style>
+            </p:cxnSp>
+            <p:sp>
+              <p:nvSpPr>
+                <p:cNvPr id="486" name="TextBox 485"/>
+                <p:cNvSpPr txBox="1"/>
+                <p:nvPr/>
+              </p:nvSpPr>
+              <p:spPr>
+                <a:xfrm rot="18900000">
+                  <a:off x="4778345" y="4750836"/>
+                  <a:ext cx="617467" cy="228600"/>
+                </a:xfrm>
+                <a:prstGeom prst="rect">
+                  <a:avLst/>
+                </a:prstGeom>
+                <a:noFill/>
+              </p:spPr>
+              <p:txBody>
+                <a:bodyPr wrap="none" lIns="0" tIns="0" rIns="0" bIns="0" rtlCol="0" anchor="ctr" anchorCtr="1">
+                  <a:noAutofit/>
+                </a:bodyPr>
+                <a:lstStyle/>
+                <a:p>
+                  <a:pPr algn="ctr"/>
+                  <a:r>
+                    <a:rPr lang="en-US" sz="1000" b="1" dirty="0" err="1">
+                      <a:latin typeface="Times New Roman" panose="02020603050405020304" pitchFamily="18" charset="0"/>
+                      <a:cs typeface="Times New Roman" panose="02020603050405020304" pitchFamily="18" charset="0"/>
+                    </a:rPr>
+                    <a:t>v</a:t>
+                  </a:r>
+                  <a:r>
+                    <a:rPr lang="en-US" sz="1000" b="1" dirty="0" err="1" smtClean="0">
+                      <a:latin typeface="Times New Roman" panose="02020603050405020304" pitchFamily="18" charset="0"/>
+                      <a:cs typeface="Times New Roman" panose="02020603050405020304" pitchFamily="18" charset="0"/>
+                    </a:rPr>
+                    <a:t>ectorize</a:t>
+                  </a:r>
+                  <a:r>
+                    <a:rPr lang="en-US" sz="1000" b="1" i="1" dirty="0" smtClean="0">
+                      <a:latin typeface="Times New Roman" panose="02020603050405020304" pitchFamily="18" charset="0"/>
+                      <a:cs typeface="Times New Roman" panose="02020603050405020304" pitchFamily="18" charset="0"/>
+                    </a:rPr>
+                    <a:t> </a:t>
+                  </a:r>
+                  <a:r>
+                    <a:rPr lang="en-US" sz="1000" b="1" i="1" dirty="0" err="1">
+                      <a:latin typeface="Times New Roman" panose="02020603050405020304" pitchFamily="18" charset="0"/>
+                      <a:cs typeface="Times New Roman" panose="02020603050405020304" pitchFamily="18" charset="0"/>
+                    </a:rPr>
+                    <a:t>i</a:t>
+                  </a:r>
+                  <a:endParaRPr lang="en-US" sz="1000" b="1" i="1" dirty="0">
+                    <a:latin typeface="Times New Roman" panose="02020603050405020304" pitchFamily="18" charset="0"/>
+                    <a:cs typeface="Times New Roman" panose="02020603050405020304" pitchFamily="18" charset="0"/>
+                  </a:endParaRPr>
+                </a:p>
+              </p:txBody>
+            </p:sp>
+          </p:grpSp>
+          <p:sp>
+            <p:nvSpPr>
+              <p:cNvPr id="477" name="Freeform 476"/>
+              <p:cNvSpPr/>
+              <p:nvPr/>
+            </p:nvSpPr>
+            <p:spPr>
+              <a:xfrm>
+                <a:off x="1674014" y="3678936"/>
+                <a:ext cx="2977234" cy="435864"/>
+              </a:xfrm>
+              <a:custGeom>
+                <a:avLst/>
+                <a:gdLst>
+                  <a:gd name="connsiteX0" fmla="*/ 0 w 3219450"/>
+                  <a:gd name="connsiteY0" fmla="*/ 486833 h 486833"/>
+                  <a:gd name="connsiteX1" fmla="*/ 1676400 w 3219450"/>
+                  <a:gd name="connsiteY1" fmla="*/ 10583 h 486833"/>
+                  <a:gd name="connsiteX2" fmla="*/ 3219450 w 3219450"/>
+                  <a:gd name="connsiteY2" fmla="*/ 423333 h 486833"/>
+                </a:gdLst>
+                <a:ahLst/>
+                <a:cxnLst>
+                  <a:cxn ang="0">
+                    <a:pos x="connsiteX0" y="connsiteY0"/>
+                  </a:cxn>
+                  <a:cxn ang="0">
+                    <a:pos x="connsiteX1" y="connsiteY1"/>
+                  </a:cxn>
+                  <a:cxn ang="0">
+                    <a:pos x="connsiteX2" y="connsiteY2"/>
+                  </a:cxn>
+                </a:cxnLst>
+                <a:rect l="l" t="t" r="r" b="b"/>
+                <a:pathLst>
+                  <a:path w="3219450" h="486833">
+                    <a:moveTo>
+                      <a:pt x="0" y="486833"/>
+                    </a:moveTo>
+                    <a:cubicBezTo>
+                      <a:pt x="569912" y="253999"/>
+                      <a:pt x="1139825" y="21166"/>
+                      <a:pt x="1676400" y="10583"/>
+                    </a:cubicBezTo>
+                    <a:cubicBezTo>
+                      <a:pt x="2212975" y="0"/>
+                      <a:pt x="3219450" y="423333"/>
+                      <a:pt x="3219450" y="423333"/>
+                    </a:cubicBezTo>
+                  </a:path>
+                </a:pathLst>
+              </a:custGeom>
+              <a:ln>
+                <a:solidFill>
+                  <a:srgbClr val="000000"/>
+                </a:solidFill>
+                <a:tailEnd type="stealth" w="lg" len="lg"/>
+              </a:ln>
+            </p:spPr>
+            <p:style>
+              <a:lnRef idx="2">
+                <a:schemeClr val="accent1"/>
+              </a:lnRef>
+              <a:fillRef idx="0">
+                <a:schemeClr val="accent1"/>
+              </a:fillRef>
+              <a:effectRef idx="1">
+                <a:schemeClr val="accent1"/>
+              </a:effectRef>
+              <a:fontRef idx="minor">
+                <a:schemeClr val="tx1"/>
+              </a:fontRef>
+            </p:style>
+            <p:txBody>
+              <a:bodyPr rtlCol="0" anchor="ctr"/>
+              <a:lstStyle/>
+              <a:p>
+                <a:pPr algn="ctr"/>
+                <a:endParaRPr lang="en-US">
+                  <a:latin typeface="Times New Roman" panose="02020603050405020304" pitchFamily="18" charset="0"/>
+                  <a:cs typeface="Times New Roman" panose="02020603050405020304" pitchFamily="18" charset="0"/>
+                </a:endParaRPr>
+              </a:p>
+            </p:txBody>
+          </p:sp>
+          <p:sp>
+            <p:nvSpPr>
+              <p:cNvPr id="476" name="Freeform 475"/>
+              <p:cNvSpPr/>
+              <p:nvPr/>
+            </p:nvSpPr>
+            <p:spPr>
+              <a:xfrm>
+                <a:off x="4559300" y="3692106"/>
+                <a:ext cx="1765300" cy="422694"/>
+              </a:xfrm>
+              <a:custGeom>
+                <a:avLst/>
+                <a:gdLst>
+                  <a:gd name="connsiteX0" fmla="*/ 0 w 1301750"/>
+                  <a:gd name="connsiteY0" fmla="*/ 192617 h 433917"/>
+                  <a:gd name="connsiteX1" fmla="*/ 869950 w 1301750"/>
+                  <a:gd name="connsiteY1" fmla="*/ 40217 h 433917"/>
+                  <a:gd name="connsiteX2" fmla="*/ 1301750 w 1301750"/>
+                  <a:gd name="connsiteY2" fmla="*/ 433917 h 433917"/>
+                </a:gdLst>
+                <a:ahLst/>
+                <a:cxnLst>
+                  <a:cxn ang="0">
+                    <a:pos x="connsiteX0" y="connsiteY0"/>
+                  </a:cxn>
+                  <a:cxn ang="0">
+                    <a:pos x="connsiteX1" y="connsiteY1"/>
+                  </a:cxn>
+                  <a:cxn ang="0">
+                    <a:pos x="connsiteX2" y="connsiteY2"/>
+                  </a:cxn>
+                </a:cxnLst>
+                <a:rect l="l" t="t" r="r" b="b"/>
+                <a:pathLst>
+                  <a:path w="1301750" h="433917">
+                    <a:moveTo>
+                      <a:pt x="0" y="192617"/>
+                    </a:moveTo>
+                    <a:cubicBezTo>
+                      <a:pt x="326496" y="96308"/>
+                      <a:pt x="652992" y="0"/>
+                      <a:pt x="869950" y="40217"/>
+                    </a:cubicBezTo>
+                    <a:cubicBezTo>
+                      <a:pt x="1086908" y="80434"/>
+                      <a:pt x="1194329" y="257175"/>
+                      <a:pt x="1301750" y="433917"/>
+                    </a:cubicBezTo>
+                  </a:path>
+                </a:pathLst>
+              </a:custGeom>
+              <a:ln>
+                <a:solidFill>
+                  <a:srgbClr val="000000"/>
+                </a:solidFill>
+                <a:tailEnd type="stealth" w="lg" len="lg"/>
+              </a:ln>
+            </p:spPr>
+            <p:style>
+              <a:lnRef idx="2">
+                <a:schemeClr val="accent1"/>
+              </a:lnRef>
+              <a:fillRef idx="0">
+                <a:schemeClr val="accent1"/>
+              </a:fillRef>
+              <a:effectRef idx="1">
+                <a:schemeClr val="accent1"/>
+              </a:effectRef>
+              <a:fontRef idx="minor">
+                <a:schemeClr val="tx1"/>
+              </a:fontRef>
+            </p:style>
+            <p:txBody>
+              <a:bodyPr rtlCol="0" anchor="ctr"/>
+              <a:lstStyle/>
+              <a:p>
+                <a:pPr algn="ctr"/>
+                <a:endParaRPr lang="en-US">
+                  <a:latin typeface="Times New Roman" panose="02020603050405020304" pitchFamily="18" charset="0"/>
+                  <a:cs typeface="Times New Roman" panose="02020603050405020304" pitchFamily="18" charset="0"/>
+                </a:endParaRPr>
+              </a:p>
+            </p:txBody>
+          </p:sp>
+        </p:grpSp>
+      </p:grpSp>
+    </p:spTree>
+    <p:extLst>
+      <p:ext uri="{BB962C8B-B14F-4D97-AF65-F5344CB8AC3E}">
+        <p14:creationId xmlns:p14="http://schemas.microsoft.com/office/powerpoint/2010/main" val="4083810825"/>
+      </p:ext>
+    </p:extLst>
+  </p:cSld>
+  <p:clrMapOvr>
+    <a:masterClrMapping/>
+  </p:clrMapOvr>
+</p:sld>
+</file>
+
+<file path=ppt/slides/slide4.xml><?xml version="1.0" encoding="utf-8"?>
+<p:sld xmlns:a="http://schemas.openxmlformats.org/drawingml/2006/main" xmlns:r="http://schemas.openxmlformats.org/officeDocument/2006/relationships" xmlns:p="http://schemas.openxmlformats.org/presentationml/2006/main">
+  <p:cSld>
+    <p:spTree>
+      <p:nvGrpSpPr>
+        <p:cNvPr id="1" name=""/>
+        <p:cNvGrpSpPr/>
+        <p:nvPr/>
+      </p:nvGrpSpPr>
+      <p:grpSpPr>
+        <a:xfrm>
+          <a:off x="0" y="0"/>
+          <a:ext cx="0" cy="0"/>
+          <a:chOff x="0" y="0"/>
+          <a:chExt cx="0" cy="0"/>
+        </a:xfrm>
+      </p:grpSpPr>
       <p:sp>
         <p:nvSpPr>
           <p:cNvPr id="312" name="TextBox 311"/>
@@ -20791,7 +29255,7 @@
 </p:sld>
 </file>
 
-<file path=ppt/slides/slide3.xml><?xml version="1.0" encoding="utf-8"?>
+<file path=ppt/slides/slide5.xml><?xml version="1.0" encoding="utf-8"?>
 <p:sld xmlns:a="http://schemas.openxmlformats.org/drawingml/2006/main" xmlns:r="http://schemas.openxmlformats.org/officeDocument/2006/relationships" xmlns:p="http://schemas.openxmlformats.org/presentationml/2006/main">
   <p:cSld>
     <p:spTree>
@@ -21933,7 +30397,7 @@
 </p:sld>
 </file>
 
-<file path=ppt/slides/slide4.xml><?xml version="1.0" encoding="utf-8"?>
+<file path=ppt/slides/slide6.xml><?xml version="1.0" encoding="utf-8"?>
 <p:sld xmlns:a="http://schemas.openxmlformats.org/drawingml/2006/main" xmlns:r="http://schemas.openxmlformats.org/officeDocument/2006/relationships" xmlns:p="http://schemas.openxmlformats.org/presentationml/2006/main">
   <p:cSld>
     <p:spTree>
@@ -25211,7 +33675,7 @@
 </p:sld>
 </file>
 
-<file path=ppt/slides/slide5.xml><?xml version="1.0" encoding="utf-8"?>
+<file path=ppt/slides/slide7.xml><?xml version="1.0" encoding="utf-8"?>
 <p:sld xmlns:a="http://schemas.openxmlformats.org/drawingml/2006/main" xmlns:r="http://schemas.openxmlformats.org/officeDocument/2006/relationships" xmlns:p="http://schemas.openxmlformats.org/presentationml/2006/main">
   <p:cSld>
     <p:spTree>
@@ -28487,7 +36951,7 @@
 </p:sld>
 </file>
 
-<file path=ppt/slides/slide6.xml><?xml version="1.0" encoding="utf-8"?>
+<file path=ppt/slides/slide8.xml><?xml version="1.0" encoding="utf-8"?>
 <p:sld xmlns:a="http://schemas.openxmlformats.org/drawingml/2006/main" xmlns:r="http://schemas.openxmlformats.org/officeDocument/2006/relationships" xmlns:p="http://schemas.openxmlformats.org/presentationml/2006/main">
   <p:cSld>
     <p:spTree>
